--- a/Project - 2 - LACity Crime Visualizations.pptx
+++ b/Project - 2 - LACity Crime Visualizations.pptx
@@ -2,7 +2,7 @@
 <file path=ppt/presentation.xml><?xml version="1.0" encoding="utf-8"?>
 <p:presentation xmlns:a="http://schemas.openxmlformats.org/drawingml/2006/main" xmlns:r="http://schemas.openxmlformats.org/officeDocument/2006/relationships" xmlns:p="http://schemas.openxmlformats.org/presentationml/2006/main" autoCompressPictures="0">
   <p:sldMasterIdLst>
-    <p:sldMasterId id="2147483660" r:id="rId1"/>
+    <p:sldMasterId id="2147483672" r:id="rId1"/>
   </p:sldMasterIdLst>
   <p:sldIdLst>
     <p:sldId id="256" r:id="rId2"/>
@@ -1326,7 +1326,7 @@
             <a:fld id="{9334D819-9F07-4261-B09B-9E467E5D9002}" type="datetimeFigureOut">
               <a:rPr lang="en-US" smtClean="0"/>
               <a:pPr/>
-              <a:t>11/2/18</a:t>
+              <a:t>11/3/18</a:t>
             </a:fld>
             <a:endParaRPr lang="en-US" dirty="0"/>
           </a:p>
@@ -1446,7 +1446,7 @@
     </p:spTree>
     <p:extLst>
       <p:ext uri="{BB962C8B-B14F-4D97-AF65-F5344CB8AC3E}">
-        <p14:creationId xmlns:p14="http://schemas.microsoft.com/office/powerpoint/2010/main" val="2011708264"/>
+        <p14:creationId xmlns:p14="http://schemas.microsoft.com/office/powerpoint/2010/main" val="885407016"/>
       </p:ext>
     </p:extLst>
   </p:cSld>
@@ -1565,7 +1565,7 @@
           <a:p>
             <a:fld id="{9334D819-9F07-4261-B09B-9E467E5D9002}" type="datetimeFigureOut">
               <a:rPr lang="en-US" smtClean="0"/>
-              <a:t>11/2/18</a:t>
+              <a:t>11/3/18</a:t>
             </a:fld>
             <a:endParaRPr lang="en-US" dirty="0"/>
           </a:p>
@@ -1616,7 +1616,7 @@
     </p:spTree>
     <p:extLst>
       <p:ext uri="{BB962C8B-B14F-4D97-AF65-F5344CB8AC3E}">
-        <p14:creationId xmlns:p14="http://schemas.microsoft.com/office/powerpoint/2010/main" val="505311850"/>
+        <p14:creationId xmlns:p14="http://schemas.microsoft.com/office/powerpoint/2010/main" val="1852207645"/>
       </p:ext>
     </p:extLst>
   </p:cSld>
@@ -1745,7 +1745,7 @@
           <a:p>
             <a:fld id="{9334D819-9F07-4261-B09B-9E467E5D9002}" type="datetimeFigureOut">
               <a:rPr lang="en-US" smtClean="0"/>
-              <a:t>11/2/18</a:t>
+              <a:t>11/3/18</a:t>
             </a:fld>
             <a:endParaRPr lang="en-US" dirty="0"/>
           </a:p>
@@ -1796,7 +1796,7 @@
     </p:spTree>
     <p:extLst>
       <p:ext uri="{BB962C8B-B14F-4D97-AF65-F5344CB8AC3E}">
-        <p14:creationId xmlns:p14="http://schemas.microsoft.com/office/powerpoint/2010/main" val="3761172703"/>
+        <p14:creationId xmlns:p14="http://schemas.microsoft.com/office/powerpoint/2010/main" val="642565262"/>
       </p:ext>
     </p:extLst>
   </p:cSld>
@@ -1915,7 +1915,7 @@
           <a:p>
             <a:fld id="{9334D819-9F07-4261-B09B-9E467E5D9002}" type="datetimeFigureOut">
               <a:rPr lang="en-US" smtClean="0"/>
-              <a:t>11/2/18</a:t>
+              <a:t>11/3/18</a:t>
             </a:fld>
             <a:endParaRPr lang="en-US" dirty="0"/>
           </a:p>
@@ -1966,7 +1966,7 @@
     </p:spTree>
     <p:extLst>
       <p:ext uri="{BB962C8B-B14F-4D97-AF65-F5344CB8AC3E}">
-        <p14:creationId xmlns:p14="http://schemas.microsoft.com/office/powerpoint/2010/main" val="1762596091"/>
+        <p14:creationId xmlns:p14="http://schemas.microsoft.com/office/powerpoint/2010/main" val="1156245269"/>
       </p:ext>
     </p:extLst>
   </p:cSld>
@@ -2189,7 +2189,7 @@
             <a:fld id="{9334D819-9F07-4261-B09B-9E467E5D9002}" type="datetimeFigureOut">
               <a:rPr lang="en-US" smtClean="0"/>
               <a:pPr/>
-              <a:t>11/2/18</a:t>
+              <a:t>11/3/18</a:t>
             </a:fld>
             <a:endParaRPr lang="en-US" dirty="0"/>
           </a:p>
@@ -3210,7 +3210,7 @@
     </p:spTree>
     <p:extLst>
       <p:ext uri="{BB962C8B-B14F-4D97-AF65-F5344CB8AC3E}">
-        <p14:creationId xmlns:p14="http://schemas.microsoft.com/office/powerpoint/2010/main" val="714061556"/>
+        <p14:creationId xmlns:p14="http://schemas.microsoft.com/office/powerpoint/2010/main" val="3573205370"/>
       </p:ext>
     </p:extLst>
   </p:cSld>
@@ -3391,7 +3391,7 @@
           <a:p>
             <a:fld id="{9334D819-9F07-4261-B09B-9E467E5D9002}" type="datetimeFigureOut">
               <a:rPr lang="en-US" smtClean="0"/>
-              <a:t>11/2/18</a:t>
+              <a:t>11/3/18</a:t>
             </a:fld>
             <a:endParaRPr lang="en-US" dirty="0"/>
           </a:p>
@@ -3442,7 +3442,7 @@
     </p:spTree>
     <p:extLst>
       <p:ext uri="{BB962C8B-B14F-4D97-AF65-F5344CB8AC3E}">
-        <p14:creationId xmlns:p14="http://schemas.microsoft.com/office/powerpoint/2010/main" val="4121245803"/>
+        <p14:creationId xmlns:p14="http://schemas.microsoft.com/office/powerpoint/2010/main" val="1104455975"/>
       </p:ext>
     </p:extLst>
   </p:cSld>
@@ -3781,7 +3781,7 @@
           <a:p>
             <a:fld id="{9334D819-9F07-4261-B09B-9E467E5D9002}" type="datetimeFigureOut">
               <a:rPr lang="en-US" smtClean="0"/>
-              <a:t>11/2/18</a:t>
+              <a:t>11/3/18</a:t>
             </a:fld>
             <a:endParaRPr lang="en-US" dirty="0"/>
           </a:p>
@@ -3832,7 +3832,7 @@
     </p:spTree>
     <p:extLst>
       <p:ext uri="{BB962C8B-B14F-4D97-AF65-F5344CB8AC3E}">
-        <p14:creationId xmlns:p14="http://schemas.microsoft.com/office/powerpoint/2010/main" val="3343904442"/>
+        <p14:creationId xmlns:p14="http://schemas.microsoft.com/office/powerpoint/2010/main" val="2902356369"/>
       </p:ext>
     </p:extLst>
   </p:cSld>
@@ -3904,7 +3904,7 @@
           <a:p>
             <a:fld id="{9334D819-9F07-4261-B09B-9E467E5D9002}" type="datetimeFigureOut">
               <a:rPr lang="en-US" smtClean="0"/>
-              <a:t>11/2/18</a:t>
+              <a:t>11/3/18</a:t>
             </a:fld>
             <a:endParaRPr lang="en-US" dirty="0"/>
           </a:p>
@@ -3955,7 +3955,7 @@
     </p:spTree>
     <p:extLst>
       <p:ext uri="{BB962C8B-B14F-4D97-AF65-F5344CB8AC3E}">
-        <p14:creationId xmlns:p14="http://schemas.microsoft.com/office/powerpoint/2010/main" val="1175809338"/>
+        <p14:creationId xmlns:p14="http://schemas.microsoft.com/office/powerpoint/2010/main" val="2818534549"/>
       </p:ext>
     </p:extLst>
   </p:cSld>
@@ -3999,7 +3999,7 @@
           <a:p>
             <a:fld id="{9334D819-9F07-4261-B09B-9E467E5D9002}" type="datetimeFigureOut">
               <a:rPr lang="en-US" smtClean="0"/>
-              <a:t>11/2/18</a:t>
+              <a:t>11/3/18</a:t>
             </a:fld>
             <a:endParaRPr lang="en-US" dirty="0"/>
           </a:p>
@@ -4050,7 +4050,7 @@
     </p:spTree>
     <p:extLst>
       <p:ext uri="{BB962C8B-B14F-4D97-AF65-F5344CB8AC3E}">
-        <p14:creationId xmlns:p14="http://schemas.microsoft.com/office/powerpoint/2010/main" val="984548747"/>
+        <p14:creationId xmlns:p14="http://schemas.microsoft.com/office/powerpoint/2010/main" val="3633199884"/>
       </p:ext>
     </p:extLst>
   </p:cSld>
@@ -4762,7 +4762,7 @@
           <a:p>
             <a:fld id="{9334D819-9F07-4261-B09B-9E467E5D9002}" type="datetimeFigureOut">
               <a:rPr lang="en-US" smtClean="0"/>
-              <a:t>11/2/18</a:t>
+              <a:t>11/3/18</a:t>
             </a:fld>
             <a:endParaRPr lang="en-US" dirty="0"/>
           </a:p>
@@ -4861,7 +4861,7 @@
     </p:spTree>
     <p:extLst>
       <p:ext uri="{BB962C8B-B14F-4D97-AF65-F5344CB8AC3E}">
-        <p14:creationId xmlns:p14="http://schemas.microsoft.com/office/powerpoint/2010/main" val="850069072"/>
+        <p14:creationId xmlns:p14="http://schemas.microsoft.com/office/powerpoint/2010/main" val="1375456189"/>
       </p:ext>
     </p:extLst>
   </p:cSld>
@@ -5602,7 +5602,7 @@
           <a:p>
             <a:fld id="{9334D819-9F07-4261-B09B-9E467E5D9002}" type="datetimeFigureOut">
               <a:rPr lang="en-US" smtClean="0"/>
-              <a:t>11/2/18</a:t>
+              <a:t>11/3/18</a:t>
             </a:fld>
             <a:endParaRPr lang="en-US" dirty="0"/>
           </a:p>
@@ -5663,7 +5663,7 @@
     </p:spTree>
     <p:extLst>
       <p:ext uri="{BB962C8B-B14F-4D97-AF65-F5344CB8AC3E}">
-        <p14:creationId xmlns:p14="http://schemas.microsoft.com/office/powerpoint/2010/main" val="2699052124"/>
+        <p14:creationId xmlns:p14="http://schemas.microsoft.com/office/powerpoint/2010/main" val="477664745"/>
       </p:ext>
     </p:extLst>
   </p:cSld>
@@ -5830,7 +5830,7 @@
             <a:fld id="{9334D819-9F07-4261-B09B-9E467E5D9002}" type="datetimeFigureOut">
               <a:rPr lang="en-US" smtClean="0"/>
               <a:pPr/>
-              <a:t>11/2/18</a:t>
+              <a:t>11/3/18</a:t>
             </a:fld>
             <a:endParaRPr lang="en-US" dirty="0"/>
           </a:p>
@@ -6422,23 +6422,23 @@
     </p:spTree>
     <p:extLst>
       <p:ext uri="{BB962C8B-B14F-4D97-AF65-F5344CB8AC3E}">
-        <p14:creationId xmlns:p14="http://schemas.microsoft.com/office/powerpoint/2010/main" val="2488761717"/>
+        <p14:creationId xmlns:p14="http://schemas.microsoft.com/office/powerpoint/2010/main" val="3173852190"/>
       </p:ext>
     </p:extLst>
   </p:cSld>
   <p:clrMap bg1="lt1" tx1="dk1" bg2="lt2" tx2="dk2" accent1="accent1" accent2="accent2" accent3="accent3" accent4="accent4" accent5="accent5" accent6="accent6" hlink="hlink" folHlink="folHlink"/>
   <p:sldLayoutIdLst>
-    <p:sldLayoutId id="2147483661" r:id="rId1"/>
-    <p:sldLayoutId id="2147483662" r:id="rId2"/>
-    <p:sldLayoutId id="2147483663" r:id="rId3"/>
-    <p:sldLayoutId id="2147483664" r:id="rId4"/>
-    <p:sldLayoutId id="2147483665" r:id="rId5"/>
-    <p:sldLayoutId id="2147483666" r:id="rId6"/>
-    <p:sldLayoutId id="2147483667" r:id="rId7"/>
-    <p:sldLayoutId id="2147483668" r:id="rId8"/>
-    <p:sldLayoutId id="2147483669" r:id="rId9"/>
-    <p:sldLayoutId id="2147483670" r:id="rId10"/>
-    <p:sldLayoutId id="2147483671" r:id="rId11"/>
+    <p:sldLayoutId id="2147483673" r:id="rId1"/>
+    <p:sldLayoutId id="2147483674" r:id="rId2"/>
+    <p:sldLayoutId id="2147483675" r:id="rId3"/>
+    <p:sldLayoutId id="2147483676" r:id="rId4"/>
+    <p:sldLayoutId id="2147483677" r:id="rId5"/>
+    <p:sldLayoutId id="2147483678" r:id="rId6"/>
+    <p:sldLayoutId id="2147483679" r:id="rId7"/>
+    <p:sldLayoutId id="2147483680" r:id="rId8"/>
+    <p:sldLayoutId id="2147483681" r:id="rId9"/>
+    <p:sldLayoutId id="2147483682" r:id="rId10"/>
+    <p:sldLayoutId id="2147483683" r:id="rId11"/>
   </p:sldLayoutIdLst>
   <p:txStyles>
     <p:titleStyle>
@@ -6818,9 +6818,14 @@
   <p:cSld>
     <p:bg>
       <p:bgPr>
-        <a:solidFill>
-          <a:schemeClr val="bg1"/>
-        </a:solidFill>
+        <a:pattFill prst="pct25">
+          <a:fgClr>
+            <a:schemeClr val="accent1"/>
+          </a:fgClr>
+          <a:bgClr>
+            <a:schemeClr val="bg1"/>
+          </a:bgClr>
+        </a:pattFill>
         <a:effectLst/>
       </p:bgPr>
     </p:bg>
@@ -6838,12 +6843,12 @@
           <a:chExt cx="0" cy="0"/>
         </a:xfrm>
       </p:grpSpPr>
-      <p:sp>
+      <p:sp useBgFill="1">
         <p:nvSpPr>
-          <p:cNvPr id="16" name="Rectangle 9">
+          <p:cNvPr id="23" name="Rectangle 22">
             <a:extLst>
               <a:ext uri="{FF2B5EF4-FFF2-40B4-BE49-F238E27FC236}">
-                <a16:creationId xmlns:a16="http://schemas.microsoft.com/office/drawing/2014/main" id="{EA58EDEB-96D3-4A8D-8D74-17A55E83D506}"/>
+                <a16:creationId xmlns:a16="http://schemas.microsoft.com/office/drawing/2014/main" id="{B56EF530-75FC-4976-A39D-87A5DFE98CCD}"/>
               </a:ext>
               <a:ext uri="{C183D7F6-B498-43B3-948B-1728B52AA6E4}">
                 <adec:decorative xmlns:adec="http://schemas.microsoft.com/office/drawing/2017/decorative" val="1"/>
@@ -6861,16 +6866,1075 @@
             </p:extLst>
           </p:nvPr>
         </p:nvSpPr>
-        <p:spPr bwMode="ltGray">
+        <p:spPr bwMode="white">
           <a:xfrm>
-            <a:off x="4639060" y="0"/>
-            <a:ext cx="7552940" cy="6858000"/>
+            <a:off x="0" y="0"/>
+            <a:ext cx="12192000" cy="6858000"/>
+          </a:xfrm>
+          <a:prstGeom prst="rect">
+            <a:avLst/>
+          </a:prstGeom>
+          <a:ln>
+            <a:noFill/>
+          </a:ln>
+        </p:spPr>
+        <p:style>
+          <a:lnRef idx="2">
+            <a:schemeClr val="accent1">
+              <a:shade val="50000"/>
+            </a:schemeClr>
+          </a:lnRef>
+          <a:fillRef idx="1">
+            <a:schemeClr val="accent1"/>
+          </a:fillRef>
+          <a:effectRef idx="0">
+            <a:schemeClr val="accent1"/>
+          </a:effectRef>
+          <a:fontRef idx="minor">
+            <a:schemeClr val="lt1"/>
+          </a:fontRef>
+        </p:style>
+        <p:txBody>
+          <a:bodyPr rot="0" spcFirstLastPara="0" vert="horz" wrap="square" lIns="91440" tIns="45720" rIns="91440" bIns="45720" numCol="1" spcCol="0" rtlCol="0" fromWordArt="0" anchor="ctr" anchorCtr="0" forceAA="0" compatLnSpc="1">
+            <a:prstTxWarp prst="textNoShape">
+              <a:avLst/>
+            </a:prstTxWarp>
+            <a:noAutofit/>
+          </a:bodyPr>
+          <a:lstStyle>
+            <a:defPPr>
+              <a:defRPr lang="en-US"/>
+            </a:defPPr>
+            <a:lvl1pPr marL="0" algn="l" defTabSz="914400" rtl="0" eaLnBrk="1" latinLnBrk="0" hangingPunct="1">
+              <a:defRPr sz="1800" kern="1200">
+                <a:solidFill>
+                  <a:schemeClr val="lt1"/>
+                </a:solidFill>
+                <a:latin typeface="+mn-lt"/>
+                <a:ea typeface="+mn-ea"/>
+                <a:cs typeface="+mn-cs"/>
+              </a:defRPr>
+            </a:lvl1pPr>
+            <a:lvl2pPr marL="457200" algn="l" defTabSz="914400" rtl="0" eaLnBrk="1" latinLnBrk="0" hangingPunct="1">
+              <a:defRPr sz="1800" kern="1200">
+                <a:solidFill>
+                  <a:schemeClr val="lt1"/>
+                </a:solidFill>
+                <a:latin typeface="+mn-lt"/>
+                <a:ea typeface="+mn-ea"/>
+                <a:cs typeface="+mn-cs"/>
+              </a:defRPr>
+            </a:lvl2pPr>
+            <a:lvl3pPr marL="914400" algn="l" defTabSz="914400" rtl="0" eaLnBrk="1" latinLnBrk="0" hangingPunct="1">
+              <a:defRPr sz="1800" kern="1200">
+                <a:solidFill>
+                  <a:schemeClr val="lt1"/>
+                </a:solidFill>
+                <a:latin typeface="+mn-lt"/>
+                <a:ea typeface="+mn-ea"/>
+                <a:cs typeface="+mn-cs"/>
+              </a:defRPr>
+            </a:lvl3pPr>
+            <a:lvl4pPr marL="1371600" algn="l" defTabSz="914400" rtl="0" eaLnBrk="1" latinLnBrk="0" hangingPunct="1">
+              <a:defRPr sz="1800" kern="1200">
+                <a:solidFill>
+                  <a:schemeClr val="lt1"/>
+                </a:solidFill>
+                <a:latin typeface="+mn-lt"/>
+                <a:ea typeface="+mn-ea"/>
+                <a:cs typeface="+mn-cs"/>
+              </a:defRPr>
+            </a:lvl4pPr>
+            <a:lvl5pPr marL="1828800" algn="l" defTabSz="914400" rtl="0" eaLnBrk="1" latinLnBrk="0" hangingPunct="1">
+              <a:defRPr sz="1800" kern="1200">
+                <a:solidFill>
+                  <a:schemeClr val="lt1"/>
+                </a:solidFill>
+                <a:latin typeface="+mn-lt"/>
+                <a:ea typeface="+mn-ea"/>
+                <a:cs typeface="+mn-cs"/>
+              </a:defRPr>
+            </a:lvl5pPr>
+            <a:lvl6pPr marL="2286000" algn="l" defTabSz="914400" rtl="0" eaLnBrk="1" latinLnBrk="0" hangingPunct="1">
+              <a:defRPr sz="1800" kern="1200">
+                <a:solidFill>
+                  <a:schemeClr val="lt1"/>
+                </a:solidFill>
+                <a:latin typeface="+mn-lt"/>
+                <a:ea typeface="+mn-ea"/>
+                <a:cs typeface="+mn-cs"/>
+              </a:defRPr>
+            </a:lvl6pPr>
+            <a:lvl7pPr marL="2743200" algn="l" defTabSz="914400" rtl="0" eaLnBrk="1" latinLnBrk="0" hangingPunct="1">
+              <a:defRPr sz="1800" kern="1200">
+                <a:solidFill>
+                  <a:schemeClr val="lt1"/>
+                </a:solidFill>
+                <a:latin typeface="+mn-lt"/>
+                <a:ea typeface="+mn-ea"/>
+                <a:cs typeface="+mn-cs"/>
+              </a:defRPr>
+            </a:lvl7pPr>
+            <a:lvl8pPr marL="3200400" algn="l" defTabSz="914400" rtl="0" eaLnBrk="1" latinLnBrk="0" hangingPunct="1">
+              <a:defRPr sz="1800" kern="1200">
+                <a:solidFill>
+                  <a:schemeClr val="lt1"/>
+                </a:solidFill>
+                <a:latin typeface="+mn-lt"/>
+                <a:ea typeface="+mn-ea"/>
+                <a:cs typeface="+mn-cs"/>
+              </a:defRPr>
+            </a:lvl8pPr>
+            <a:lvl9pPr marL="3657600" algn="l" defTabSz="914400" rtl="0" eaLnBrk="1" latinLnBrk="0" hangingPunct="1">
+              <a:defRPr sz="1800" kern="1200">
+                <a:solidFill>
+                  <a:schemeClr val="lt1"/>
+                </a:solidFill>
+                <a:latin typeface="+mn-lt"/>
+                <a:ea typeface="+mn-ea"/>
+                <a:cs typeface="+mn-cs"/>
+              </a:defRPr>
+            </a:lvl9pPr>
+          </a:lstStyle>
+          <a:p>
+            <a:pPr algn="ctr"/>
+            <a:endParaRPr lang="en-US"/>
+          </a:p>
+        </p:txBody>
+      </p:sp>
+      <p:sp>
+        <p:nvSpPr>
+          <p:cNvPr id="25" name="Freeform 13">
+            <a:extLst>
+              <a:ext uri="{FF2B5EF4-FFF2-40B4-BE49-F238E27FC236}">
+                <a16:creationId xmlns:a16="http://schemas.microsoft.com/office/drawing/2014/main" id="{368ECFAF-FF94-4771-B4BD-B28D909D4709}"/>
+              </a:ext>
+              <a:ext uri="{C183D7F6-B498-43B3-948B-1728B52AA6E4}">
+                <adec:decorative xmlns:adec="http://schemas.microsoft.com/office/drawing/2017/decorative" val="1"/>
+              </a:ext>
+            </a:extLst>
+          </p:cNvPr>
+          <p:cNvSpPr>
+            <a:spLocks noGrp="1" noRot="1" noChangeAspect="1" noMove="1" noResize="1" noEditPoints="1" noAdjustHandles="1" noChangeArrowheads="1" noChangeShapeType="1" noTextEdit="1"/>
+          </p:cNvSpPr>
+          <p:nvPr>
+            <p:extLst>
+              <p:ext uri="{386F3935-93C4-4BCD-93E2-E3B085C9AB24}">
+                <p16:designElem xmlns:p16="http://schemas.microsoft.com/office/powerpoint/2015/main" val="1"/>
+              </p:ext>
+            </p:extLst>
+          </p:nvPr>
+        </p:nvSpPr>
+        <p:spPr bwMode="white">
+          <a:xfrm flipH="1">
+            <a:off x="141730" y="0"/>
+            <a:ext cx="7789615" cy="6858000"/>
+          </a:xfrm>
+          <a:custGeom>
+            <a:avLst/>
+            <a:gdLst>
+              <a:gd name="connsiteX0" fmla="*/ 9807836 w 9807836"/>
+              <a:gd name="connsiteY0" fmla="*/ 0 h 6858000"/>
+              <a:gd name="connsiteX1" fmla="*/ 0 w 9807836"/>
+              <a:gd name="connsiteY1" fmla="*/ 0 h 6858000"/>
+              <a:gd name="connsiteX2" fmla="*/ 26987 w 9807836"/>
+              <a:gd name="connsiteY2" fmla="*/ 87312 h 6858000"/>
+              <a:gd name="connsiteX3" fmla="*/ 52387 w 9807836"/>
+              <a:gd name="connsiteY3" fmla="*/ 174625 h 6858000"/>
+              <a:gd name="connsiteX4" fmla="*/ 77787 w 9807836"/>
+              <a:gd name="connsiteY4" fmla="*/ 263525 h 6858000"/>
+              <a:gd name="connsiteX5" fmla="*/ 100012 w 9807836"/>
+              <a:gd name="connsiteY5" fmla="*/ 354012 h 6858000"/>
+              <a:gd name="connsiteX6" fmla="*/ 127000 w 9807836"/>
+              <a:gd name="connsiteY6" fmla="*/ 441325 h 6858000"/>
+              <a:gd name="connsiteX7" fmla="*/ 155575 w 9807836"/>
+              <a:gd name="connsiteY7" fmla="*/ 525462 h 6858000"/>
+              <a:gd name="connsiteX8" fmla="*/ 192087 w 9807836"/>
+              <a:gd name="connsiteY8" fmla="*/ 604837 h 6858000"/>
+              <a:gd name="connsiteX9" fmla="*/ 234950 w 9807836"/>
+              <a:gd name="connsiteY9" fmla="*/ 677862 h 6858000"/>
+              <a:gd name="connsiteX10" fmla="*/ 282575 w 9807836"/>
+              <a:gd name="connsiteY10" fmla="*/ 739775 h 6858000"/>
+              <a:gd name="connsiteX11" fmla="*/ 334962 w 9807836"/>
+              <a:gd name="connsiteY11" fmla="*/ 798512 h 6858000"/>
+              <a:gd name="connsiteX12" fmla="*/ 395287 w 9807836"/>
+              <a:gd name="connsiteY12" fmla="*/ 852487 h 6858000"/>
+              <a:gd name="connsiteX13" fmla="*/ 458787 w 9807836"/>
+              <a:gd name="connsiteY13" fmla="*/ 906462 h 6858000"/>
+              <a:gd name="connsiteX14" fmla="*/ 525462 w 9807836"/>
+              <a:gd name="connsiteY14" fmla="*/ 957262 h 6858000"/>
+              <a:gd name="connsiteX15" fmla="*/ 592137 w 9807836"/>
+              <a:gd name="connsiteY15" fmla="*/ 1008062 h 6858000"/>
+              <a:gd name="connsiteX16" fmla="*/ 660400 w 9807836"/>
+              <a:gd name="connsiteY16" fmla="*/ 1060450 h 6858000"/>
+              <a:gd name="connsiteX17" fmla="*/ 725487 w 9807836"/>
+              <a:gd name="connsiteY17" fmla="*/ 1111250 h 6858000"/>
+              <a:gd name="connsiteX18" fmla="*/ 787400 w 9807836"/>
+              <a:gd name="connsiteY18" fmla="*/ 1165225 h 6858000"/>
+              <a:gd name="connsiteX19" fmla="*/ 844550 w 9807836"/>
+              <a:gd name="connsiteY19" fmla="*/ 1223962 h 6858000"/>
+              <a:gd name="connsiteX20" fmla="*/ 896937 w 9807836"/>
+              <a:gd name="connsiteY20" fmla="*/ 1282700 h 6858000"/>
+              <a:gd name="connsiteX21" fmla="*/ 939800 w 9807836"/>
+              <a:gd name="connsiteY21" fmla="*/ 1346200 h 6858000"/>
+              <a:gd name="connsiteX22" fmla="*/ 976312 w 9807836"/>
+              <a:gd name="connsiteY22" fmla="*/ 1417637 h 6858000"/>
+              <a:gd name="connsiteX23" fmla="*/ 998537 w 9807836"/>
+              <a:gd name="connsiteY23" fmla="*/ 1487487 h 6858000"/>
+              <a:gd name="connsiteX24" fmla="*/ 1012825 w 9807836"/>
+              <a:gd name="connsiteY24" fmla="*/ 1565275 h 6858000"/>
+              <a:gd name="connsiteX25" fmla="*/ 1019175 w 9807836"/>
+              <a:gd name="connsiteY25" fmla="*/ 1641475 h 6858000"/>
+              <a:gd name="connsiteX26" fmla="*/ 1017587 w 9807836"/>
+              <a:gd name="connsiteY26" fmla="*/ 1722437 h 6858000"/>
+              <a:gd name="connsiteX27" fmla="*/ 1011237 w 9807836"/>
+              <a:gd name="connsiteY27" fmla="*/ 1803400 h 6858000"/>
+              <a:gd name="connsiteX28" fmla="*/ 1003300 w 9807836"/>
+              <a:gd name="connsiteY28" fmla="*/ 1887537 h 6858000"/>
+              <a:gd name="connsiteX29" fmla="*/ 992187 w 9807836"/>
+              <a:gd name="connsiteY29" fmla="*/ 1971675 h 6858000"/>
+              <a:gd name="connsiteX30" fmla="*/ 979487 w 9807836"/>
+              <a:gd name="connsiteY30" fmla="*/ 2055812 h 6858000"/>
+              <a:gd name="connsiteX31" fmla="*/ 969962 w 9807836"/>
+              <a:gd name="connsiteY31" fmla="*/ 2139950 h 6858000"/>
+              <a:gd name="connsiteX32" fmla="*/ 963612 w 9807836"/>
+              <a:gd name="connsiteY32" fmla="*/ 2224087 h 6858000"/>
+              <a:gd name="connsiteX33" fmla="*/ 958850 w 9807836"/>
+              <a:gd name="connsiteY33" fmla="*/ 2305050 h 6858000"/>
+              <a:gd name="connsiteX34" fmla="*/ 963612 w 9807836"/>
+              <a:gd name="connsiteY34" fmla="*/ 2384425 h 6858000"/>
+              <a:gd name="connsiteX35" fmla="*/ 973137 w 9807836"/>
+              <a:gd name="connsiteY35" fmla="*/ 2462212 h 6858000"/>
+              <a:gd name="connsiteX36" fmla="*/ 993775 w 9807836"/>
+              <a:gd name="connsiteY36" fmla="*/ 2543175 h 6858000"/>
+              <a:gd name="connsiteX37" fmla="*/ 1025525 w 9807836"/>
+              <a:gd name="connsiteY37" fmla="*/ 2622550 h 6858000"/>
+              <a:gd name="connsiteX38" fmla="*/ 1063625 w 9807836"/>
+              <a:gd name="connsiteY38" fmla="*/ 2701925 h 6858000"/>
+              <a:gd name="connsiteX39" fmla="*/ 1106487 w 9807836"/>
+              <a:gd name="connsiteY39" fmla="*/ 2781300 h 6858000"/>
+              <a:gd name="connsiteX40" fmla="*/ 1150937 w 9807836"/>
+              <a:gd name="connsiteY40" fmla="*/ 2859087 h 6858000"/>
+              <a:gd name="connsiteX41" fmla="*/ 1198562 w 9807836"/>
+              <a:gd name="connsiteY41" fmla="*/ 2938462 h 6858000"/>
+              <a:gd name="connsiteX42" fmla="*/ 1241425 w 9807836"/>
+              <a:gd name="connsiteY42" fmla="*/ 3017837 h 6858000"/>
+              <a:gd name="connsiteX43" fmla="*/ 1284288 w 9807836"/>
+              <a:gd name="connsiteY43" fmla="*/ 3098800 h 6858000"/>
+              <a:gd name="connsiteX44" fmla="*/ 1320800 w 9807836"/>
+              <a:gd name="connsiteY44" fmla="*/ 3179762 h 6858000"/>
+              <a:gd name="connsiteX45" fmla="*/ 1349375 w 9807836"/>
+              <a:gd name="connsiteY45" fmla="*/ 3260725 h 6858000"/>
+              <a:gd name="connsiteX46" fmla="*/ 1365250 w 9807836"/>
+              <a:gd name="connsiteY46" fmla="*/ 3343275 h 6858000"/>
+              <a:gd name="connsiteX47" fmla="*/ 1374775 w 9807836"/>
+              <a:gd name="connsiteY47" fmla="*/ 3429000 h 6858000"/>
+              <a:gd name="connsiteX48" fmla="*/ 1365250 w 9807836"/>
+              <a:gd name="connsiteY48" fmla="*/ 3514725 h 6858000"/>
+              <a:gd name="connsiteX49" fmla="*/ 1349375 w 9807836"/>
+              <a:gd name="connsiteY49" fmla="*/ 3597275 h 6858000"/>
+              <a:gd name="connsiteX50" fmla="*/ 1320800 w 9807836"/>
+              <a:gd name="connsiteY50" fmla="*/ 3678237 h 6858000"/>
+              <a:gd name="connsiteX51" fmla="*/ 1284288 w 9807836"/>
+              <a:gd name="connsiteY51" fmla="*/ 3759200 h 6858000"/>
+              <a:gd name="connsiteX52" fmla="*/ 1241425 w 9807836"/>
+              <a:gd name="connsiteY52" fmla="*/ 3840162 h 6858000"/>
+              <a:gd name="connsiteX53" fmla="*/ 1198562 w 9807836"/>
+              <a:gd name="connsiteY53" fmla="*/ 3919537 h 6858000"/>
+              <a:gd name="connsiteX54" fmla="*/ 1150937 w 9807836"/>
+              <a:gd name="connsiteY54" fmla="*/ 3998912 h 6858000"/>
+              <a:gd name="connsiteX55" fmla="*/ 1106487 w 9807836"/>
+              <a:gd name="connsiteY55" fmla="*/ 4076700 h 6858000"/>
+              <a:gd name="connsiteX56" fmla="*/ 1063625 w 9807836"/>
+              <a:gd name="connsiteY56" fmla="*/ 4156075 h 6858000"/>
+              <a:gd name="connsiteX57" fmla="*/ 1025525 w 9807836"/>
+              <a:gd name="connsiteY57" fmla="*/ 4235450 h 6858000"/>
+              <a:gd name="connsiteX58" fmla="*/ 993775 w 9807836"/>
+              <a:gd name="connsiteY58" fmla="*/ 4314825 h 6858000"/>
+              <a:gd name="connsiteX59" fmla="*/ 973137 w 9807836"/>
+              <a:gd name="connsiteY59" fmla="*/ 4395787 h 6858000"/>
+              <a:gd name="connsiteX60" fmla="*/ 963612 w 9807836"/>
+              <a:gd name="connsiteY60" fmla="*/ 4473575 h 6858000"/>
+              <a:gd name="connsiteX61" fmla="*/ 958850 w 9807836"/>
+              <a:gd name="connsiteY61" fmla="*/ 4552950 h 6858000"/>
+              <a:gd name="connsiteX62" fmla="*/ 963612 w 9807836"/>
+              <a:gd name="connsiteY62" fmla="*/ 4633912 h 6858000"/>
+              <a:gd name="connsiteX63" fmla="*/ 969962 w 9807836"/>
+              <a:gd name="connsiteY63" fmla="*/ 4718050 h 6858000"/>
+              <a:gd name="connsiteX64" fmla="*/ 979487 w 9807836"/>
+              <a:gd name="connsiteY64" fmla="*/ 4802187 h 6858000"/>
+              <a:gd name="connsiteX65" fmla="*/ 992187 w 9807836"/>
+              <a:gd name="connsiteY65" fmla="*/ 4886325 h 6858000"/>
+              <a:gd name="connsiteX66" fmla="*/ 1003300 w 9807836"/>
+              <a:gd name="connsiteY66" fmla="*/ 4970462 h 6858000"/>
+              <a:gd name="connsiteX67" fmla="*/ 1011237 w 9807836"/>
+              <a:gd name="connsiteY67" fmla="*/ 5054600 h 6858000"/>
+              <a:gd name="connsiteX68" fmla="*/ 1017587 w 9807836"/>
+              <a:gd name="connsiteY68" fmla="*/ 5135562 h 6858000"/>
+              <a:gd name="connsiteX69" fmla="*/ 1019175 w 9807836"/>
+              <a:gd name="connsiteY69" fmla="*/ 5216525 h 6858000"/>
+              <a:gd name="connsiteX70" fmla="*/ 1012825 w 9807836"/>
+              <a:gd name="connsiteY70" fmla="*/ 5292725 h 6858000"/>
+              <a:gd name="connsiteX71" fmla="*/ 998537 w 9807836"/>
+              <a:gd name="connsiteY71" fmla="*/ 5370512 h 6858000"/>
+              <a:gd name="connsiteX72" fmla="*/ 976312 w 9807836"/>
+              <a:gd name="connsiteY72" fmla="*/ 5440362 h 6858000"/>
+              <a:gd name="connsiteX73" fmla="*/ 939800 w 9807836"/>
+              <a:gd name="connsiteY73" fmla="*/ 5511800 h 6858000"/>
+              <a:gd name="connsiteX74" fmla="*/ 896937 w 9807836"/>
+              <a:gd name="connsiteY74" fmla="*/ 5575300 h 6858000"/>
+              <a:gd name="connsiteX75" fmla="*/ 844550 w 9807836"/>
+              <a:gd name="connsiteY75" fmla="*/ 5634037 h 6858000"/>
+              <a:gd name="connsiteX76" fmla="*/ 787400 w 9807836"/>
+              <a:gd name="connsiteY76" fmla="*/ 5692775 h 6858000"/>
+              <a:gd name="connsiteX77" fmla="*/ 725487 w 9807836"/>
+              <a:gd name="connsiteY77" fmla="*/ 5746750 h 6858000"/>
+              <a:gd name="connsiteX78" fmla="*/ 660400 w 9807836"/>
+              <a:gd name="connsiteY78" fmla="*/ 5797550 h 6858000"/>
+              <a:gd name="connsiteX79" fmla="*/ 592137 w 9807836"/>
+              <a:gd name="connsiteY79" fmla="*/ 5849937 h 6858000"/>
+              <a:gd name="connsiteX80" fmla="*/ 525462 w 9807836"/>
+              <a:gd name="connsiteY80" fmla="*/ 5900737 h 6858000"/>
+              <a:gd name="connsiteX81" fmla="*/ 458787 w 9807836"/>
+              <a:gd name="connsiteY81" fmla="*/ 5951537 h 6858000"/>
+              <a:gd name="connsiteX82" fmla="*/ 395287 w 9807836"/>
+              <a:gd name="connsiteY82" fmla="*/ 6005512 h 6858000"/>
+              <a:gd name="connsiteX83" fmla="*/ 334962 w 9807836"/>
+              <a:gd name="connsiteY83" fmla="*/ 6059487 h 6858000"/>
+              <a:gd name="connsiteX84" fmla="*/ 282575 w 9807836"/>
+              <a:gd name="connsiteY84" fmla="*/ 6118225 h 6858000"/>
+              <a:gd name="connsiteX85" fmla="*/ 234950 w 9807836"/>
+              <a:gd name="connsiteY85" fmla="*/ 6180137 h 6858000"/>
+              <a:gd name="connsiteX86" fmla="*/ 192087 w 9807836"/>
+              <a:gd name="connsiteY86" fmla="*/ 6253162 h 6858000"/>
+              <a:gd name="connsiteX87" fmla="*/ 155575 w 9807836"/>
+              <a:gd name="connsiteY87" fmla="*/ 6332537 h 6858000"/>
+              <a:gd name="connsiteX88" fmla="*/ 127000 w 9807836"/>
+              <a:gd name="connsiteY88" fmla="*/ 6416675 h 6858000"/>
+              <a:gd name="connsiteX89" fmla="*/ 100012 w 9807836"/>
+              <a:gd name="connsiteY89" fmla="*/ 6503987 h 6858000"/>
+              <a:gd name="connsiteX90" fmla="*/ 77787 w 9807836"/>
+              <a:gd name="connsiteY90" fmla="*/ 6594475 h 6858000"/>
+              <a:gd name="connsiteX91" fmla="*/ 52387 w 9807836"/>
+              <a:gd name="connsiteY91" fmla="*/ 6683375 h 6858000"/>
+              <a:gd name="connsiteX92" fmla="*/ 26987 w 9807836"/>
+              <a:gd name="connsiteY92" fmla="*/ 6770687 h 6858000"/>
+              <a:gd name="connsiteX93" fmla="*/ 0 w 9807836"/>
+              <a:gd name="connsiteY93" fmla="*/ 6858000 h 6858000"/>
+              <a:gd name="connsiteX94" fmla="*/ 9807836 w 9807836"/>
+              <a:gd name="connsiteY94" fmla="*/ 6858000 h 6858000"/>
+              <a:gd name="connsiteX95" fmla="*/ 9807836 w 9807836"/>
+              <a:gd name="connsiteY95" fmla="*/ 0 h 6858000"/>
+            </a:gdLst>
+            <a:ahLst/>
+            <a:cxnLst>
+              <a:cxn ang="0">
+                <a:pos x="connsiteX0" y="connsiteY0"/>
+              </a:cxn>
+              <a:cxn ang="0">
+                <a:pos x="connsiteX1" y="connsiteY1"/>
+              </a:cxn>
+              <a:cxn ang="0">
+                <a:pos x="connsiteX2" y="connsiteY2"/>
+              </a:cxn>
+              <a:cxn ang="0">
+                <a:pos x="connsiteX3" y="connsiteY3"/>
+              </a:cxn>
+              <a:cxn ang="0">
+                <a:pos x="connsiteX4" y="connsiteY4"/>
+              </a:cxn>
+              <a:cxn ang="0">
+                <a:pos x="connsiteX5" y="connsiteY5"/>
+              </a:cxn>
+              <a:cxn ang="0">
+                <a:pos x="connsiteX6" y="connsiteY6"/>
+              </a:cxn>
+              <a:cxn ang="0">
+                <a:pos x="connsiteX7" y="connsiteY7"/>
+              </a:cxn>
+              <a:cxn ang="0">
+                <a:pos x="connsiteX8" y="connsiteY8"/>
+              </a:cxn>
+              <a:cxn ang="0">
+                <a:pos x="connsiteX9" y="connsiteY9"/>
+              </a:cxn>
+              <a:cxn ang="0">
+                <a:pos x="connsiteX10" y="connsiteY10"/>
+              </a:cxn>
+              <a:cxn ang="0">
+                <a:pos x="connsiteX11" y="connsiteY11"/>
+              </a:cxn>
+              <a:cxn ang="0">
+                <a:pos x="connsiteX12" y="connsiteY12"/>
+              </a:cxn>
+              <a:cxn ang="0">
+                <a:pos x="connsiteX13" y="connsiteY13"/>
+              </a:cxn>
+              <a:cxn ang="0">
+                <a:pos x="connsiteX14" y="connsiteY14"/>
+              </a:cxn>
+              <a:cxn ang="0">
+                <a:pos x="connsiteX15" y="connsiteY15"/>
+              </a:cxn>
+              <a:cxn ang="0">
+                <a:pos x="connsiteX16" y="connsiteY16"/>
+              </a:cxn>
+              <a:cxn ang="0">
+                <a:pos x="connsiteX17" y="connsiteY17"/>
+              </a:cxn>
+              <a:cxn ang="0">
+                <a:pos x="connsiteX18" y="connsiteY18"/>
+              </a:cxn>
+              <a:cxn ang="0">
+                <a:pos x="connsiteX19" y="connsiteY19"/>
+              </a:cxn>
+              <a:cxn ang="0">
+                <a:pos x="connsiteX20" y="connsiteY20"/>
+              </a:cxn>
+              <a:cxn ang="0">
+                <a:pos x="connsiteX21" y="connsiteY21"/>
+              </a:cxn>
+              <a:cxn ang="0">
+                <a:pos x="connsiteX22" y="connsiteY22"/>
+              </a:cxn>
+              <a:cxn ang="0">
+                <a:pos x="connsiteX23" y="connsiteY23"/>
+              </a:cxn>
+              <a:cxn ang="0">
+                <a:pos x="connsiteX24" y="connsiteY24"/>
+              </a:cxn>
+              <a:cxn ang="0">
+                <a:pos x="connsiteX25" y="connsiteY25"/>
+              </a:cxn>
+              <a:cxn ang="0">
+                <a:pos x="connsiteX26" y="connsiteY26"/>
+              </a:cxn>
+              <a:cxn ang="0">
+                <a:pos x="connsiteX27" y="connsiteY27"/>
+              </a:cxn>
+              <a:cxn ang="0">
+                <a:pos x="connsiteX28" y="connsiteY28"/>
+              </a:cxn>
+              <a:cxn ang="0">
+                <a:pos x="connsiteX29" y="connsiteY29"/>
+              </a:cxn>
+              <a:cxn ang="0">
+                <a:pos x="connsiteX30" y="connsiteY30"/>
+              </a:cxn>
+              <a:cxn ang="0">
+                <a:pos x="connsiteX31" y="connsiteY31"/>
+              </a:cxn>
+              <a:cxn ang="0">
+                <a:pos x="connsiteX32" y="connsiteY32"/>
+              </a:cxn>
+              <a:cxn ang="0">
+                <a:pos x="connsiteX33" y="connsiteY33"/>
+              </a:cxn>
+              <a:cxn ang="0">
+                <a:pos x="connsiteX34" y="connsiteY34"/>
+              </a:cxn>
+              <a:cxn ang="0">
+                <a:pos x="connsiteX35" y="connsiteY35"/>
+              </a:cxn>
+              <a:cxn ang="0">
+                <a:pos x="connsiteX36" y="connsiteY36"/>
+              </a:cxn>
+              <a:cxn ang="0">
+                <a:pos x="connsiteX37" y="connsiteY37"/>
+              </a:cxn>
+              <a:cxn ang="0">
+                <a:pos x="connsiteX38" y="connsiteY38"/>
+              </a:cxn>
+              <a:cxn ang="0">
+                <a:pos x="connsiteX39" y="connsiteY39"/>
+              </a:cxn>
+              <a:cxn ang="0">
+                <a:pos x="connsiteX40" y="connsiteY40"/>
+              </a:cxn>
+              <a:cxn ang="0">
+                <a:pos x="connsiteX41" y="connsiteY41"/>
+              </a:cxn>
+              <a:cxn ang="0">
+                <a:pos x="connsiteX42" y="connsiteY42"/>
+              </a:cxn>
+              <a:cxn ang="0">
+                <a:pos x="connsiteX43" y="connsiteY43"/>
+              </a:cxn>
+              <a:cxn ang="0">
+                <a:pos x="connsiteX44" y="connsiteY44"/>
+              </a:cxn>
+              <a:cxn ang="0">
+                <a:pos x="connsiteX45" y="connsiteY45"/>
+              </a:cxn>
+              <a:cxn ang="0">
+                <a:pos x="connsiteX46" y="connsiteY46"/>
+              </a:cxn>
+              <a:cxn ang="0">
+                <a:pos x="connsiteX47" y="connsiteY47"/>
+              </a:cxn>
+              <a:cxn ang="0">
+                <a:pos x="connsiteX48" y="connsiteY48"/>
+              </a:cxn>
+              <a:cxn ang="0">
+                <a:pos x="connsiteX49" y="connsiteY49"/>
+              </a:cxn>
+              <a:cxn ang="0">
+                <a:pos x="connsiteX50" y="connsiteY50"/>
+              </a:cxn>
+              <a:cxn ang="0">
+                <a:pos x="connsiteX51" y="connsiteY51"/>
+              </a:cxn>
+              <a:cxn ang="0">
+                <a:pos x="connsiteX52" y="connsiteY52"/>
+              </a:cxn>
+              <a:cxn ang="0">
+                <a:pos x="connsiteX53" y="connsiteY53"/>
+              </a:cxn>
+              <a:cxn ang="0">
+                <a:pos x="connsiteX54" y="connsiteY54"/>
+              </a:cxn>
+              <a:cxn ang="0">
+                <a:pos x="connsiteX55" y="connsiteY55"/>
+              </a:cxn>
+              <a:cxn ang="0">
+                <a:pos x="connsiteX56" y="connsiteY56"/>
+              </a:cxn>
+              <a:cxn ang="0">
+                <a:pos x="connsiteX57" y="connsiteY57"/>
+              </a:cxn>
+              <a:cxn ang="0">
+                <a:pos x="connsiteX58" y="connsiteY58"/>
+              </a:cxn>
+              <a:cxn ang="0">
+                <a:pos x="connsiteX59" y="connsiteY59"/>
+              </a:cxn>
+              <a:cxn ang="0">
+                <a:pos x="connsiteX60" y="connsiteY60"/>
+              </a:cxn>
+              <a:cxn ang="0">
+                <a:pos x="connsiteX61" y="connsiteY61"/>
+              </a:cxn>
+              <a:cxn ang="0">
+                <a:pos x="connsiteX62" y="connsiteY62"/>
+              </a:cxn>
+              <a:cxn ang="0">
+                <a:pos x="connsiteX63" y="connsiteY63"/>
+              </a:cxn>
+              <a:cxn ang="0">
+                <a:pos x="connsiteX64" y="connsiteY64"/>
+              </a:cxn>
+              <a:cxn ang="0">
+                <a:pos x="connsiteX65" y="connsiteY65"/>
+              </a:cxn>
+              <a:cxn ang="0">
+                <a:pos x="connsiteX66" y="connsiteY66"/>
+              </a:cxn>
+              <a:cxn ang="0">
+                <a:pos x="connsiteX67" y="connsiteY67"/>
+              </a:cxn>
+              <a:cxn ang="0">
+                <a:pos x="connsiteX68" y="connsiteY68"/>
+              </a:cxn>
+              <a:cxn ang="0">
+                <a:pos x="connsiteX69" y="connsiteY69"/>
+              </a:cxn>
+              <a:cxn ang="0">
+                <a:pos x="connsiteX70" y="connsiteY70"/>
+              </a:cxn>
+              <a:cxn ang="0">
+                <a:pos x="connsiteX71" y="connsiteY71"/>
+              </a:cxn>
+              <a:cxn ang="0">
+                <a:pos x="connsiteX72" y="connsiteY72"/>
+              </a:cxn>
+              <a:cxn ang="0">
+                <a:pos x="connsiteX73" y="connsiteY73"/>
+              </a:cxn>
+              <a:cxn ang="0">
+                <a:pos x="connsiteX74" y="connsiteY74"/>
+              </a:cxn>
+              <a:cxn ang="0">
+                <a:pos x="connsiteX75" y="connsiteY75"/>
+              </a:cxn>
+              <a:cxn ang="0">
+                <a:pos x="connsiteX76" y="connsiteY76"/>
+              </a:cxn>
+              <a:cxn ang="0">
+                <a:pos x="connsiteX77" y="connsiteY77"/>
+              </a:cxn>
+              <a:cxn ang="0">
+                <a:pos x="connsiteX78" y="connsiteY78"/>
+              </a:cxn>
+              <a:cxn ang="0">
+                <a:pos x="connsiteX79" y="connsiteY79"/>
+              </a:cxn>
+              <a:cxn ang="0">
+                <a:pos x="connsiteX80" y="connsiteY80"/>
+              </a:cxn>
+              <a:cxn ang="0">
+                <a:pos x="connsiteX81" y="connsiteY81"/>
+              </a:cxn>
+              <a:cxn ang="0">
+                <a:pos x="connsiteX82" y="connsiteY82"/>
+              </a:cxn>
+              <a:cxn ang="0">
+                <a:pos x="connsiteX83" y="connsiteY83"/>
+              </a:cxn>
+              <a:cxn ang="0">
+                <a:pos x="connsiteX84" y="connsiteY84"/>
+              </a:cxn>
+              <a:cxn ang="0">
+                <a:pos x="connsiteX85" y="connsiteY85"/>
+              </a:cxn>
+              <a:cxn ang="0">
+                <a:pos x="connsiteX86" y="connsiteY86"/>
+              </a:cxn>
+              <a:cxn ang="0">
+                <a:pos x="connsiteX87" y="connsiteY87"/>
+              </a:cxn>
+              <a:cxn ang="0">
+                <a:pos x="connsiteX88" y="connsiteY88"/>
+              </a:cxn>
+              <a:cxn ang="0">
+                <a:pos x="connsiteX89" y="connsiteY89"/>
+              </a:cxn>
+              <a:cxn ang="0">
+                <a:pos x="connsiteX90" y="connsiteY90"/>
+              </a:cxn>
+              <a:cxn ang="0">
+                <a:pos x="connsiteX91" y="connsiteY91"/>
+              </a:cxn>
+              <a:cxn ang="0">
+                <a:pos x="connsiteX92" y="connsiteY92"/>
+              </a:cxn>
+              <a:cxn ang="0">
+                <a:pos x="connsiteX93" y="connsiteY93"/>
+              </a:cxn>
+              <a:cxn ang="0">
+                <a:pos x="connsiteX94" y="connsiteY94"/>
+              </a:cxn>
+              <a:cxn ang="0">
+                <a:pos x="connsiteX95" y="connsiteY95"/>
+              </a:cxn>
+            </a:cxnLst>
+            <a:rect l="l" t="t" r="r" b="b"/>
+            <a:pathLst>
+              <a:path w="9807836" h="6858000">
+                <a:moveTo>
+                  <a:pt x="9807836" y="0"/>
+                </a:moveTo>
+                <a:lnTo>
+                  <a:pt x="0" y="0"/>
+                </a:lnTo>
+                <a:lnTo>
+                  <a:pt x="26987" y="87312"/>
+                </a:lnTo>
+                <a:lnTo>
+                  <a:pt x="52387" y="174625"/>
+                </a:lnTo>
+                <a:lnTo>
+                  <a:pt x="77787" y="263525"/>
+                </a:lnTo>
+                <a:lnTo>
+                  <a:pt x="100012" y="354012"/>
+                </a:lnTo>
+                <a:lnTo>
+                  <a:pt x="127000" y="441325"/>
+                </a:lnTo>
+                <a:lnTo>
+                  <a:pt x="155575" y="525462"/>
+                </a:lnTo>
+                <a:lnTo>
+                  <a:pt x="192087" y="604837"/>
+                </a:lnTo>
+                <a:lnTo>
+                  <a:pt x="234950" y="677862"/>
+                </a:lnTo>
+                <a:lnTo>
+                  <a:pt x="282575" y="739775"/>
+                </a:lnTo>
+                <a:lnTo>
+                  <a:pt x="334962" y="798512"/>
+                </a:lnTo>
+                <a:lnTo>
+                  <a:pt x="395287" y="852487"/>
+                </a:lnTo>
+                <a:lnTo>
+                  <a:pt x="458787" y="906462"/>
+                </a:lnTo>
+                <a:lnTo>
+                  <a:pt x="525462" y="957262"/>
+                </a:lnTo>
+                <a:lnTo>
+                  <a:pt x="592137" y="1008062"/>
+                </a:lnTo>
+                <a:lnTo>
+                  <a:pt x="660400" y="1060450"/>
+                </a:lnTo>
+                <a:lnTo>
+                  <a:pt x="725487" y="1111250"/>
+                </a:lnTo>
+                <a:lnTo>
+                  <a:pt x="787400" y="1165225"/>
+                </a:lnTo>
+                <a:lnTo>
+                  <a:pt x="844550" y="1223962"/>
+                </a:lnTo>
+                <a:lnTo>
+                  <a:pt x="896937" y="1282700"/>
+                </a:lnTo>
+                <a:lnTo>
+                  <a:pt x="939800" y="1346200"/>
+                </a:lnTo>
+                <a:lnTo>
+                  <a:pt x="976312" y="1417637"/>
+                </a:lnTo>
+                <a:lnTo>
+                  <a:pt x="998537" y="1487487"/>
+                </a:lnTo>
+                <a:lnTo>
+                  <a:pt x="1012825" y="1565275"/>
+                </a:lnTo>
+                <a:lnTo>
+                  <a:pt x="1019175" y="1641475"/>
+                </a:lnTo>
+                <a:lnTo>
+                  <a:pt x="1017587" y="1722437"/>
+                </a:lnTo>
+                <a:lnTo>
+                  <a:pt x="1011237" y="1803400"/>
+                </a:lnTo>
+                <a:lnTo>
+                  <a:pt x="1003300" y="1887537"/>
+                </a:lnTo>
+                <a:lnTo>
+                  <a:pt x="992187" y="1971675"/>
+                </a:lnTo>
+                <a:lnTo>
+                  <a:pt x="979487" y="2055812"/>
+                </a:lnTo>
+                <a:lnTo>
+                  <a:pt x="969962" y="2139950"/>
+                </a:lnTo>
+                <a:lnTo>
+                  <a:pt x="963612" y="2224087"/>
+                </a:lnTo>
+                <a:lnTo>
+                  <a:pt x="958850" y="2305050"/>
+                </a:lnTo>
+                <a:lnTo>
+                  <a:pt x="963612" y="2384425"/>
+                </a:lnTo>
+                <a:lnTo>
+                  <a:pt x="973137" y="2462212"/>
+                </a:lnTo>
+                <a:lnTo>
+                  <a:pt x="993775" y="2543175"/>
+                </a:lnTo>
+                <a:lnTo>
+                  <a:pt x="1025525" y="2622550"/>
+                </a:lnTo>
+                <a:lnTo>
+                  <a:pt x="1063625" y="2701925"/>
+                </a:lnTo>
+                <a:lnTo>
+                  <a:pt x="1106487" y="2781300"/>
+                </a:lnTo>
+                <a:lnTo>
+                  <a:pt x="1150937" y="2859087"/>
+                </a:lnTo>
+                <a:lnTo>
+                  <a:pt x="1198562" y="2938462"/>
+                </a:lnTo>
+                <a:lnTo>
+                  <a:pt x="1241425" y="3017837"/>
+                </a:lnTo>
+                <a:lnTo>
+                  <a:pt x="1284288" y="3098800"/>
+                </a:lnTo>
+                <a:lnTo>
+                  <a:pt x="1320800" y="3179762"/>
+                </a:lnTo>
+                <a:lnTo>
+                  <a:pt x="1349375" y="3260725"/>
+                </a:lnTo>
+                <a:lnTo>
+                  <a:pt x="1365250" y="3343275"/>
+                </a:lnTo>
+                <a:lnTo>
+                  <a:pt x="1374775" y="3429000"/>
+                </a:lnTo>
+                <a:lnTo>
+                  <a:pt x="1365250" y="3514725"/>
+                </a:lnTo>
+                <a:lnTo>
+                  <a:pt x="1349375" y="3597275"/>
+                </a:lnTo>
+                <a:lnTo>
+                  <a:pt x="1320800" y="3678237"/>
+                </a:lnTo>
+                <a:lnTo>
+                  <a:pt x="1284288" y="3759200"/>
+                </a:lnTo>
+                <a:lnTo>
+                  <a:pt x="1241425" y="3840162"/>
+                </a:lnTo>
+                <a:lnTo>
+                  <a:pt x="1198562" y="3919537"/>
+                </a:lnTo>
+                <a:lnTo>
+                  <a:pt x="1150937" y="3998912"/>
+                </a:lnTo>
+                <a:lnTo>
+                  <a:pt x="1106487" y="4076700"/>
+                </a:lnTo>
+                <a:lnTo>
+                  <a:pt x="1063625" y="4156075"/>
+                </a:lnTo>
+                <a:lnTo>
+                  <a:pt x="1025525" y="4235450"/>
+                </a:lnTo>
+                <a:lnTo>
+                  <a:pt x="993775" y="4314825"/>
+                </a:lnTo>
+                <a:lnTo>
+                  <a:pt x="973137" y="4395787"/>
+                </a:lnTo>
+                <a:lnTo>
+                  <a:pt x="963612" y="4473575"/>
+                </a:lnTo>
+                <a:lnTo>
+                  <a:pt x="958850" y="4552950"/>
+                </a:lnTo>
+                <a:lnTo>
+                  <a:pt x="963612" y="4633912"/>
+                </a:lnTo>
+                <a:lnTo>
+                  <a:pt x="969962" y="4718050"/>
+                </a:lnTo>
+                <a:lnTo>
+                  <a:pt x="979487" y="4802187"/>
+                </a:lnTo>
+                <a:lnTo>
+                  <a:pt x="992187" y="4886325"/>
+                </a:lnTo>
+                <a:lnTo>
+                  <a:pt x="1003300" y="4970462"/>
+                </a:lnTo>
+                <a:lnTo>
+                  <a:pt x="1011237" y="5054600"/>
+                </a:lnTo>
+                <a:lnTo>
+                  <a:pt x="1017587" y="5135562"/>
+                </a:lnTo>
+                <a:lnTo>
+                  <a:pt x="1019175" y="5216525"/>
+                </a:lnTo>
+                <a:lnTo>
+                  <a:pt x="1012825" y="5292725"/>
+                </a:lnTo>
+                <a:lnTo>
+                  <a:pt x="998537" y="5370512"/>
+                </a:lnTo>
+                <a:lnTo>
+                  <a:pt x="976312" y="5440362"/>
+                </a:lnTo>
+                <a:lnTo>
+                  <a:pt x="939800" y="5511800"/>
+                </a:lnTo>
+                <a:lnTo>
+                  <a:pt x="896937" y="5575300"/>
+                </a:lnTo>
+                <a:lnTo>
+                  <a:pt x="844550" y="5634037"/>
+                </a:lnTo>
+                <a:lnTo>
+                  <a:pt x="787400" y="5692775"/>
+                </a:lnTo>
+                <a:lnTo>
+                  <a:pt x="725487" y="5746750"/>
+                </a:lnTo>
+                <a:lnTo>
+                  <a:pt x="660400" y="5797550"/>
+                </a:lnTo>
+                <a:lnTo>
+                  <a:pt x="592137" y="5849937"/>
+                </a:lnTo>
+                <a:lnTo>
+                  <a:pt x="525462" y="5900737"/>
+                </a:lnTo>
+                <a:lnTo>
+                  <a:pt x="458787" y="5951537"/>
+                </a:lnTo>
+                <a:lnTo>
+                  <a:pt x="395287" y="6005512"/>
+                </a:lnTo>
+                <a:lnTo>
+                  <a:pt x="334962" y="6059487"/>
+                </a:lnTo>
+                <a:lnTo>
+                  <a:pt x="282575" y="6118225"/>
+                </a:lnTo>
+                <a:lnTo>
+                  <a:pt x="234950" y="6180137"/>
+                </a:lnTo>
+                <a:lnTo>
+                  <a:pt x="192087" y="6253162"/>
+                </a:lnTo>
+                <a:lnTo>
+                  <a:pt x="155575" y="6332537"/>
+                </a:lnTo>
+                <a:lnTo>
+                  <a:pt x="127000" y="6416675"/>
+                </a:lnTo>
+                <a:lnTo>
+                  <a:pt x="100012" y="6503987"/>
+                </a:lnTo>
+                <a:lnTo>
+                  <a:pt x="77787" y="6594475"/>
+                </a:lnTo>
+                <a:lnTo>
+                  <a:pt x="52387" y="6683375"/>
+                </a:lnTo>
+                <a:lnTo>
+                  <a:pt x="26987" y="6770687"/>
+                </a:lnTo>
+                <a:lnTo>
+                  <a:pt x="0" y="6858000"/>
+                </a:lnTo>
+                <a:lnTo>
+                  <a:pt x="9807836" y="6858000"/>
+                </a:lnTo>
+                <a:lnTo>
+                  <a:pt x="9807836" y="0"/>
+                </a:lnTo>
+                <a:close/>
+              </a:path>
+            </a:pathLst>
+          </a:custGeom>
+          <a:solidFill>
+            <a:schemeClr val="accent1"/>
+          </a:solidFill>
+          <a:ln w="0">
+            <a:noFill/>
+            <a:prstDash val="solid"/>
+            <a:round/>
+            <a:headEnd/>
+            <a:tailEnd/>
+          </a:ln>
+        </p:spPr>
+      </p:sp>
+      <p:sp>
+        <p:nvSpPr>
+          <p:cNvPr id="2" name="Title 1">
+            <a:extLst>
+              <a:ext uri="{FF2B5EF4-FFF2-40B4-BE49-F238E27FC236}">
+                <a16:creationId xmlns:a16="http://schemas.microsoft.com/office/drawing/2014/main" id="{ABFC5233-73BA-C944-A02E-CA6C4014A8E1}"/>
+              </a:ext>
+            </a:extLst>
+          </p:cNvPr>
+          <p:cNvSpPr>
+            <a:spLocks noGrp="1"/>
+          </p:cNvSpPr>
+          <p:nvPr>
+            <p:ph type="ctrTitle"/>
+          </p:nvPr>
+        </p:nvSpPr>
+        <p:spPr>
+          <a:xfrm>
+            <a:off x="321537" y="1259411"/>
+            <a:ext cx="6850788" cy="4339177"/>
+          </a:xfrm>
+        </p:spPr>
+        <p:txBody>
+          <a:bodyPr>
+            <a:normAutofit/>
+          </a:bodyPr>
+          <a:lstStyle/>
+          <a:p>
+            <a:pPr algn="l"/>
+            <a:r>
+              <a:rPr lang="en-US" sz="4400" dirty="0">
+                <a:latin typeface="Bookman Old Style" panose="02050604050505020204" pitchFamily="18" charset="0"/>
+              </a:rPr>
+              <a:t>Los Angeles Violent Crime Visualizations</a:t>
+            </a:r>
+          </a:p>
+        </p:txBody>
+      </p:sp>
+      <p:sp>
+        <p:nvSpPr>
+          <p:cNvPr id="3" name="Subtitle 2">
+            <a:extLst>
+              <a:ext uri="{FF2B5EF4-FFF2-40B4-BE49-F238E27FC236}">
+                <a16:creationId xmlns:a16="http://schemas.microsoft.com/office/drawing/2014/main" id="{76FB6534-0C1B-B546-858F-1E50565F5A33}"/>
+              </a:ext>
+            </a:extLst>
+          </p:cNvPr>
+          <p:cNvSpPr>
+            <a:spLocks noGrp="1"/>
+          </p:cNvSpPr>
+          <p:nvPr>
+            <p:ph type="subTitle" idx="1"/>
+          </p:nvPr>
+        </p:nvSpPr>
+        <p:spPr>
+          <a:xfrm>
+            <a:off x="664083" y="4363638"/>
+            <a:ext cx="8216491" cy="785904"/>
+          </a:xfrm>
+        </p:spPr>
+        <p:txBody>
+          <a:bodyPr anchor="ctr">
+            <a:normAutofit/>
+          </a:bodyPr>
+          <a:lstStyle/>
+          <a:p>
+            <a:pPr algn="l"/>
+            <a:r>
+              <a:rPr lang="en-US" dirty="0">
+                <a:solidFill>
+                  <a:schemeClr val="bg2"/>
+                </a:solidFill>
+              </a:rPr>
+              <a:t>Jon, Ben, Eleanora, Shrawantee</a:t>
+            </a:r>
+          </a:p>
+        </p:txBody>
+      </p:sp>
+      <p:sp>
+        <p:nvSpPr>
+          <p:cNvPr id="27" name="Rectangle 26">
+            <a:extLst>
+              <a:ext uri="{FF2B5EF4-FFF2-40B4-BE49-F238E27FC236}">
+                <a16:creationId xmlns:a16="http://schemas.microsoft.com/office/drawing/2014/main" id="{E9851F7A-B016-4A91-85E3-61FE4869CE8F}"/>
+              </a:ext>
+              <a:ext uri="{C183D7F6-B498-43B3-948B-1728B52AA6E4}">
+                <adec:decorative xmlns:adec="http://schemas.microsoft.com/office/drawing/2017/decorative" val="1"/>
+              </a:ext>
+            </a:extLst>
+          </p:cNvPr>
+          <p:cNvSpPr>
+            <a:spLocks noGrp="1" noRot="1" noChangeAspect="1" noMove="1" noResize="1" noEditPoints="1" noAdjustHandles="1" noChangeArrowheads="1" noChangeShapeType="1" noTextEdit="1"/>
+          </p:cNvSpPr>
+          <p:nvPr>
+            <p:extLst>
+              <p:ext uri="{386F3935-93C4-4BCD-93E2-E3B085C9AB24}">
+                <p16:designElem xmlns:p16="http://schemas.microsoft.com/office/powerpoint/2015/main" val="1"/>
+              </p:ext>
+            </p:extLst>
+          </p:nvPr>
+        </p:nvSpPr>
+        <p:spPr>
+          <a:xfrm>
+            <a:off x="0" y="0"/>
+            <a:ext cx="283464" cy="6858000"/>
           </a:xfrm>
           <a:prstGeom prst="rect">
             <a:avLst/>
           </a:prstGeom>
           <a:solidFill>
-            <a:schemeClr val="accent1"/>
+            <a:schemeClr val="tx2"/>
           </a:solidFill>
           <a:ln>
             <a:noFill/>
@@ -6892,1267 +7956,6 @@
             <a:schemeClr val="lt1"/>
           </a:fontRef>
         </p:style>
-        <p:txBody>
-          <a:bodyPr rtlCol="0" anchor="ctr"/>
-          <a:lstStyle/>
-          <a:p>
-            <a:pPr algn="ctr"/>
-            <a:endParaRPr lang="en-US"/>
-          </a:p>
-        </p:txBody>
-      </p:sp>
-      <p:sp>
-        <p:nvSpPr>
-          <p:cNvPr id="2" name="Title 1">
-            <a:extLst>
-              <a:ext uri="{FF2B5EF4-FFF2-40B4-BE49-F238E27FC236}">
-                <a16:creationId xmlns:a16="http://schemas.microsoft.com/office/drawing/2014/main" id="{ABFC5233-73BA-C944-A02E-CA6C4014A8E1}"/>
-              </a:ext>
-            </a:extLst>
-          </p:cNvPr>
-          <p:cNvSpPr>
-            <a:spLocks noGrp="1"/>
-          </p:cNvSpPr>
-          <p:nvPr>
-            <p:ph type="ctrTitle"/>
-          </p:nvPr>
-        </p:nvSpPr>
-        <p:spPr>
-          <a:xfrm>
-            <a:off x="5671909" y="951400"/>
-            <a:ext cx="5875694" cy="4654296"/>
-          </a:xfrm>
-        </p:spPr>
-        <p:txBody>
-          <a:bodyPr>
-            <a:normAutofit/>
-          </a:bodyPr>
-          <a:lstStyle/>
-          <a:p>
-            <a:r>
-              <a:rPr lang="en-US" sz="4800"/>
-              <a:t>Los Angeles Violent Crime Visualizations</a:t>
-            </a:r>
-          </a:p>
-        </p:txBody>
-      </p:sp>
-      <p:sp>
-        <p:nvSpPr>
-          <p:cNvPr id="3" name="Subtitle 2">
-            <a:extLst>
-              <a:ext uri="{FF2B5EF4-FFF2-40B4-BE49-F238E27FC236}">
-                <a16:creationId xmlns:a16="http://schemas.microsoft.com/office/drawing/2014/main" id="{76FB6534-0C1B-B546-858F-1E50565F5A33}"/>
-              </a:ext>
-            </a:extLst>
-          </p:cNvPr>
-          <p:cNvSpPr>
-            <a:spLocks noGrp="1"/>
-          </p:cNvSpPr>
-          <p:nvPr>
-            <p:ph type="subTitle" idx="1"/>
-          </p:nvPr>
-        </p:nvSpPr>
-        <p:spPr>
-          <a:xfrm>
-            <a:off x="5190465" y="5026417"/>
-            <a:ext cx="7093589" cy="804672"/>
-          </a:xfrm>
-        </p:spPr>
-        <p:txBody>
-          <a:bodyPr>
-            <a:normAutofit/>
-          </a:bodyPr>
-          <a:lstStyle/>
-          <a:p>
-            <a:r>
-              <a:rPr lang="en-US" dirty="0">
-                <a:solidFill>
-                  <a:schemeClr val="bg2"/>
-                </a:solidFill>
-              </a:rPr>
-              <a:t>Jon, Ben, Eleanora, Shrawantee</a:t>
-            </a:r>
-          </a:p>
-        </p:txBody>
-      </p:sp>
-      <p:sp useBgFill="1">
-        <p:nvSpPr>
-          <p:cNvPr id="17" name="Freeform 14">
-            <a:extLst>
-              <a:ext uri="{FF2B5EF4-FFF2-40B4-BE49-F238E27FC236}">
-                <a16:creationId xmlns:a16="http://schemas.microsoft.com/office/drawing/2014/main" id="{39773602-659F-4D29-A50F-C182E6312EB4}"/>
-              </a:ext>
-              <a:ext uri="{C183D7F6-B498-43B3-948B-1728B52AA6E4}">
-                <adec:decorative xmlns:adec="http://schemas.microsoft.com/office/drawing/2017/decorative" val="1"/>
-              </a:ext>
-            </a:extLst>
-          </p:cNvPr>
-          <p:cNvSpPr>
-            <a:spLocks noGrp="1" noRot="1" noChangeAspect="1" noMove="1" noResize="1" noEditPoints="1" noAdjustHandles="1" noChangeArrowheads="1" noChangeShapeType="1" noTextEdit="1"/>
-          </p:cNvSpPr>
-          <p:nvPr>
-            <p:extLst>
-              <p:ext uri="{386F3935-93C4-4BCD-93E2-E3B085C9AB24}">
-                <p16:designElem xmlns:p16="http://schemas.microsoft.com/office/powerpoint/2015/main" val="1"/>
-              </p:ext>
-            </p:extLst>
-          </p:nvPr>
-        </p:nvSpPr>
-        <p:spPr bwMode="ltGray">
-          <a:xfrm>
-            <a:off x="0" y="0"/>
-            <a:ext cx="5282519" cy="6858000"/>
-          </a:xfrm>
-          <a:custGeom>
-            <a:avLst/>
-            <a:gdLst>
-              <a:gd name="connsiteX0" fmla="*/ 0 w 4992864"/>
-              <a:gd name="connsiteY0" fmla="*/ 0 h 6858000"/>
-              <a:gd name="connsiteX1" fmla="*/ 4813476 w 4992864"/>
-              <a:gd name="connsiteY1" fmla="*/ 0 h 6858000"/>
-              <a:gd name="connsiteX2" fmla="*/ 4818239 w 4992864"/>
-              <a:gd name="connsiteY2" fmla="*/ 66675 h 6858000"/>
-              <a:gd name="connsiteX3" fmla="*/ 4826176 w 4992864"/>
-              <a:gd name="connsiteY3" fmla="*/ 122237 h 6858000"/>
-              <a:gd name="connsiteX4" fmla="*/ 4835701 w 4992864"/>
-              <a:gd name="connsiteY4" fmla="*/ 174625 h 6858000"/>
-              <a:gd name="connsiteX5" fmla="*/ 4851576 w 4992864"/>
-              <a:gd name="connsiteY5" fmla="*/ 217487 h 6858000"/>
-              <a:gd name="connsiteX6" fmla="*/ 4867451 w 4992864"/>
-              <a:gd name="connsiteY6" fmla="*/ 260350 h 6858000"/>
-              <a:gd name="connsiteX7" fmla="*/ 4886501 w 4992864"/>
-              <a:gd name="connsiteY7" fmla="*/ 296862 h 6858000"/>
-              <a:gd name="connsiteX8" fmla="*/ 4905551 w 4992864"/>
-              <a:gd name="connsiteY8" fmla="*/ 334962 h 6858000"/>
-              <a:gd name="connsiteX9" fmla="*/ 4923014 w 4992864"/>
-              <a:gd name="connsiteY9" fmla="*/ 369887 h 6858000"/>
-              <a:gd name="connsiteX10" fmla="*/ 4940476 w 4992864"/>
-              <a:gd name="connsiteY10" fmla="*/ 409575 h 6858000"/>
-              <a:gd name="connsiteX11" fmla="*/ 4956351 w 4992864"/>
-              <a:gd name="connsiteY11" fmla="*/ 450850 h 6858000"/>
-              <a:gd name="connsiteX12" fmla="*/ 4970639 w 4992864"/>
-              <a:gd name="connsiteY12" fmla="*/ 496887 h 6858000"/>
-              <a:gd name="connsiteX13" fmla="*/ 4981751 w 4992864"/>
-              <a:gd name="connsiteY13" fmla="*/ 546100 h 6858000"/>
-              <a:gd name="connsiteX14" fmla="*/ 4989689 w 4992864"/>
-              <a:gd name="connsiteY14" fmla="*/ 606425 h 6858000"/>
-              <a:gd name="connsiteX15" fmla="*/ 4992864 w 4992864"/>
-              <a:gd name="connsiteY15" fmla="*/ 673100 h 6858000"/>
-              <a:gd name="connsiteX16" fmla="*/ 4989689 w 4992864"/>
-              <a:gd name="connsiteY16" fmla="*/ 744537 h 6858000"/>
-              <a:gd name="connsiteX17" fmla="*/ 4981751 w 4992864"/>
-              <a:gd name="connsiteY17" fmla="*/ 801687 h 6858000"/>
-              <a:gd name="connsiteX18" fmla="*/ 4970639 w 4992864"/>
-              <a:gd name="connsiteY18" fmla="*/ 854075 h 6858000"/>
-              <a:gd name="connsiteX19" fmla="*/ 4956351 w 4992864"/>
-              <a:gd name="connsiteY19" fmla="*/ 901700 h 6858000"/>
-              <a:gd name="connsiteX20" fmla="*/ 4940476 w 4992864"/>
-              <a:gd name="connsiteY20" fmla="*/ 942975 h 6858000"/>
-              <a:gd name="connsiteX21" fmla="*/ 4921426 w 4992864"/>
-              <a:gd name="connsiteY21" fmla="*/ 981075 h 6858000"/>
-              <a:gd name="connsiteX22" fmla="*/ 4902376 w 4992864"/>
-              <a:gd name="connsiteY22" fmla="*/ 1017587 h 6858000"/>
-              <a:gd name="connsiteX23" fmla="*/ 4883326 w 4992864"/>
-              <a:gd name="connsiteY23" fmla="*/ 1055687 h 6858000"/>
-              <a:gd name="connsiteX24" fmla="*/ 4865864 w 4992864"/>
-              <a:gd name="connsiteY24" fmla="*/ 1095375 h 6858000"/>
-              <a:gd name="connsiteX25" fmla="*/ 4848401 w 4992864"/>
-              <a:gd name="connsiteY25" fmla="*/ 1136650 h 6858000"/>
-              <a:gd name="connsiteX26" fmla="*/ 4834114 w 4992864"/>
-              <a:gd name="connsiteY26" fmla="*/ 1182687 h 6858000"/>
-              <a:gd name="connsiteX27" fmla="*/ 4824589 w 4992864"/>
-              <a:gd name="connsiteY27" fmla="*/ 1235075 h 6858000"/>
-              <a:gd name="connsiteX28" fmla="*/ 4815064 w 4992864"/>
-              <a:gd name="connsiteY28" fmla="*/ 1295400 h 6858000"/>
-              <a:gd name="connsiteX29" fmla="*/ 4813476 w 4992864"/>
-              <a:gd name="connsiteY29" fmla="*/ 1363662 h 6858000"/>
-              <a:gd name="connsiteX30" fmla="*/ 4815064 w 4992864"/>
-              <a:gd name="connsiteY30" fmla="*/ 1431925 h 6858000"/>
-              <a:gd name="connsiteX31" fmla="*/ 4824589 w 4992864"/>
-              <a:gd name="connsiteY31" fmla="*/ 1492250 h 6858000"/>
-              <a:gd name="connsiteX32" fmla="*/ 4834114 w 4992864"/>
-              <a:gd name="connsiteY32" fmla="*/ 1544637 h 6858000"/>
-              <a:gd name="connsiteX33" fmla="*/ 4848401 w 4992864"/>
-              <a:gd name="connsiteY33" fmla="*/ 1589087 h 6858000"/>
-              <a:gd name="connsiteX34" fmla="*/ 4865864 w 4992864"/>
-              <a:gd name="connsiteY34" fmla="*/ 1631950 h 6858000"/>
-              <a:gd name="connsiteX35" fmla="*/ 4883326 w 4992864"/>
-              <a:gd name="connsiteY35" fmla="*/ 1671637 h 6858000"/>
-              <a:gd name="connsiteX36" fmla="*/ 4902376 w 4992864"/>
-              <a:gd name="connsiteY36" fmla="*/ 1708150 h 6858000"/>
-              <a:gd name="connsiteX37" fmla="*/ 4921426 w 4992864"/>
-              <a:gd name="connsiteY37" fmla="*/ 1743075 h 6858000"/>
-              <a:gd name="connsiteX38" fmla="*/ 4940476 w 4992864"/>
-              <a:gd name="connsiteY38" fmla="*/ 1782762 h 6858000"/>
-              <a:gd name="connsiteX39" fmla="*/ 4956351 w 4992864"/>
-              <a:gd name="connsiteY39" fmla="*/ 1824037 h 6858000"/>
-              <a:gd name="connsiteX40" fmla="*/ 4970639 w 4992864"/>
-              <a:gd name="connsiteY40" fmla="*/ 1870075 h 6858000"/>
-              <a:gd name="connsiteX41" fmla="*/ 4981751 w 4992864"/>
-              <a:gd name="connsiteY41" fmla="*/ 1922462 h 6858000"/>
-              <a:gd name="connsiteX42" fmla="*/ 4989689 w 4992864"/>
-              <a:gd name="connsiteY42" fmla="*/ 1982787 h 6858000"/>
-              <a:gd name="connsiteX43" fmla="*/ 4992864 w 4992864"/>
-              <a:gd name="connsiteY43" fmla="*/ 2051050 h 6858000"/>
-              <a:gd name="connsiteX44" fmla="*/ 4989689 w 4992864"/>
-              <a:gd name="connsiteY44" fmla="*/ 2119312 h 6858000"/>
-              <a:gd name="connsiteX45" fmla="*/ 4981751 w 4992864"/>
-              <a:gd name="connsiteY45" fmla="*/ 2179637 h 6858000"/>
-              <a:gd name="connsiteX46" fmla="*/ 4970639 w 4992864"/>
-              <a:gd name="connsiteY46" fmla="*/ 2232025 h 6858000"/>
-              <a:gd name="connsiteX47" fmla="*/ 4956351 w 4992864"/>
-              <a:gd name="connsiteY47" fmla="*/ 2278062 h 6858000"/>
-              <a:gd name="connsiteX48" fmla="*/ 4940476 w 4992864"/>
-              <a:gd name="connsiteY48" fmla="*/ 2319337 h 6858000"/>
-              <a:gd name="connsiteX49" fmla="*/ 4921426 w 4992864"/>
-              <a:gd name="connsiteY49" fmla="*/ 2359025 h 6858000"/>
-              <a:gd name="connsiteX50" fmla="*/ 4902376 w 4992864"/>
-              <a:gd name="connsiteY50" fmla="*/ 2395537 h 6858000"/>
-              <a:gd name="connsiteX51" fmla="*/ 4883326 w 4992864"/>
-              <a:gd name="connsiteY51" fmla="*/ 2433637 h 6858000"/>
-              <a:gd name="connsiteX52" fmla="*/ 4865864 w 4992864"/>
-              <a:gd name="connsiteY52" fmla="*/ 2471737 h 6858000"/>
-              <a:gd name="connsiteX53" fmla="*/ 4848401 w 4992864"/>
-              <a:gd name="connsiteY53" fmla="*/ 2513012 h 6858000"/>
-              <a:gd name="connsiteX54" fmla="*/ 4834114 w 4992864"/>
-              <a:gd name="connsiteY54" fmla="*/ 2560637 h 6858000"/>
-              <a:gd name="connsiteX55" fmla="*/ 4824589 w 4992864"/>
-              <a:gd name="connsiteY55" fmla="*/ 2613025 h 6858000"/>
-              <a:gd name="connsiteX56" fmla="*/ 4815064 w 4992864"/>
-              <a:gd name="connsiteY56" fmla="*/ 2671762 h 6858000"/>
-              <a:gd name="connsiteX57" fmla="*/ 4813476 w 4992864"/>
-              <a:gd name="connsiteY57" fmla="*/ 2741612 h 6858000"/>
-              <a:gd name="connsiteX58" fmla="*/ 4815064 w 4992864"/>
-              <a:gd name="connsiteY58" fmla="*/ 2809875 h 6858000"/>
-              <a:gd name="connsiteX59" fmla="*/ 4824589 w 4992864"/>
-              <a:gd name="connsiteY59" fmla="*/ 2868612 h 6858000"/>
-              <a:gd name="connsiteX60" fmla="*/ 4834114 w 4992864"/>
-              <a:gd name="connsiteY60" fmla="*/ 2922587 h 6858000"/>
-              <a:gd name="connsiteX61" fmla="*/ 4848401 w 4992864"/>
-              <a:gd name="connsiteY61" fmla="*/ 2967037 h 6858000"/>
-              <a:gd name="connsiteX62" fmla="*/ 4865864 w 4992864"/>
-              <a:gd name="connsiteY62" fmla="*/ 3009900 h 6858000"/>
-              <a:gd name="connsiteX63" fmla="*/ 4883326 w 4992864"/>
-              <a:gd name="connsiteY63" fmla="*/ 3046412 h 6858000"/>
-              <a:gd name="connsiteX64" fmla="*/ 4902376 w 4992864"/>
-              <a:gd name="connsiteY64" fmla="*/ 3084512 h 6858000"/>
-              <a:gd name="connsiteX65" fmla="*/ 4921426 w 4992864"/>
-              <a:gd name="connsiteY65" fmla="*/ 3121025 h 6858000"/>
-              <a:gd name="connsiteX66" fmla="*/ 4940476 w 4992864"/>
-              <a:gd name="connsiteY66" fmla="*/ 3160712 h 6858000"/>
-              <a:gd name="connsiteX67" fmla="*/ 4956351 w 4992864"/>
-              <a:gd name="connsiteY67" fmla="*/ 3201987 h 6858000"/>
-              <a:gd name="connsiteX68" fmla="*/ 4970639 w 4992864"/>
-              <a:gd name="connsiteY68" fmla="*/ 3248025 h 6858000"/>
-              <a:gd name="connsiteX69" fmla="*/ 4981751 w 4992864"/>
-              <a:gd name="connsiteY69" fmla="*/ 3300412 h 6858000"/>
-              <a:gd name="connsiteX70" fmla="*/ 4989689 w 4992864"/>
-              <a:gd name="connsiteY70" fmla="*/ 3360737 h 6858000"/>
-              <a:gd name="connsiteX71" fmla="*/ 4992864 w 4992864"/>
-              <a:gd name="connsiteY71" fmla="*/ 3427412 h 6858000"/>
-              <a:gd name="connsiteX72" fmla="*/ 4989689 w 4992864"/>
-              <a:gd name="connsiteY72" fmla="*/ 3497262 h 6858000"/>
-              <a:gd name="connsiteX73" fmla="*/ 4981751 w 4992864"/>
-              <a:gd name="connsiteY73" fmla="*/ 3557587 h 6858000"/>
-              <a:gd name="connsiteX74" fmla="*/ 4970639 w 4992864"/>
-              <a:gd name="connsiteY74" fmla="*/ 3609975 h 6858000"/>
-              <a:gd name="connsiteX75" fmla="*/ 4956351 w 4992864"/>
-              <a:gd name="connsiteY75" fmla="*/ 3656012 h 6858000"/>
-              <a:gd name="connsiteX76" fmla="*/ 4940476 w 4992864"/>
-              <a:gd name="connsiteY76" fmla="*/ 3697287 h 6858000"/>
-              <a:gd name="connsiteX77" fmla="*/ 4921426 w 4992864"/>
-              <a:gd name="connsiteY77" fmla="*/ 3736975 h 6858000"/>
-              <a:gd name="connsiteX78" fmla="*/ 4883326 w 4992864"/>
-              <a:gd name="connsiteY78" fmla="*/ 3811587 h 6858000"/>
-              <a:gd name="connsiteX79" fmla="*/ 4865864 w 4992864"/>
-              <a:gd name="connsiteY79" fmla="*/ 3848100 h 6858000"/>
-              <a:gd name="connsiteX80" fmla="*/ 4848401 w 4992864"/>
-              <a:gd name="connsiteY80" fmla="*/ 3890962 h 6858000"/>
-              <a:gd name="connsiteX81" fmla="*/ 4834114 w 4992864"/>
-              <a:gd name="connsiteY81" fmla="*/ 3935412 h 6858000"/>
-              <a:gd name="connsiteX82" fmla="*/ 4824589 w 4992864"/>
-              <a:gd name="connsiteY82" fmla="*/ 3987800 h 6858000"/>
-              <a:gd name="connsiteX83" fmla="*/ 4815064 w 4992864"/>
-              <a:gd name="connsiteY83" fmla="*/ 4048125 h 6858000"/>
-              <a:gd name="connsiteX84" fmla="*/ 4813476 w 4992864"/>
-              <a:gd name="connsiteY84" fmla="*/ 4116387 h 6858000"/>
-              <a:gd name="connsiteX85" fmla="*/ 4815064 w 4992864"/>
-              <a:gd name="connsiteY85" fmla="*/ 4186237 h 6858000"/>
-              <a:gd name="connsiteX86" fmla="*/ 4824589 w 4992864"/>
-              <a:gd name="connsiteY86" fmla="*/ 4244975 h 6858000"/>
-              <a:gd name="connsiteX87" fmla="*/ 4834114 w 4992864"/>
-              <a:gd name="connsiteY87" fmla="*/ 4297362 h 6858000"/>
-              <a:gd name="connsiteX88" fmla="*/ 4848401 w 4992864"/>
-              <a:gd name="connsiteY88" fmla="*/ 4343400 h 6858000"/>
-              <a:gd name="connsiteX89" fmla="*/ 4865864 w 4992864"/>
-              <a:gd name="connsiteY89" fmla="*/ 4386262 h 6858000"/>
-              <a:gd name="connsiteX90" fmla="*/ 4883326 w 4992864"/>
-              <a:gd name="connsiteY90" fmla="*/ 4424362 h 6858000"/>
-              <a:gd name="connsiteX91" fmla="*/ 4921426 w 4992864"/>
-              <a:gd name="connsiteY91" fmla="*/ 4498975 h 6858000"/>
-              <a:gd name="connsiteX92" fmla="*/ 4940476 w 4992864"/>
-              <a:gd name="connsiteY92" fmla="*/ 4537075 h 6858000"/>
-              <a:gd name="connsiteX93" fmla="*/ 4956351 w 4992864"/>
-              <a:gd name="connsiteY93" fmla="*/ 4579937 h 6858000"/>
-              <a:gd name="connsiteX94" fmla="*/ 4970639 w 4992864"/>
-              <a:gd name="connsiteY94" fmla="*/ 4625975 h 6858000"/>
-              <a:gd name="connsiteX95" fmla="*/ 4981751 w 4992864"/>
-              <a:gd name="connsiteY95" fmla="*/ 4678362 h 6858000"/>
-              <a:gd name="connsiteX96" fmla="*/ 4989689 w 4992864"/>
-              <a:gd name="connsiteY96" fmla="*/ 4738687 h 6858000"/>
-              <a:gd name="connsiteX97" fmla="*/ 4992864 w 4992864"/>
-              <a:gd name="connsiteY97" fmla="*/ 4806950 h 6858000"/>
-              <a:gd name="connsiteX98" fmla="*/ 4989689 w 4992864"/>
-              <a:gd name="connsiteY98" fmla="*/ 4875212 h 6858000"/>
-              <a:gd name="connsiteX99" fmla="*/ 4981751 w 4992864"/>
-              <a:gd name="connsiteY99" fmla="*/ 4935537 h 6858000"/>
-              <a:gd name="connsiteX100" fmla="*/ 4970639 w 4992864"/>
-              <a:gd name="connsiteY100" fmla="*/ 4987925 h 6858000"/>
-              <a:gd name="connsiteX101" fmla="*/ 4956351 w 4992864"/>
-              <a:gd name="connsiteY101" fmla="*/ 5033962 h 6858000"/>
-              <a:gd name="connsiteX102" fmla="*/ 4940476 w 4992864"/>
-              <a:gd name="connsiteY102" fmla="*/ 5075237 h 6858000"/>
-              <a:gd name="connsiteX103" fmla="*/ 4921426 w 4992864"/>
-              <a:gd name="connsiteY103" fmla="*/ 5114925 h 6858000"/>
-              <a:gd name="connsiteX104" fmla="*/ 4902376 w 4992864"/>
-              <a:gd name="connsiteY104" fmla="*/ 5149850 h 6858000"/>
-              <a:gd name="connsiteX105" fmla="*/ 4883326 w 4992864"/>
-              <a:gd name="connsiteY105" fmla="*/ 5186362 h 6858000"/>
-              <a:gd name="connsiteX106" fmla="*/ 4865864 w 4992864"/>
-              <a:gd name="connsiteY106" fmla="*/ 5226050 h 6858000"/>
-              <a:gd name="connsiteX107" fmla="*/ 4848401 w 4992864"/>
-              <a:gd name="connsiteY107" fmla="*/ 5268912 h 6858000"/>
-              <a:gd name="connsiteX108" fmla="*/ 4834114 w 4992864"/>
-              <a:gd name="connsiteY108" fmla="*/ 5313362 h 6858000"/>
-              <a:gd name="connsiteX109" fmla="*/ 4824589 w 4992864"/>
-              <a:gd name="connsiteY109" fmla="*/ 5365750 h 6858000"/>
-              <a:gd name="connsiteX110" fmla="*/ 4815064 w 4992864"/>
-              <a:gd name="connsiteY110" fmla="*/ 5426075 h 6858000"/>
-              <a:gd name="connsiteX111" fmla="*/ 4813476 w 4992864"/>
-              <a:gd name="connsiteY111" fmla="*/ 5494337 h 6858000"/>
-              <a:gd name="connsiteX112" fmla="*/ 4815064 w 4992864"/>
-              <a:gd name="connsiteY112" fmla="*/ 5562600 h 6858000"/>
-              <a:gd name="connsiteX113" fmla="*/ 4824589 w 4992864"/>
-              <a:gd name="connsiteY113" fmla="*/ 5622925 h 6858000"/>
-              <a:gd name="connsiteX114" fmla="*/ 4834114 w 4992864"/>
-              <a:gd name="connsiteY114" fmla="*/ 5675312 h 6858000"/>
-              <a:gd name="connsiteX115" fmla="*/ 4848401 w 4992864"/>
-              <a:gd name="connsiteY115" fmla="*/ 5721350 h 6858000"/>
-              <a:gd name="connsiteX116" fmla="*/ 4865864 w 4992864"/>
-              <a:gd name="connsiteY116" fmla="*/ 5762625 h 6858000"/>
-              <a:gd name="connsiteX117" fmla="*/ 4883326 w 4992864"/>
-              <a:gd name="connsiteY117" fmla="*/ 5802312 h 6858000"/>
-              <a:gd name="connsiteX118" fmla="*/ 4902376 w 4992864"/>
-              <a:gd name="connsiteY118" fmla="*/ 5840412 h 6858000"/>
-              <a:gd name="connsiteX119" fmla="*/ 4921426 w 4992864"/>
-              <a:gd name="connsiteY119" fmla="*/ 5876925 h 6858000"/>
-              <a:gd name="connsiteX120" fmla="*/ 4940476 w 4992864"/>
-              <a:gd name="connsiteY120" fmla="*/ 5915025 h 6858000"/>
-              <a:gd name="connsiteX121" fmla="*/ 4956351 w 4992864"/>
-              <a:gd name="connsiteY121" fmla="*/ 5956300 h 6858000"/>
-              <a:gd name="connsiteX122" fmla="*/ 4970639 w 4992864"/>
-              <a:gd name="connsiteY122" fmla="*/ 6003925 h 6858000"/>
-              <a:gd name="connsiteX123" fmla="*/ 4981751 w 4992864"/>
-              <a:gd name="connsiteY123" fmla="*/ 6056312 h 6858000"/>
-              <a:gd name="connsiteX124" fmla="*/ 4989689 w 4992864"/>
-              <a:gd name="connsiteY124" fmla="*/ 6113462 h 6858000"/>
-              <a:gd name="connsiteX125" fmla="*/ 4992864 w 4992864"/>
-              <a:gd name="connsiteY125" fmla="*/ 6183312 h 6858000"/>
-              <a:gd name="connsiteX126" fmla="*/ 4989689 w 4992864"/>
-              <a:gd name="connsiteY126" fmla="*/ 6251575 h 6858000"/>
-              <a:gd name="connsiteX127" fmla="*/ 4981751 w 4992864"/>
-              <a:gd name="connsiteY127" fmla="*/ 6311900 h 6858000"/>
-              <a:gd name="connsiteX128" fmla="*/ 4970639 w 4992864"/>
-              <a:gd name="connsiteY128" fmla="*/ 6361112 h 6858000"/>
-              <a:gd name="connsiteX129" fmla="*/ 4956351 w 4992864"/>
-              <a:gd name="connsiteY129" fmla="*/ 6407150 h 6858000"/>
-              <a:gd name="connsiteX130" fmla="*/ 4940476 w 4992864"/>
-              <a:gd name="connsiteY130" fmla="*/ 6448425 h 6858000"/>
-              <a:gd name="connsiteX131" fmla="*/ 4923014 w 4992864"/>
-              <a:gd name="connsiteY131" fmla="*/ 6488112 h 6858000"/>
-              <a:gd name="connsiteX132" fmla="*/ 4905551 w 4992864"/>
-              <a:gd name="connsiteY132" fmla="*/ 6523037 h 6858000"/>
-              <a:gd name="connsiteX133" fmla="*/ 4886501 w 4992864"/>
-              <a:gd name="connsiteY133" fmla="*/ 6561137 h 6858000"/>
-              <a:gd name="connsiteX134" fmla="*/ 4867451 w 4992864"/>
-              <a:gd name="connsiteY134" fmla="*/ 6597650 h 6858000"/>
-              <a:gd name="connsiteX135" fmla="*/ 4851576 w 4992864"/>
-              <a:gd name="connsiteY135" fmla="*/ 6640512 h 6858000"/>
-              <a:gd name="connsiteX136" fmla="*/ 4835701 w 4992864"/>
-              <a:gd name="connsiteY136" fmla="*/ 6683375 h 6858000"/>
-              <a:gd name="connsiteX137" fmla="*/ 4826176 w 4992864"/>
-              <a:gd name="connsiteY137" fmla="*/ 6735762 h 6858000"/>
-              <a:gd name="connsiteX138" fmla="*/ 4818239 w 4992864"/>
-              <a:gd name="connsiteY138" fmla="*/ 6791325 h 6858000"/>
-              <a:gd name="connsiteX139" fmla="*/ 4813476 w 4992864"/>
-              <a:gd name="connsiteY139" fmla="*/ 6858000 h 6858000"/>
-              <a:gd name="connsiteX140" fmla="*/ 0 w 4992864"/>
-              <a:gd name="connsiteY140" fmla="*/ 6858000 h 6858000"/>
-            </a:gdLst>
-            <a:ahLst/>
-            <a:cxnLst>
-              <a:cxn ang="0">
-                <a:pos x="connsiteX0" y="connsiteY0"/>
-              </a:cxn>
-              <a:cxn ang="0">
-                <a:pos x="connsiteX1" y="connsiteY1"/>
-              </a:cxn>
-              <a:cxn ang="0">
-                <a:pos x="connsiteX2" y="connsiteY2"/>
-              </a:cxn>
-              <a:cxn ang="0">
-                <a:pos x="connsiteX3" y="connsiteY3"/>
-              </a:cxn>
-              <a:cxn ang="0">
-                <a:pos x="connsiteX4" y="connsiteY4"/>
-              </a:cxn>
-              <a:cxn ang="0">
-                <a:pos x="connsiteX5" y="connsiteY5"/>
-              </a:cxn>
-              <a:cxn ang="0">
-                <a:pos x="connsiteX6" y="connsiteY6"/>
-              </a:cxn>
-              <a:cxn ang="0">
-                <a:pos x="connsiteX7" y="connsiteY7"/>
-              </a:cxn>
-              <a:cxn ang="0">
-                <a:pos x="connsiteX8" y="connsiteY8"/>
-              </a:cxn>
-              <a:cxn ang="0">
-                <a:pos x="connsiteX9" y="connsiteY9"/>
-              </a:cxn>
-              <a:cxn ang="0">
-                <a:pos x="connsiteX10" y="connsiteY10"/>
-              </a:cxn>
-              <a:cxn ang="0">
-                <a:pos x="connsiteX11" y="connsiteY11"/>
-              </a:cxn>
-              <a:cxn ang="0">
-                <a:pos x="connsiteX12" y="connsiteY12"/>
-              </a:cxn>
-              <a:cxn ang="0">
-                <a:pos x="connsiteX13" y="connsiteY13"/>
-              </a:cxn>
-              <a:cxn ang="0">
-                <a:pos x="connsiteX14" y="connsiteY14"/>
-              </a:cxn>
-              <a:cxn ang="0">
-                <a:pos x="connsiteX15" y="connsiteY15"/>
-              </a:cxn>
-              <a:cxn ang="0">
-                <a:pos x="connsiteX16" y="connsiteY16"/>
-              </a:cxn>
-              <a:cxn ang="0">
-                <a:pos x="connsiteX17" y="connsiteY17"/>
-              </a:cxn>
-              <a:cxn ang="0">
-                <a:pos x="connsiteX18" y="connsiteY18"/>
-              </a:cxn>
-              <a:cxn ang="0">
-                <a:pos x="connsiteX19" y="connsiteY19"/>
-              </a:cxn>
-              <a:cxn ang="0">
-                <a:pos x="connsiteX20" y="connsiteY20"/>
-              </a:cxn>
-              <a:cxn ang="0">
-                <a:pos x="connsiteX21" y="connsiteY21"/>
-              </a:cxn>
-              <a:cxn ang="0">
-                <a:pos x="connsiteX22" y="connsiteY22"/>
-              </a:cxn>
-              <a:cxn ang="0">
-                <a:pos x="connsiteX23" y="connsiteY23"/>
-              </a:cxn>
-              <a:cxn ang="0">
-                <a:pos x="connsiteX24" y="connsiteY24"/>
-              </a:cxn>
-              <a:cxn ang="0">
-                <a:pos x="connsiteX25" y="connsiteY25"/>
-              </a:cxn>
-              <a:cxn ang="0">
-                <a:pos x="connsiteX26" y="connsiteY26"/>
-              </a:cxn>
-              <a:cxn ang="0">
-                <a:pos x="connsiteX27" y="connsiteY27"/>
-              </a:cxn>
-              <a:cxn ang="0">
-                <a:pos x="connsiteX28" y="connsiteY28"/>
-              </a:cxn>
-              <a:cxn ang="0">
-                <a:pos x="connsiteX29" y="connsiteY29"/>
-              </a:cxn>
-              <a:cxn ang="0">
-                <a:pos x="connsiteX30" y="connsiteY30"/>
-              </a:cxn>
-              <a:cxn ang="0">
-                <a:pos x="connsiteX31" y="connsiteY31"/>
-              </a:cxn>
-              <a:cxn ang="0">
-                <a:pos x="connsiteX32" y="connsiteY32"/>
-              </a:cxn>
-              <a:cxn ang="0">
-                <a:pos x="connsiteX33" y="connsiteY33"/>
-              </a:cxn>
-              <a:cxn ang="0">
-                <a:pos x="connsiteX34" y="connsiteY34"/>
-              </a:cxn>
-              <a:cxn ang="0">
-                <a:pos x="connsiteX35" y="connsiteY35"/>
-              </a:cxn>
-              <a:cxn ang="0">
-                <a:pos x="connsiteX36" y="connsiteY36"/>
-              </a:cxn>
-              <a:cxn ang="0">
-                <a:pos x="connsiteX37" y="connsiteY37"/>
-              </a:cxn>
-              <a:cxn ang="0">
-                <a:pos x="connsiteX38" y="connsiteY38"/>
-              </a:cxn>
-              <a:cxn ang="0">
-                <a:pos x="connsiteX39" y="connsiteY39"/>
-              </a:cxn>
-              <a:cxn ang="0">
-                <a:pos x="connsiteX40" y="connsiteY40"/>
-              </a:cxn>
-              <a:cxn ang="0">
-                <a:pos x="connsiteX41" y="connsiteY41"/>
-              </a:cxn>
-              <a:cxn ang="0">
-                <a:pos x="connsiteX42" y="connsiteY42"/>
-              </a:cxn>
-              <a:cxn ang="0">
-                <a:pos x="connsiteX43" y="connsiteY43"/>
-              </a:cxn>
-              <a:cxn ang="0">
-                <a:pos x="connsiteX44" y="connsiteY44"/>
-              </a:cxn>
-              <a:cxn ang="0">
-                <a:pos x="connsiteX45" y="connsiteY45"/>
-              </a:cxn>
-              <a:cxn ang="0">
-                <a:pos x="connsiteX46" y="connsiteY46"/>
-              </a:cxn>
-              <a:cxn ang="0">
-                <a:pos x="connsiteX47" y="connsiteY47"/>
-              </a:cxn>
-              <a:cxn ang="0">
-                <a:pos x="connsiteX48" y="connsiteY48"/>
-              </a:cxn>
-              <a:cxn ang="0">
-                <a:pos x="connsiteX49" y="connsiteY49"/>
-              </a:cxn>
-              <a:cxn ang="0">
-                <a:pos x="connsiteX50" y="connsiteY50"/>
-              </a:cxn>
-              <a:cxn ang="0">
-                <a:pos x="connsiteX51" y="connsiteY51"/>
-              </a:cxn>
-              <a:cxn ang="0">
-                <a:pos x="connsiteX52" y="connsiteY52"/>
-              </a:cxn>
-              <a:cxn ang="0">
-                <a:pos x="connsiteX53" y="connsiteY53"/>
-              </a:cxn>
-              <a:cxn ang="0">
-                <a:pos x="connsiteX54" y="connsiteY54"/>
-              </a:cxn>
-              <a:cxn ang="0">
-                <a:pos x="connsiteX55" y="connsiteY55"/>
-              </a:cxn>
-              <a:cxn ang="0">
-                <a:pos x="connsiteX56" y="connsiteY56"/>
-              </a:cxn>
-              <a:cxn ang="0">
-                <a:pos x="connsiteX57" y="connsiteY57"/>
-              </a:cxn>
-              <a:cxn ang="0">
-                <a:pos x="connsiteX58" y="connsiteY58"/>
-              </a:cxn>
-              <a:cxn ang="0">
-                <a:pos x="connsiteX59" y="connsiteY59"/>
-              </a:cxn>
-              <a:cxn ang="0">
-                <a:pos x="connsiteX60" y="connsiteY60"/>
-              </a:cxn>
-              <a:cxn ang="0">
-                <a:pos x="connsiteX61" y="connsiteY61"/>
-              </a:cxn>
-              <a:cxn ang="0">
-                <a:pos x="connsiteX62" y="connsiteY62"/>
-              </a:cxn>
-              <a:cxn ang="0">
-                <a:pos x="connsiteX63" y="connsiteY63"/>
-              </a:cxn>
-              <a:cxn ang="0">
-                <a:pos x="connsiteX64" y="connsiteY64"/>
-              </a:cxn>
-              <a:cxn ang="0">
-                <a:pos x="connsiteX65" y="connsiteY65"/>
-              </a:cxn>
-              <a:cxn ang="0">
-                <a:pos x="connsiteX66" y="connsiteY66"/>
-              </a:cxn>
-              <a:cxn ang="0">
-                <a:pos x="connsiteX67" y="connsiteY67"/>
-              </a:cxn>
-              <a:cxn ang="0">
-                <a:pos x="connsiteX68" y="connsiteY68"/>
-              </a:cxn>
-              <a:cxn ang="0">
-                <a:pos x="connsiteX69" y="connsiteY69"/>
-              </a:cxn>
-              <a:cxn ang="0">
-                <a:pos x="connsiteX70" y="connsiteY70"/>
-              </a:cxn>
-              <a:cxn ang="0">
-                <a:pos x="connsiteX71" y="connsiteY71"/>
-              </a:cxn>
-              <a:cxn ang="0">
-                <a:pos x="connsiteX72" y="connsiteY72"/>
-              </a:cxn>
-              <a:cxn ang="0">
-                <a:pos x="connsiteX73" y="connsiteY73"/>
-              </a:cxn>
-              <a:cxn ang="0">
-                <a:pos x="connsiteX74" y="connsiteY74"/>
-              </a:cxn>
-              <a:cxn ang="0">
-                <a:pos x="connsiteX75" y="connsiteY75"/>
-              </a:cxn>
-              <a:cxn ang="0">
-                <a:pos x="connsiteX76" y="connsiteY76"/>
-              </a:cxn>
-              <a:cxn ang="0">
-                <a:pos x="connsiteX77" y="connsiteY77"/>
-              </a:cxn>
-              <a:cxn ang="0">
-                <a:pos x="connsiteX78" y="connsiteY78"/>
-              </a:cxn>
-              <a:cxn ang="0">
-                <a:pos x="connsiteX79" y="connsiteY79"/>
-              </a:cxn>
-              <a:cxn ang="0">
-                <a:pos x="connsiteX80" y="connsiteY80"/>
-              </a:cxn>
-              <a:cxn ang="0">
-                <a:pos x="connsiteX81" y="connsiteY81"/>
-              </a:cxn>
-              <a:cxn ang="0">
-                <a:pos x="connsiteX82" y="connsiteY82"/>
-              </a:cxn>
-              <a:cxn ang="0">
-                <a:pos x="connsiteX83" y="connsiteY83"/>
-              </a:cxn>
-              <a:cxn ang="0">
-                <a:pos x="connsiteX84" y="connsiteY84"/>
-              </a:cxn>
-              <a:cxn ang="0">
-                <a:pos x="connsiteX85" y="connsiteY85"/>
-              </a:cxn>
-              <a:cxn ang="0">
-                <a:pos x="connsiteX86" y="connsiteY86"/>
-              </a:cxn>
-              <a:cxn ang="0">
-                <a:pos x="connsiteX87" y="connsiteY87"/>
-              </a:cxn>
-              <a:cxn ang="0">
-                <a:pos x="connsiteX88" y="connsiteY88"/>
-              </a:cxn>
-              <a:cxn ang="0">
-                <a:pos x="connsiteX89" y="connsiteY89"/>
-              </a:cxn>
-              <a:cxn ang="0">
-                <a:pos x="connsiteX90" y="connsiteY90"/>
-              </a:cxn>
-              <a:cxn ang="0">
-                <a:pos x="connsiteX91" y="connsiteY91"/>
-              </a:cxn>
-              <a:cxn ang="0">
-                <a:pos x="connsiteX92" y="connsiteY92"/>
-              </a:cxn>
-              <a:cxn ang="0">
-                <a:pos x="connsiteX93" y="connsiteY93"/>
-              </a:cxn>
-              <a:cxn ang="0">
-                <a:pos x="connsiteX94" y="connsiteY94"/>
-              </a:cxn>
-              <a:cxn ang="0">
-                <a:pos x="connsiteX95" y="connsiteY95"/>
-              </a:cxn>
-              <a:cxn ang="0">
-                <a:pos x="connsiteX96" y="connsiteY96"/>
-              </a:cxn>
-              <a:cxn ang="0">
-                <a:pos x="connsiteX97" y="connsiteY97"/>
-              </a:cxn>
-              <a:cxn ang="0">
-                <a:pos x="connsiteX98" y="connsiteY98"/>
-              </a:cxn>
-              <a:cxn ang="0">
-                <a:pos x="connsiteX99" y="connsiteY99"/>
-              </a:cxn>
-              <a:cxn ang="0">
-                <a:pos x="connsiteX100" y="connsiteY100"/>
-              </a:cxn>
-              <a:cxn ang="0">
-                <a:pos x="connsiteX101" y="connsiteY101"/>
-              </a:cxn>
-              <a:cxn ang="0">
-                <a:pos x="connsiteX102" y="connsiteY102"/>
-              </a:cxn>
-              <a:cxn ang="0">
-                <a:pos x="connsiteX103" y="connsiteY103"/>
-              </a:cxn>
-              <a:cxn ang="0">
-                <a:pos x="connsiteX104" y="connsiteY104"/>
-              </a:cxn>
-              <a:cxn ang="0">
-                <a:pos x="connsiteX105" y="connsiteY105"/>
-              </a:cxn>
-              <a:cxn ang="0">
-                <a:pos x="connsiteX106" y="connsiteY106"/>
-              </a:cxn>
-              <a:cxn ang="0">
-                <a:pos x="connsiteX107" y="connsiteY107"/>
-              </a:cxn>
-              <a:cxn ang="0">
-                <a:pos x="connsiteX108" y="connsiteY108"/>
-              </a:cxn>
-              <a:cxn ang="0">
-                <a:pos x="connsiteX109" y="connsiteY109"/>
-              </a:cxn>
-              <a:cxn ang="0">
-                <a:pos x="connsiteX110" y="connsiteY110"/>
-              </a:cxn>
-              <a:cxn ang="0">
-                <a:pos x="connsiteX111" y="connsiteY111"/>
-              </a:cxn>
-              <a:cxn ang="0">
-                <a:pos x="connsiteX112" y="connsiteY112"/>
-              </a:cxn>
-              <a:cxn ang="0">
-                <a:pos x="connsiteX113" y="connsiteY113"/>
-              </a:cxn>
-              <a:cxn ang="0">
-                <a:pos x="connsiteX114" y="connsiteY114"/>
-              </a:cxn>
-              <a:cxn ang="0">
-                <a:pos x="connsiteX115" y="connsiteY115"/>
-              </a:cxn>
-              <a:cxn ang="0">
-                <a:pos x="connsiteX116" y="connsiteY116"/>
-              </a:cxn>
-              <a:cxn ang="0">
-                <a:pos x="connsiteX117" y="connsiteY117"/>
-              </a:cxn>
-              <a:cxn ang="0">
-                <a:pos x="connsiteX118" y="connsiteY118"/>
-              </a:cxn>
-              <a:cxn ang="0">
-                <a:pos x="connsiteX119" y="connsiteY119"/>
-              </a:cxn>
-              <a:cxn ang="0">
-                <a:pos x="connsiteX120" y="connsiteY120"/>
-              </a:cxn>
-              <a:cxn ang="0">
-                <a:pos x="connsiteX121" y="connsiteY121"/>
-              </a:cxn>
-              <a:cxn ang="0">
-                <a:pos x="connsiteX122" y="connsiteY122"/>
-              </a:cxn>
-              <a:cxn ang="0">
-                <a:pos x="connsiteX123" y="connsiteY123"/>
-              </a:cxn>
-              <a:cxn ang="0">
-                <a:pos x="connsiteX124" y="connsiteY124"/>
-              </a:cxn>
-              <a:cxn ang="0">
-                <a:pos x="connsiteX125" y="connsiteY125"/>
-              </a:cxn>
-              <a:cxn ang="0">
-                <a:pos x="connsiteX126" y="connsiteY126"/>
-              </a:cxn>
-              <a:cxn ang="0">
-                <a:pos x="connsiteX127" y="connsiteY127"/>
-              </a:cxn>
-              <a:cxn ang="0">
-                <a:pos x="connsiteX128" y="connsiteY128"/>
-              </a:cxn>
-              <a:cxn ang="0">
-                <a:pos x="connsiteX129" y="connsiteY129"/>
-              </a:cxn>
-              <a:cxn ang="0">
-                <a:pos x="connsiteX130" y="connsiteY130"/>
-              </a:cxn>
-              <a:cxn ang="0">
-                <a:pos x="connsiteX131" y="connsiteY131"/>
-              </a:cxn>
-              <a:cxn ang="0">
-                <a:pos x="connsiteX132" y="connsiteY132"/>
-              </a:cxn>
-              <a:cxn ang="0">
-                <a:pos x="connsiteX133" y="connsiteY133"/>
-              </a:cxn>
-              <a:cxn ang="0">
-                <a:pos x="connsiteX134" y="connsiteY134"/>
-              </a:cxn>
-              <a:cxn ang="0">
-                <a:pos x="connsiteX135" y="connsiteY135"/>
-              </a:cxn>
-              <a:cxn ang="0">
-                <a:pos x="connsiteX136" y="connsiteY136"/>
-              </a:cxn>
-              <a:cxn ang="0">
-                <a:pos x="connsiteX137" y="connsiteY137"/>
-              </a:cxn>
-              <a:cxn ang="0">
-                <a:pos x="connsiteX138" y="connsiteY138"/>
-              </a:cxn>
-              <a:cxn ang="0">
-                <a:pos x="connsiteX139" y="connsiteY139"/>
-              </a:cxn>
-              <a:cxn ang="0">
-                <a:pos x="connsiteX140" y="connsiteY140"/>
-              </a:cxn>
-            </a:cxnLst>
-            <a:rect l="l" t="t" r="r" b="b"/>
-            <a:pathLst>
-              <a:path w="4992864" h="6858000">
-                <a:moveTo>
-                  <a:pt x="0" y="0"/>
-                </a:moveTo>
-                <a:lnTo>
-                  <a:pt x="4813476" y="0"/>
-                </a:lnTo>
-                <a:lnTo>
-                  <a:pt x="4818239" y="66675"/>
-                </a:lnTo>
-                <a:lnTo>
-                  <a:pt x="4826176" y="122237"/>
-                </a:lnTo>
-                <a:lnTo>
-                  <a:pt x="4835701" y="174625"/>
-                </a:lnTo>
-                <a:lnTo>
-                  <a:pt x="4851576" y="217487"/>
-                </a:lnTo>
-                <a:lnTo>
-                  <a:pt x="4867451" y="260350"/>
-                </a:lnTo>
-                <a:lnTo>
-                  <a:pt x="4886501" y="296862"/>
-                </a:lnTo>
-                <a:lnTo>
-                  <a:pt x="4905551" y="334962"/>
-                </a:lnTo>
-                <a:lnTo>
-                  <a:pt x="4923014" y="369887"/>
-                </a:lnTo>
-                <a:lnTo>
-                  <a:pt x="4940476" y="409575"/>
-                </a:lnTo>
-                <a:lnTo>
-                  <a:pt x="4956351" y="450850"/>
-                </a:lnTo>
-                <a:lnTo>
-                  <a:pt x="4970639" y="496887"/>
-                </a:lnTo>
-                <a:lnTo>
-                  <a:pt x="4981751" y="546100"/>
-                </a:lnTo>
-                <a:lnTo>
-                  <a:pt x="4989689" y="606425"/>
-                </a:lnTo>
-                <a:lnTo>
-                  <a:pt x="4992864" y="673100"/>
-                </a:lnTo>
-                <a:lnTo>
-                  <a:pt x="4989689" y="744537"/>
-                </a:lnTo>
-                <a:lnTo>
-                  <a:pt x="4981751" y="801687"/>
-                </a:lnTo>
-                <a:lnTo>
-                  <a:pt x="4970639" y="854075"/>
-                </a:lnTo>
-                <a:lnTo>
-                  <a:pt x="4956351" y="901700"/>
-                </a:lnTo>
-                <a:lnTo>
-                  <a:pt x="4940476" y="942975"/>
-                </a:lnTo>
-                <a:lnTo>
-                  <a:pt x="4921426" y="981075"/>
-                </a:lnTo>
-                <a:lnTo>
-                  <a:pt x="4902376" y="1017587"/>
-                </a:lnTo>
-                <a:lnTo>
-                  <a:pt x="4883326" y="1055687"/>
-                </a:lnTo>
-                <a:lnTo>
-                  <a:pt x="4865864" y="1095375"/>
-                </a:lnTo>
-                <a:lnTo>
-                  <a:pt x="4848401" y="1136650"/>
-                </a:lnTo>
-                <a:lnTo>
-                  <a:pt x="4834114" y="1182687"/>
-                </a:lnTo>
-                <a:lnTo>
-                  <a:pt x="4824589" y="1235075"/>
-                </a:lnTo>
-                <a:lnTo>
-                  <a:pt x="4815064" y="1295400"/>
-                </a:lnTo>
-                <a:lnTo>
-                  <a:pt x="4813476" y="1363662"/>
-                </a:lnTo>
-                <a:lnTo>
-                  <a:pt x="4815064" y="1431925"/>
-                </a:lnTo>
-                <a:lnTo>
-                  <a:pt x="4824589" y="1492250"/>
-                </a:lnTo>
-                <a:lnTo>
-                  <a:pt x="4834114" y="1544637"/>
-                </a:lnTo>
-                <a:lnTo>
-                  <a:pt x="4848401" y="1589087"/>
-                </a:lnTo>
-                <a:lnTo>
-                  <a:pt x="4865864" y="1631950"/>
-                </a:lnTo>
-                <a:lnTo>
-                  <a:pt x="4883326" y="1671637"/>
-                </a:lnTo>
-                <a:lnTo>
-                  <a:pt x="4902376" y="1708150"/>
-                </a:lnTo>
-                <a:lnTo>
-                  <a:pt x="4921426" y="1743075"/>
-                </a:lnTo>
-                <a:lnTo>
-                  <a:pt x="4940476" y="1782762"/>
-                </a:lnTo>
-                <a:lnTo>
-                  <a:pt x="4956351" y="1824037"/>
-                </a:lnTo>
-                <a:lnTo>
-                  <a:pt x="4970639" y="1870075"/>
-                </a:lnTo>
-                <a:lnTo>
-                  <a:pt x="4981751" y="1922462"/>
-                </a:lnTo>
-                <a:lnTo>
-                  <a:pt x="4989689" y="1982787"/>
-                </a:lnTo>
-                <a:lnTo>
-                  <a:pt x="4992864" y="2051050"/>
-                </a:lnTo>
-                <a:lnTo>
-                  <a:pt x="4989689" y="2119312"/>
-                </a:lnTo>
-                <a:lnTo>
-                  <a:pt x="4981751" y="2179637"/>
-                </a:lnTo>
-                <a:lnTo>
-                  <a:pt x="4970639" y="2232025"/>
-                </a:lnTo>
-                <a:lnTo>
-                  <a:pt x="4956351" y="2278062"/>
-                </a:lnTo>
-                <a:lnTo>
-                  <a:pt x="4940476" y="2319337"/>
-                </a:lnTo>
-                <a:lnTo>
-                  <a:pt x="4921426" y="2359025"/>
-                </a:lnTo>
-                <a:lnTo>
-                  <a:pt x="4902376" y="2395537"/>
-                </a:lnTo>
-                <a:lnTo>
-                  <a:pt x="4883326" y="2433637"/>
-                </a:lnTo>
-                <a:lnTo>
-                  <a:pt x="4865864" y="2471737"/>
-                </a:lnTo>
-                <a:lnTo>
-                  <a:pt x="4848401" y="2513012"/>
-                </a:lnTo>
-                <a:lnTo>
-                  <a:pt x="4834114" y="2560637"/>
-                </a:lnTo>
-                <a:lnTo>
-                  <a:pt x="4824589" y="2613025"/>
-                </a:lnTo>
-                <a:lnTo>
-                  <a:pt x="4815064" y="2671762"/>
-                </a:lnTo>
-                <a:lnTo>
-                  <a:pt x="4813476" y="2741612"/>
-                </a:lnTo>
-                <a:lnTo>
-                  <a:pt x="4815064" y="2809875"/>
-                </a:lnTo>
-                <a:lnTo>
-                  <a:pt x="4824589" y="2868612"/>
-                </a:lnTo>
-                <a:lnTo>
-                  <a:pt x="4834114" y="2922587"/>
-                </a:lnTo>
-                <a:lnTo>
-                  <a:pt x="4848401" y="2967037"/>
-                </a:lnTo>
-                <a:lnTo>
-                  <a:pt x="4865864" y="3009900"/>
-                </a:lnTo>
-                <a:lnTo>
-                  <a:pt x="4883326" y="3046412"/>
-                </a:lnTo>
-                <a:lnTo>
-                  <a:pt x="4902376" y="3084512"/>
-                </a:lnTo>
-                <a:lnTo>
-                  <a:pt x="4921426" y="3121025"/>
-                </a:lnTo>
-                <a:lnTo>
-                  <a:pt x="4940476" y="3160712"/>
-                </a:lnTo>
-                <a:lnTo>
-                  <a:pt x="4956351" y="3201987"/>
-                </a:lnTo>
-                <a:lnTo>
-                  <a:pt x="4970639" y="3248025"/>
-                </a:lnTo>
-                <a:lnTo>
-                  <a:pt x="4981751" y="3300412"/>
-                </a:lnTo>
-                <a:lnTo>
-                  <a:pt x="4989689" y="3360737"/>
-                </a:lnTo>
-                <a:lnTo>
-                  <a:pt x="4992864" y="3427412"/>
-                </a:lnTo>
-                <a:lnTo>
-                  <a:pt x="4989689" y="3497262"/>
-                </a:lnTo>
-                <a:lnTo>
-                  <a:pt x="4981751" y="3557587"/>
-                </a:lnTo>
-                <a:lnTo>
-                  <a:pt x="4970639" y="3609975"/>
-                </a:lnTo>
-                <a:lnTo>
-                  <a:pt x="4956351" y="3656012"/>
-                </a:lnTo>
-                <a:lnTo>
-                  <a:pt x="4940476" y="3697287"/>
-                </a:lnTo>
-                <a:lnTo>
-                  <a:pt x="4921426" y="3736975"/>
-                </a:lnTo>
-                <a:lnTo>
-                  <a:pt x="4883326" y="3811587"/>
-                </a:lnTo>
-                <a:lnTo>
-                  <a:pt x="4865864" y="3848100"/>
-                </a:lnTo>
-                <a:lnTo>
-                  <a:pt x="4848401" y="3890962"/>
-                </a:lnTo>
-                <a:lnTo>
-                  <a:pt x="4834114" y="3935412"/>
-                </a:lnTo>
-                <a:lnTo>
-                  <a:pt x="4824589" y="3987800"/>
-                </a:lnTo>
-                <a:lnTo>
-                  <a:pt x="4815064" y="4048125"/>
-                </a:lnTo>
-                <a:lnTo>
-                  <a:pt x="4813476" y="4116387"/>
-                </a:lnTo>
-                <a:lnTo>
-                  <a:pt x="4815064" y="4186237"/>
-                </a:lnTo>
-                <a:lnTo>
-                  <a:pt x="4824589" y="4244975"/>
-                </a:lnTo>
-                <a:lnTo>
-                  <a:pt x="4834114" y="4297362"/>
-                </a:lnTo>
-                <a:lnTo>
-                  <a:pt x="4848401" y="4343400"/>
-                </a:lnTo>
-                <a:lnTo>
-                  <a:pt x="4865864" y="4386262"/>
-                </a:lnTo>
-                <a:lnTo>
-                  <a:pt x="4883326" y="4424362"/>
-                </a:lnTo>
-                <a:lnTo>
-                  <a:pt x="4921426" y="4498975"/>
-                </a:lnTo>
-                <a:lnTo>
-                  <a:pt x="4940476" y="4537075"/>
-                </a:lnTo>
-                <a:lnTo>
-                  <a:pt x="4956351" y="4579937"/>
-                </a:lnTo>
-                <a:lnTo>
-                  <a:pt x="4970639" y="4625975"/>
-                </a:lnTo>
-                <a:lnTo>
-                  <a:pt x="4981751" y="4678362"/>
-                </a:lnTo>
-                <a:lnTo>
-                  <a:pt x="4989689" y="4738687"/>
-                </a:lnTo>
-                <a:lnTo>
-                  <a:pt x="4992864" y="4806950"/>
-                </a:lnTo>
-                <a:lnTo>
-                  <a:pt x="4989689" y="4875212"/>
-                </a:lnTo>
-                <a:lnTo>
-                  <a:pt x="4981751" y="4935537"/>
-                </a:lnTo>
-                <a:lnTo>
-                  <a:pt x="4970639" y="4987925"/>
-                </a:lnTo>
-                <a:lnTo>
-                  <a:pt x="4956351" y="5033962"/>
-                </a:lnTo>
-                <a:lnTo>
-                  <a:pt x="4940476" y="5075237"/>
-                </a:lnTo>
-                <a:lnTo>
-                  <a:pt x="4921426" y="5114925"/>
-                </a:lnTo>
-                <a:lnTo>
-                  <a:pt x="4902376" y="5149850"/>
-                </a:lnTo>
-                <a:lnTo>
-                  <a:pt x="4883326" y="5186362"/>
-                </a:lnTo>
-                <a:lnTo>
-                  <a:pt x="4865864" y="5226050"/>
-                </a:lnTo>
-                <a:lnTo>
-                  <a:pt x="4848401" y="5268912"/>
-                </a:lnTo>
-                <a:lnTo>
-                  <a:pt x="4834114" y="5313362"/>
-                </a:lnTo>
-                <a:lnTo>
-                  <a:pt x="4824589" y="5365750"/>
-                </a:lnTo>
-                <a:lnTo>
-                  <a:pt x="4815064" y="5426075"/>
-                </a:lnTo>
-                <a:lnTo>
-                  <a:pt x="4813476" y="5494337"/>
-                </a:lnTo>
-                <a:lnTo>
-                  <a:pt x="4815064" y="5562600"/>
-                </a:lnTo>
-                <a:lnTo>
-                  <a:pt x="4824589" y="5622925"/>
-                </a:lnTo>
-                <a:lnTo>
-                  <a:pt x="4834114" y="5675312"/>
-                </a:lnTo>
-                <a:lnTo>
-                  <a:pt x="4848401" y="5721350"/>
-                </a:lnTo>
-                <a:lnTo>
-                  <a:pt x="4865864" y="5762625"/>
-                </a:lnTo>
-                <a:lnTo>
-                  <a:pt x="4883326" y="5802312"/>
-                </a:lnTo>
-                <a:lnTo>
-                  <a:pt x="4902376" y="5840412"/>
-                </a:lnTo>
-                <a:lnTo>
-                  <a:pt x="4921426" y="5876925"/>
-                </a:lnTo>
-                <a:lnTo>
-                  <a:pt x="4940476" y="5915025"/>
-                </a:lnTo>
-                <a:lnTo>
-                  <a:pt x="4956351" y="5956300"/>
-                </a:lnTo>
-                <a:lnTo>
-                  <a:pt x="4970639" y="6003925"/>
-                </a:lnTo>
-                <a:lnTo>
-                  <a:pt x="4981751" y="6056312"/>
-                </a:lnTo>
-                <a:lnTo>
-                  <a:pt x="4989689" y="6113462"/>
-                </a:lnTo>
-                <a:lnTo>
-                  <a:pt x="4992864" y="6183312"/>
-                </a:lnTo>
-                <a:lnTo>
-                  <a:pt x="4989689" y="6251575"/>
-                </a:lnTo>
-                <a:lnTo>
-                  <a:pt x="4981751" y="6311900"/>
-                </a:lnTo>
-                <a:lnTo>
-                  <a:pt x="4970639" y="6361112"/>
-                </a:lnTo>
-                <a:lnTo>
-                  <a:pt x="4956351" y="6407150"/>
-                </a:lnTo>
-                <a:lnTo>
-                  <a:pt x="4940476" y="6448425"/>
-                </a:lnTo>
-                <a:lnTo>
-                  <a:pt x="4923014" y="6488112"/>
-                </a:lnTo>
-                <a:lnTo>
-                  <a:pt x="4905551" y="6523037"/>
-                </a:lnTo>
-                <a:lnTo>
-                  <a:pt x="4886501" y="6561137"/>
-                </a:lnTo>
-                <a:lnTo>
-                  <a:pt x="4867451" y="6597650"/>
-                </a:lnTo>
-                <a:lnTo>
-                  <a:pt x="4851576" y="6640512"/>
-                </a:lnTo>
-                <a:lnTo>
-                  <a:pt x="4835701" y="6683375"/>
-                </a:lnTo>
-                <a:lnTo>
-                  <a:pt x="4826176" y="6735762"/>
-                </a:lnTo>
-                <a:lnTo>
-                  <a:pt x="4818239" y="6791325"/>
-                </a:lnTo>
-                <a:lnTo>
-                  <a:pt x="4813476" y="6858000"/>
-                </a:lnTo>
-                <a:lnTo>
-                  <a:pt x="0" y="6858000"/>
-                </a:lnTo>
-                <a:close/>
-              </a:path>
-            </a:pathLst>
-          </a:custGeom>
-          <a:ln w="0">
-            <a:noFill/>
-            <a:prstDash val="solid"/>
-            <a:round/>
-            <a:headEnd/>
-            <a:tailEnd/>
-          </a:ln>
-        </p:spPr>
       </p:sp>
       <p:pic>
         <p:nvPicPr>
@@ -8185,8 +7988,8 @@
         </p:blipFill>
         <p:spPr>
           <a:xfrm>
-            <a:off x="613815" y="1433164"/>
-            <a:ext cx="3995589" cy="3995589"/>
+            <a:off x="7552944" y="1433476"/>
+            <a:ext cx="3995592" cy="3995592"/>
           </a:xfrm>
           <a:prstGeom prst="rect">
             <a:avLst/>
@@ -8249,17 +8052,21 @@
         </p:nvSpPr>
         <p:spPr>
           <a:xfrm>
-            <a:off x="1251678" y="382385"/>
-            <a:ext cx="10178322" cy="858586"/>
+            <a:off x="965927" y="653847"/>
+            <a:ext cx="10549798" cy="774903"/>
           </a:xfrm>
         </p:spPr>
         <p:txBody>
-          <a:bodyPr/>
+          <a:bodyPr>
+            <a:normAutofit fontScale="90000"/>
+          </a:bodyPr>
           <a:lstStyle/>
           <a:p>
             <a:r>
-              <a:rPr lang="en-US" dirty="0"/>
-              <a:t>Goal	</a:t>
+              <a:rPr lang="en-US" sz="4700" dirty="0">
+                <a:latin typeface="Bookman Old Style" panose="02050604050505020204" pitchFamily="18" charset="0"/>
+              </a:rPr>
+              <a:t>Goal: one-stop dashboard 	</a:t>
             </a:r>
           </a:p>
         </p:txBody>
@@ -8282,18 +8089,141 @@
         </p:nvSpPr>
         <p:spPr>
           <a:xfrm>
-            <a:off x="1251678" y="1240971"/>
-            <a:ext cx="10178322" cy="4638621"/>
+            <a:off x="617026" y="1671638"/>
+            <a:ext cx="8682037" cy="4672013"/>
           </a:xfrm>
         </p:spPr>
         <p:txBody>
-          <a:bodyPr/>
+          <a:bodyPr>
+            <a:normAutofit/>
+          </a:bodyPr>
           <a:lstStyle/>
           <a:p>
-            <a:endParaRPr lang="en-US" dirty="0"/>
+            <a:pPr marL="914400" lvl="1" indent="-457200">
+              <a:buAutoNum type="arabicPeriod"/>
+            </a:pPr>
+            <a:r>
+              <a:rPr lang="en-US" sz="4000" dirty="0">
+                <a:solidFill>
+                  <a:srgbClr val="000000"/>
+                </a:solidFill>
+                <a:latin typeface="Bookman Old Style" panose="02050604050505020204" pitchFamily="18" charset="0"/>
+              </a:rPr>
+              <a:t>Map the distribution of crime</a:t>
+            </a:r>
+            <a:endParaRPr lang="en-US" sz="3600" dirty="0">
+              <a:solidFill>
+                <a:srgbClr val="000000"/>
+              </a:solidFill>
+              <a:latin typeface="Bookman Old Style" panose="02050604050505020204" pitchFamily="18" charset="0"/>
+              <a:sym typeface="Wingdings" pitchFamily="2" charset="2"/>
+            </a:endParaRPr>
+          </a:p>
+          <a:p>
+            <a:pPr marL="914400" lvl="1" indent="-457200">
+              <a:buFont typeface="Gill Sans MT" panose="020B0502020104020203" pitchFamily="34" charset="0"/>
+              <a:buAutoNum type="arabicPeriod"/>
+            </a:pPr>
+            <a:r>
+              <a:rPr lang="en-US" sz="4000" dirty="0">
+                <a:solidFill>
+                  <a:srgbClr val="000000"/>
+                </a:solidFill>
+                <a:latin typeface="Bookman Old Style" panose="02050604050505020204" pitchFamily="18" charset="0"/>
+                <a:sym typeface="Wingdings" pitchFamily="2" charset="2"/>
+              </a:rPr>
+              <a:t>Plot violence:</a:t>
+            </a:r>
+          </a:p>
+          <a:p>
+            <a:pPr lvl="2"/>
+            <a:r>
+              <a:rPr lang="en-US" sz="3600" dirty="0">
+                <a:solidFill>
+                  <a:srgbClr val="000000"/>
+                </a:solidFill>
+                <a:latin typeface="Bookman Old Style" panose="02050604050505020204" pitchFamily="18" charset="0"/>
+                <a:sym typeface="Wingdings" pitchFamily="2" charset="2"/>
+              </a:rPr>
+              <a:t> Type</a:t>
+            </a:r>
+          </a:p>
+          <a:p>
+            <a:pPr lvl="2"/>
+            <a:r>
+              <a:rPr lang="en-US" sz="3600" dirty="0">
+                <a:solidFill>
+                  <a:srgbClr val="000000"/>
+                </a:solidFill>
+                <a:latin typeface="Bookman Old Style" panose="02050604050505020204" pitchFamily="18" charset="0"/>
+                <a:sym typeface="Wingdings" pitchFamily="2" charset="2"/>
+              </a:rPr>
+              <a:t> Time</a:t>
+            </a:r>
+            <a:endParaRPr lang="en-US" sz="4000" dirty="0">
+              <a:solidFill>
+                <a:srgbClr val="000000"/>
+              </a:solidFill>
+              <a:latin typeface="Bookman Old Style" panose="02050604050505020204" pitchFamily="18" charset="0"/>
+              <a:sym typeface="Wingdings" pitchFamily="2" charset="2"/>
+            </a:endParaRPr>
+          </a:p>
+          <a:p>
+            <a:pPr marL="914400" lvl="1" indent="-457200">
+              <a:buAutoNum type="arabicPeriod"/>
+            </a:pPr>
+            <a:r>
+              <a:rPr lang="en-US" sz="4000" dirty="0">
+                <a:solidFill>
+                  <a:srgbClr val="000000"/>
+                </a:solidFill>
+                <a:latin typeface="Bookman Old Style" panose="02050604050505020204" pitchFamily="18" charset="0"/>
+                <a:sym typeface="Wingdings" pitchFamily="2" charset="2"/>
+              </a:rPr>
+              <a:t>Relationship between crime and demographics.</a:t>
+            </a:r>
           </a:p>
         </p:txBody>
       </p:sp>
+      <p:pic>
+        <p:nvPicPr>
+          <p:cNvPr id="7" name="Graphic 6" descr="Bullseye">
+            <a:extLst>
+              <a:ext uri="{FF2B5EF4-FFF2-40B4-BE49-F238E27FC236}">
+                <a16:creationId xmlns:a16="http://schemas.microsoft.com/office/drawing/2014/main" id="{06CFA8BB-A8FB-4BBE-8CE2-83AC0B31EACB}"/>
+              </a:ext>
+            </a:extLst>
+          </p:cNvPr>
+          <p:cNvPicPr>
+            <a:picLocks noChangeAspect="1"/>
+          </p:cNvPicPr>
+          <p:nvPr/>
+        </p:nvPicPr>
+        <p:blipFill>
+          <a:blip r:embed="rId2">
+            <a:extLst>
+              <a:ext uri="{28A0092B-C50C-407E-A947-70E740481C1C}">
+                <a14:useLocalDpi xmlns:a14="http://schemas.microsoft.com/office/drawing/2010/main" val="0"/>
+              </a:ext>
+              <a:ext uri="{96DAC541-7B7A-43D3-8B79-37D633B846F1}">
+                <asvg:svgBlip xmlns:asvg="http://schemas.microsoft.com/office/drawing/2016/SVG/main" r:embed="rId3"/>
+              </a:ext>
+            </a:extLst>
+          </a:blip>
+          <a:stretch>
+            <a:fillRect/>
+          </a:stretch>
+        </p:blipFill>
+        <p:spPr>
+          <a:xfrm>
+            <a:off x="8664412" y="769836"/>
+            <a:ext cx="3527588" cy="3429000"/>
+          </a:xfrm>
+          <a:prstGeom prst="rect">
+            <a:avLst/>
+          </a:prstGeom>
+        </p:spPr>
+      </p:pic>
     </p:spTree>
     <p:extLst>
       <p:ext uri="{BB962C8B-B14F-4D97-AF65-F5344CB8AC3E}">
@@ -8350,8 +8280,8 @@
         </p:nvSpPr>
         <p:spPr>
           <a:xfrm>
-            <a:off x="1251678" y="382385"/>
-            <a:ext cx="10178322" cy="596023"/>
+            <a:off x="1251678" y="777138"/>
+            <a:ext cx="10178322" cy="751625"/>
           </a:xfrm>
         </p:spPr>
         <p:txBody>
@@ -8361,7 +8291,9 @@
           <a:lstStyle/>
           <a:p>
             <a:r>
-              <a:rPr lang="en-US" dirty="0"/>
+              <a:rPr lang="en-US" dirty="0">
+                <a:latin typeface="Bookman Old Style" panose="02050604050505020204" pitchFamily="18" charset="0"/>
+              </a:rPr>
               <a:t>Methodology:</a:t>
             </a:r>
           </a:p>
@@ -8385,12 +8317,102 @@
         </p:nvSpPr>
         <p:spPr>
           <a:xfrm>
-            <a:off x="1251678" y="1240971"/>
-            <a:ext cx="10178322" cy="4638621"/>
+            <a:off x="1251678" y="1528762"/>
+            <a:ext cx="8406672" cy="3200401"/>
           </a:xfrm>
         </p:spPr>
         <p:txBody>
           <a:bodyPr/>
+          <a:lstStyle/>
+          <a:p>
+            <a:pPr marL="0" indent="0">
+              <a:buNone/>
+            </a:pPr>
+            <a:endParaRPr lang="en-US" dirty="0"/>
+          </a:p>
+          <a:p>
+            <a:pPr marL="0" indent="0">
+              <a:buNone/>
+            </a:pPr>
+            <a:r>
+              <a:rPr lang="en-US"/>
+              <a:t> TB added</a:t>
+            </a:r>
+            <a:endParaRPr lang="en-US" dirty="0"/>
+          </a:p>
+        </p:txBody>
+      </p:sp>
+      <p:sp>
+        <p:nvSpPr>
+          <p:cNvPr id="4" name="TextBox 3">
+            <a:extLst>
+              <a:ext uri="{FF2B5EF4-FFF2-40B4-BE49-F238E27FC236}">
+                <a16:creationId xmlns:a16="http://schemas.microsoft.com/office/drawing/2014/main" id="{BCB0B6E9-65DE-3641-8ABE-ACABDF7EC6C9}"/>
+              </a:ext>
+            </a:extLst>
+          </p:cNvPr>
+          <p:cNvSpPr txBox="1"/>
+          <p:nvPr/>
+        </p:nvSpPr>
+        <p:spPr>
+          <a:xfrm>
+            <a:off x="1251678" y="4729163"/>
+            <a:ext cx="9086850" cy="1323439"/>
+          </a:xfrm>
+          <a:prstGeom prst="rect">
+            <a:avLst/>
+          </a:prstGeom>
+          <a:noFill/>
+        </p:spPr>
+        <p:txBody>
+          <a:bodyPr wrap="square" rtlCol="0">
+            <a:spAutoFit/>
+          </a:bodyPr>
+          <a:lstStyle/>
+          <a:p>
+            <a:r>
+              <a:rPr lang="en-US" sz="4000" dirty="0">
+                <a:latin typeface="Bookman Old Style" panose="02050604050505020204" pitchFamily="18" charset="0"/>
+              </a:rPr>
+              <a:t>It’s a work in progress. </a:t>
+            </a:r>
+          </a:p>
+          <a:p>
+            <a:r>
+              <a:rPr lang="en-US" sz="4000" dirty="0">
+                <a:latin typeface="Bookman Old Style" panose="02050604050505020204" pitchFamily="18" charset="0"/>
+              </a:rPr>
+              <a:t>But here’s our narrative for today.</a:t>
+            </a:r>
+          </a:p>
+        </p:txBody>
+      </p:sp>
+      <p:sp>
+        <p:nvSpPr>
+          <p:cNvPr id="5" name="TextBox 4">
+            <a:extLst>
+              <a:ext uri="{FF2B5EF4-FFF2-40B4-BE49-F238E27FC236}">
+                <a16:creationId xmlns:a16="http://schemas.microsoft.com/office/drawing/2014/main" id="{E73DE2C4-A66C-5442-A37D-67E607E7DA6F}"/>
+              </a:ext>
+            </a:extLst>
+          </p:cNvPr>
+          <p:cNvSpPr txBox="1"/>
+          <p:nvPr/>
+        </p:nvSpPr>
+        <p:spPr>
+          <a:xfrm>
+            <a:off x="2986088" y="3228975"/>
+            <a:ext cx="184731" cy="369332"/>
+          </a:xfrm>
+          <a:prstGeom prst="rect">
+            <a:avLst/>
+          </a:prstGeom>
+          <a:noFill/>
+        </p:spPr>
+        <p:txBody>
+          <a:bodyPr wrap="none" rtlCol="0">
+            <a:spAutoFit/>
+          </a:bodyPr>
           <a:lstStyle/>
           <a:p>
             <a:endParaRPr lang="en-US" dirty="0"/>
@@ -8421,34 +8443,34 @@
         <a:sysClr val="window" lastClr="FFFFFF"/>
       </a:lt1>
       <a:dk2>
-        <a:srgbClr val="171312"/>
+        <a:srgbClr val="0B082E"/>
       </a:dk2>
       <a:lt2>
-        <a:srgbClr val="F7F0DF"/>
+        <a:srgbClr val="F3F3F2"/>
       </a:lt2>
       <a:accent1>
-        <a:srgbClr val="53AE6E"/>
+        <a:srgbClr val="62B4C6"/>
       </a:accent1>
       <a:accent2>
-        <a:srgbClr val="326267"/>
+        <a:srgbClr val="1B376E"/>
       </a:accent2>
       <a:accent3>
-        <a:srgbClr val="C5C34A"/>
+        <a:srgbClr val="9EBE55"/>
       </a:accent3>
       <a:accent4>
-        <a:srgbClr val="BF6546"/>
+        <a:srgbClr val="C65E5E"/>
       </a:accent4>
       <a:accent5>
-        <a:srgbClr val="81B5A8"/>
+        <a:srgbClr val="D3BA55"/>
       </a:accent5>
       <a:accent6>
-        <a:srgbClr val="636455"/>
+        <a:srgbClr val="96648A"/>
       </a:accent6>
       <a:hlink>
-        <a:srgbClr val="81B5A8"/>
+        <a:srgbClr val="62B4C6"/>
       </a:hlink>
       <a:folHlink>
-        <a:srgbClr val="936888"/>
+        <a:srgbClr val="96648A"/>
       </a:folHlink>
     </a:clrScheme>
     <a:fontScheme name="Badge">
@@ -8664,7 +8686,7 @@
   <a:extraClrSchemeLst/>
   <a:extLst>
     <a:ext uri="{05A4C25C-085E-4340-85A3-A5531E510DB2}">
-      <thm15:themeFamily xmlns:thm15="http://schemas.microsoft.com/office/thememl/2012/main" name="Badge" id="{71A07785-5930-41D4-9A83-E23602B48E98}" vid="{A1A3E1F0-B5EF-49C5-810A-B1B32AEDDC80}"/>
+      <thm15:themeFamily xmlns:thm15="http://schemas.microsoft.com/office/thememl/2012/main" name="Badge" id="{71A07785-5930-41D4-9A83-E23602B48E98}" vid="{D71F8F05-6246-47AF-9E68-E57F6C93F792}"/>
     </a:ext>
   </a:extLst>
 </a:theme>

--- a/Project - 2 - LACity Crime Visualizations.pptx
+++ b/Project - 2 - LACity Crime Visualizations.pptx
@@ -7,7 +7,8 @@
   <p:sldIdLst>
     <p:sldId id="256" r:id="rId2"/>
     <p:sldId id="257" r:id="rId3"/>
-    <p:sldId id="258" r:id="rId4"/>
+    <p:sldId id="261" r:id="rId4"/>
+    <p:sldId id="258" r:id="rId5"/>
   </p:sldIdLst>
   <p:sldSz cx="12192000" cy="6858000"/>
   <p:notesSz cx="6858000" cy="9144000"/>
@@ -112,6 +113,2880 @@
     </p:ext>
   </p:extLst>
 </p:presentation>
+</file>
+
+<file path=ppt/diagrams/colors1.xml><?xml version="1.0" encoding="utf-8"?>
+<dgm:colorsDef xmlns:dgm="http://schemas.openxmlformats.org/drawingml/2006/diagram" xmlns:a="http://schemas.openxmlformats.org/drawingml/2006/main" uniqueId="urn:microsoft.com/office/officeart/2005/8/colors/accent3_2">
+  <dgm:title val=""/>
+  <dgm:desc val=""/>
+  <dgm:catLst>
+    <dgm:cat type="accent3" pri="11200"/>
+  </dgm:catLst>
+  <dgm:styleLbl name="node0">
+    <dgm:fillClrLst meth="repeat">
+      <a:schemeClr val="accent3"/>
+    </dgm:fillClrLst>
+    <dgm:linClrLst meth="repeat">
+      <a:schemeClr val="lt1"/>
+    </dgm:linClrLst>
+    <dgm:effectClrLst/>
+    <dgm:txLinClrLst/>
+    <dgm:txFillClrLst/>
+    <dgm:txEffectClrLst/>
+  </dgm:styleLbl>
+  <dgm:styleLbl name="node1">
+    <dgm:fillClrLst meth="repeat">
+      <a:schemeClr val="accent3"/>
+    </dgm:fillClrLst>
+    <dgm:linClrLst meth="repeat">
+      <a:schemeClr val="lt1"/>
+    </dgm:linClrLst>
+    <dgm:effectClrLst/>
+    <dgm:txLinClrLst/>
+    <dgm:txFillClrLst/>
+    <dgm:txEffectClrLst/>
+  </dgm:styleLbl>
+  <dgm:styleLbl name="alignNode1">
+    <dgm:fillClrLst meth="repeat">
+      <a:schemeClr val="accent3"/>
+    </dgm:fillClrLst>
+    <dgm:linClrLst meth="repeat">
+      <a:schemeClr val="accent3"/>
+    </dgm:linClrLst>
+    <dgm:effectClrLst/>
+    <dgm:txLinClrLst/>
+    <dgm:txFillClrLst/>
+    <dgm:txEffectClrLst/>
+  </dgm:styleLbl>
+  <dgm:styleLbl name="lnNode1">
+    <dgm:fillClrLst meth="repeat">
+      <a:schemeClr val="accent3"/>
+    </dgm:fillClrLst>
+    <dgm:linClrLst meth="repeat">
+      <a:schemeClr val="lt1"/>
+    </dgm:linClrLst>
+    <dgm:effectClrLst/>
+    <dgm:txLinClrLst/>
+    <dgm:txFillClrLst/>
+    <dgm:txEffectClrLst/>
+  </dgm:styleLbl>
+  <dgm:styleLbl name="vennNode1">
+    <dgm:fillClrLst meth="repeat">
+      <a:schemeClr val="accent3">
+        <a:alpha val="50000"/>
+      </a:schemeClr>
+    </dgm:fillClrLst>
+    <dgm:linClrLst meth="repeat">
+      <a:schemeClr val="lt1"/>
+    </dgm:linClrLst>
+    <dgm:effectClrLst/>
+    <dgm:txLinClrLst/>
+    <dgm:txFillClrLst/>
+    <dgm:txEffectClrLst/>
+  </dgm:styleLbl>
+  <dgm:styleLbl name="node2">
+    <dgm:fillClrLst meth="repeat">
+      <a:schemeClr val="accent3"/>
+    </dgm:fillClrLst>
+    <dgm:linClrLst meth="repeat">
+      <a:schemeClr val="lt1"/>
+    </dgm:linClrLst>
+    <dgm:effectClrLst/>
+    <dgm:txLinClrLst/>
+    <dgm:txFillClrLst/>
+    <dgm:txEffectClrLst/>
+  </dgm:styleLbl>
+  <dgm:styleLbl name="node3">
+    <dgm:fillClrLst meth="repeat">
+      <a:schemeClr val="accent3"/>
+    </dgm:fillClrLst>
+    <dgm:linClrLst meth="repeat">
+      <a:schemeClr val="lt1"/>
+    </dgm:linClrLst>
+    <dgm:effectClrLst/>
+    <dgm:txLinClrLst/>
+    <dgm:txFillClrLst/>
+    <dgm:txEffectClrLst/>
+  </dgm:styleLbl>
+  <dgm:styleLbl name="node4">
+    <dgm:fillClrLst meth="repeat">
+      <a:schemeClr val="accent3"/>
+    </dgm:fillClrLst>
+    <dgm:linClrLst meth="repeat">
+      <a:schemeClr val="lt1"/>
+    </dgm:linClrLst>
+    <dgm:effectClrLst/>
+    <dgm:txLinClrLst/>
+    <dgm:txFillClrLst/>
+    <dgm:txEffectClrLst/>
+  </dgm:styleLbl>
+  <dgm:styleLbl name="fgImgPlace1">
+    <dgm:fillClrLst meth="repeat">
+      <a:schemeClr val="accent3">
+        <a:tint val="50000"/>
+      </a:schemeClr>
+    </dgm:fillClrLst>
+    <dgm:linClrLst meth="repeat">
+      <a:schemeClr val="lt1"/>
+    </dgm:linClrLst>
+    <dgm:effectClrLst/>
+    <dgm:txLinClrLst/>
+    <dgm:txFillClrLst meth="repeat">
+      <a:schemeClr val="lt1"/>
+    </dgm:txFillClrLst>
+    <dgm:txEffectClrLst/>
+  </dgm:styleLbl>
+  <dgm:styleLbl name="alignImgPlace1">
+    <dgm:fillClrLst meth="repeat">
+      <a:schemeClr val="accent3">
+        <a:tint val="50000"/>
+      </a:schemeClr>
+    </dgm:fillClrLst>
+    <dgm:linClrLst meth="repeat">
+      <a:schemeClr val="lt1"/>
+    </dgm:linClrLst>
+    <dgm:effectClrLst/>
+    <dgm:txLinClrLst/>
+    <dgm:txFillClrLst meth="repeat">
+      <a:schemeClr val="lt1"/>
+    </dgm:txFillClrLst>
+    <dgm:txEffectClrLst/>
+  </dgm:styleLbl>
+  <dgm:styleLbl name="bgImgPlace1">
+    <dgm:fillClrLst meth="repeat">
+      <a:schemeClr val="accent3">
+        <a:tint val="50000"/>
+      </a:schemeClr>
+    </dgm:fillClrLst>
+    <dgm:linClrLst meth="repeat">
+      <a:schemeClr val="lt1"/>
+    </dgm:linClrLst>
+    <dgm:effectClrLst/>
+    <dgm:txLinClrLst/>
+    <dgm:txFillClrLst meth="repeat">
+      <a:schemeClr val="lt1"/>
+    </dgm:txFillClrLst>
+    <dgm:txEffectClrLst/>
+  </dgm:styleLbl>
+  <dgm:styleLbl name="sibTrans2D1">
+    <dgm:fillClrLst meth="repeat">
+      <a:schemeClr val="accent3">
+        <a:tint val="60000"/>
+      </a:schemeClr>
+    </dgm:fillClrLst>
+    <dgm:linClrLst meth="repeat">
+      <a:schemeClr val="accent3">
+        <a:tint val="60000"/>
+      </a:schemeClr>
+    </dgm:linClrLst>
+    <dgm:effectClrLst/>
+    <dgm:txLinClrLst/>
+    <dgm:txFillClrLst/>
+    <dgm:txEffectClrLst/>
+  </dgm:styleLbl>
+  <dgm:styleLbl name="fgSibTrans2D1">
+    <dgm:fillClrLst meth="repeat">
+      <a:schemeClr val="accent3">
+        <a:tint val="60000"/>
+      </a:schemeClr>
+    </dgm:fillClrLst>
+    <dgm:linClrLst meth="repeat">
+      <a:schemeClr val="accent3">
+        <a:tint val="60000"/>
+      </a:schemeClr>
+    </dgm:linClrLst>
+    <dgm:effectClrLst/>
+    <dgm:txLinClrLst/>
+    <dgm:txFillClrLst/>
+    <dgm:txEffectClrLst/>
+  </dgm:styleLbl>
+  <dgm:styleLbl name="bgSibTrans2D1">
+    <dgm:fillClrLst meth="repeat">
+      <a:schemeClr val="accent3">
+        <a:tint val="60000"/>
+      </a:schemeClr>
+    </dgm:fillClrLst>
+    <dgm:linClrLst meth="repeat">
+      <a:schemeClr val="accent3">
+        <a:tint val="60000"/>
+      </a:schemeClr>
+    </dgm:linClrLst>
+    <dgm:effectClrLst/>
+    <dgm:txLinClrLst/>
+    <dgm:txFillClrLst/>
+    <dgm:txEffectClrLst/>
+  </dgm:styleLbl>
+  <dgm:styleLbl name="sibTrans1D1">
+    <dgm:fillClrLst meth="repeat">
+      <a:schemeClr val="accent3"/>
+    </dgm:fillClrLst>
+    <dgm:linClrLst meth="repeat">
+      <a:schemeClr val="accent3"/>
+    </dgm:linClrLst>
+    <dgm:effectClrLst/>
+    <dgm:txLinClrLst/>
+    <dgm:txFillClrLst meth="repeat">
+      <a:schemeClr val="tx1"/>
+    </dgm:txFillClrLst>
+    <dgm:txEffectClrLst/>
+  </dgm:styleLbl>
+  <dgm:styleLbl name="callout">
+    <dgm:fillClrLst meth="repeat">
+      <a:schemeClr val="accent3"/>
+    </dgm:fillClrLst>
+    <dgm:linClrLst meth="repeat">
+      <a:schemeClr val="accent3">
+        <a:tint val="50000"/>
+      </a:schemeClr>
+    </dgm:linClrLst>
+    <dgm:effectClrLst/>
+    <dgm:txLinClrLst/>
+    <dgm:txFillClrLst meth="repeat">
+      <a:schemeClr val="tx1"/>
+    </dgm:txFillClrLst>
+    <dgm:txEffectClrLst/>
+  </dgm:styleLbl>
+  <dgm:styleLbl name="asst0">
+    <dgm:fillClrLst meth="repeat">
+      <a:schemeClr val="accent3"/>
+    </dgm:fillClrLst>
+    <dgm:linClrLst meth="repeat">
+      <a:schemeClr val="lt1"/>
+    </dgm:linClrLst>
+    <dgm:effectClrLst/>
+    <dgm:txLinClrLst/>
+    <dgm:txFillClrLst/>
+    <dgm:txEffectClrLst/>
+  </dgm:styleLbl>
+  <dgm:styleLbl name="asst1">
+    <dgm:fillClrLst meth="repeat">
+      <a:schemeClr val="accent3"/>
+    </dgm:fillClrLst>
+    <dgm:linClrLst meth="repeat">
+      <a:schemeClr val="lt1"/>
+    </dgm:linClrLst>
+    <dgm:effectClrLst/>
+    <dgm:txLinClrLst/>
+    <dgm:txFillClrLst/>
+    <dgm:txEffectClrLst/>
+  </dgm:styleLbl>
+  <dgm:styleLbl name="asst2">
+    <dgm:fillClrLst meth="repeat">
+      <a:schemeClr val="accent3"/>
+    </dgm:fillClrLst>
+    <dgm:linClrLst meth="repeat">
+      <a:schemeClr val="lt1"/>
+    </dgm:linClrLst>
+    <dgm:effectClrLst/>
+    <dgm:txLinClrLst/>
+    <dgm:txFillClrLst/>
+    <dgm:txEffectClrLst/>
+  </dgm:styleLbl>
+  <dgm:styleLbl name="asst3">
+    <dgm:fillClrLst meth="repeat">
+      <a:schemeClr val="accent3"/>
+    </dgm:fillClrLst>
+    <dgm:linClrLst meth="repeat">
+      <a:schemeClr val="lt1"/>
+    </dgm:linClrLst>
+    <dgm:effectClrLst/>
+    <dgm:txLinClrLst/>
+    <dgm:txFillClrLst/>
+    <dgm:txEffectClrLst/>
+  </dgm:styleLbl>
+  <dgm:styleLbl name="asst4">
+    <dgm:fillClrLst meth="repeat">
+      <a:schemeClr val="accent3"/>
+    </dgm:fillClrLst>
+    <dgm:linClrLst meth="repeat">
+      <a:schemeClr val="lt1"/>
+    </dgm:linClrLst>
+    <dgm:effectClrLst/>
+    <dgm:txLinClrLst/>
+    <dgm:txFillClrLst/>
+    <dgm:txEffectClrLst/>
+  </dgm:styleLbl>
+  <dgm:styleLbl name="parChTrans2D1">
+    <dgm:fillClrLst meth="repeat">
+      <a:schemeClr val="accent3">
+        <a:tint val="60000"/>
+      </a:schemeClr>
+    </dgm:fillClrLst>
+    <dgm:linClrLst meth="repeat">
+      <a:schemeClr val="accent3">
+        <a:tint val="60000"/>
+      </a:schemeClr>
+    </dgm:linClrLst>
+    <dgm:effectClrLst/>
+    <dgm:txLinClrLst/>
+    <dgm:txFillClrLst meth="repeat">
+      <a:schemeClr val="lt1"/>
+    </dgm:txFillClrLst>
+    <dgm:txEffectClrLst/>
+  </dgm:styleLbl>
+  <dgm:styleLbl name="parChTrans2D2">
+    <dgm:fillClrLst meth="repeat">
+      <a:schemeClr val="accent3"/>
+    </dgm:fillClrLst>
+    <dgm:linClrLst meth="repeat">
+      <a:schemeClr val="accent3"/>
+    </dgm:linClrLst>
+    <dgm:effectClrLst/>
+    <dgm:txLinClrLst/>
+    <dgm:txFillClrLst meth="repeat">
+      <a:schemeClr val="lt1"/>
+    </dgm:txFillClrLst>
+    <dgm:txEffectClrLst/>
+  </dgm:styleLbl>
+  <dgm:styleLbl name="parChTrans2D3">
+    <dgm:fillClrLst meth="repeat">
+      <a:schemeClr val="accent3"/>
+    </dgm:fillClrLst>
+    <dgm:linClrLst meth="repeat">
+      <a:schemeClr val="accent3"/>
+    </dgm:linClrLst>
+    <dgm:effectClrLst/>
+    <dgm:txLinClrLst/>
+    <dgm:txFillClrLst meth="repeat">
+      <a:schemeClr val="lt1"/>
+    </dgm:txFillClrLst>
+    <dgm:txEffectClrLst/>
+  </dgm:styleLbl>
+  <dgm:styleLbl name="parChTrans2D4">
+    <dgm:fillClrLst meth="repeat">
+      <a:schemeClr val="accent3"/>
+    </dgm:fillClrLst>
+    <dgm:linClrLst meth="repeat">
+      <a:schemeClr val="accent3"/>
+    </dgm:linClrLst>
+    <dgm:effectClrLst/>
+    <dgm:txLinClrLst/>
+    <dgm:txFillClrLst meth="repeat">
+      <a:schemeClr val="lt1"/>
+    </dgm:txFillClrLst>
+    <dgm:txEffectClrLst/>
+  </dgm:styleLbl>
+  <dgm:styleLbl name="parChTrans1D1">
+    <dgm:fillClrLst meth="repeat">
+      <a:schemeClr val="accent3"/>
+    </dgm:fillClrLst>
+    <dgm:linClrLst meth="repeat">
+      <a:schemeClr val="accent3">
+        <a:shade val="60000"/>
+      </a:schemeClr>
+    </dgm:linClrLst>
+    <dgm:effectClrLst/>
+    <dgm:txLinClrLst/>
+    <dgm:txFillClrLst meth="repeat">
+      <a:schemeClr val="tx1"/>
+    </dgm:txFillClrLst>
+    <dgm:txEffectClrLst/>
+  </dgm:styleLbl>
+  <dgm:styleLbl name="parChTrans1D2">
+    <dgm:fillClrLst meth="repeat">
+      <a:schemeClr val="accent3"/>
+    </dgm:fillClrLst>
+    <dgm:linClrLst meth="repeat">
+      <a:schemeClr val="accent3">
+        <a:shade val="60000"/>
+      </a:schemeClr>
+    </dgm:linClrLst>
+    <dgm:effectClrLst/>
+    <dgm:txLinClrLst/>
+    <dgm:txFillClrLst meth="repeat">
+      <a:schemeClr val="tx1"/>
+    </dgm:txFillClrLst>
+    <dgm:txEffectClrLst/>
+  </dgm:styleLbl>
+  <dgm:styleLbl name="parChTrans1D3">
+    <dgm:fillClrLst meth="repeat">
+      <a:schemeClr val="accent3"/>
+    </dgm:fillClrLst>
+    <dgm:linClrLst meth="repeat">
+      <a:schemeClr val="accent3">
+        <a:shade val="80000"/>
+      </a:schemeClr>
+    </dgm:linClrLst>
+    <dgm:effectClrLst/>
+    <dgm:txLinClrLst/>
+    <dgm:txFillClrLst meth="repeat">
+      <a:schemeClr val="tx1"/>
+    </dgm:txFillClrLst>
+    <dgm:txEffectClrLst/>
+  </dgm:styleLbl>
+  <dgm:styleLbl name="parChTrans1D4">
+    <dgm:fillClrLst meth="repeat">
+      <a:schemeClr val="accent3"/>
+    </dgm:fillClrLst>
+    <dgm:linClrLst meth="repeat">
+      <a:schemeClr val="accent3">
+        <a:shade val="80000"/>
+      </a:schemeClr>
+    </dgm:linClrLst>
+    <dgm:effectClrLst/>
+    <dgm:txLinClrLst/>
+    <dgm:txFillClrLst meth="repeat">
+      <a:schemeClr val="tx1"/>
+    </dgm:txFillClrLst>
+    <dgm:txEffectClrLst/>
+  </dgm:styleLbl>
+  <dgm:styleLbl name="fgAcc1">
+    <dgm:fillClrLst meth="repeat">
+      <a:schemeClr val="lt1">
+        <a:alpha val="90000"/>
+      </a:schemeClr>
+    </dgm:fillClrLst>
+    <dgm:linClrLst meth="repeat">
+      <a:schemeClr val="accent3"/>
+    </dgm:linClrLst>
+    <dgm:effectClrLst/>
+    <dgm:txLinClrLst/>
+    <dgm:txFillClrLst meth="repeat">
+      <a:schemeClr val="dk1"/>
+    </dgm:txFillClrLst>
+    <dgm:txEffectClrLst/>
+  </dgm:styleLbl>
+  <dgm:styleLbl name="conFgAcc1">
+    <dgm:fillClrLst meth="repeat">
+      <a:schemeClr val="lt1">
+        <a:alpha val="90000"/>
+      </a:schemeClr>
+    </dgm:fillClrLst>
+    <dgm:linClrLst meth="repeat">
+      <a:schemeClr val="accent3"/>
+    </dgm:linClrLst>
+    <dgm:effectClrLst/>
+    <dgm:txLinClrLst/>
+    <dgm:txFillClrLst meth="repeat">
+      <a:schemeClr val="dk1"/>
+    </dgm:txFillClrLst>
+    <dgm:txEffectClrLst/>
+  </dgm:styleLbl>
+  <dgm:styleLbl name="alignAcc1">
+    <dgm:fillClrLst meth="repeat">
+      <a:schemeClr val="lt1">
+        <a:alpha val="90000"/>
+      </a:schemeClr>
+    </dgm:fillClrLst>
+    <dgm:linClrLst meth="repeat">
+      <a:schemeClr val="accent3"/>
+    </dgm:linClrLst>
+    <dgm:effectClrLst/>
+    <dgm:txLinClrLst/>
+    <dgm:txFillClrLst meth="repeat">
+      <a:schemeClr val="dk1"/>
+    </dgm:txFillClrLst>
+    <dgm:txEffectClrLst/>
+  </dgm:styleLbl>
+  <dgm:styleLbl name="trAlignAcc1">
+    <dgm:fillClrLst meth="repeat">
+      <a:schemeClr val="lt1">
+        <a:alpha val="40000"/>
+      </a:schemeClr>
+    </dgm:fillClrLst>
+    <dgm:linClrLst meth="repeat">
+      <a:schemeClr val="accent3"/>
+    </dgm:linClrLst>
+    <dgm:effectClrLst/>
+    <dgm:txLinClrLst/>
+    <dgm:txFillClrLst meth="repeat">
+      <a:schemeClr val="dk1"/>
+    </dgm:txFillClrLst>
+    <dgm:txEffectClrLst/>
+  </dgm:styleLbl>
+  <dgm:styleLbl name="bgAcc1">
+    <dgm:fillClrLst meth="repeat">
+      <a:schemeClr val="lt1">
+        <a:alpha val="90000"/>
+      </a:schemeClr>
+    </dgm:fillClrLst>
+    <dgm:linClrLst meth="repeat">
+      <a:schemeClr val="accent3"/>
+    </dgm:linClrLst>
+    <dgm:effectClrLst/>
+    <dgm:txLinClrLst/>
+    <dgm:txFillClrLst meth="repeat">
+      <a:schemeClr val="dk1"/>
+    </dgm:txFillClrLst>
+    <dgm:txEffectClrLst/>
+  </dgm:styleLbl>
+  <dgm:styleLbl name="solidFgAcc1">
+    <dgm:fillClrLst meth="repeat">
+      <a:schemeClr val="lt1"/>
+    </dgm:fillClrLst>
+    <dgm:linClrLst meth="repeat">
+      <a:schemeClr val="accent3"/>
+    </dgm:linClrLst>
+    <dgm:effectClrLst/>
+    <dgm:txLinClrLst/>
+    <dgm:txFillClrLst meth="repeat">
+      <a:schemeClr val="dk1"/>
+    </dgm:txFillClrLst>
+    <dgm:txEffectClrLst/>
+  </dgm:styleLbl>
+  <dgm:styleLbl name="solidAlignAcc1">
+    <dgm:fillClrLst meth="repeat">
+      <a:schemeClr val="lt1"/>
+    </dgm:fillClrLst>
+    <dgm:linClrLst meth="repeat">
+      <a:schemeClr val="accent3"/>
+    </dgm:linClrLst>
+    <dgm:effectClrLst/>
+    <dgm:txLinClrLst/>
+    <dgm:txFillClrLst meth="repeat">
+      <a:schemeClr val="dk1"/>
+    </dgm:txFillClrLst>
+    <dgm:txEffectClrLst/>
+  </dgm:styleLbl>
+  <dgm:styleLbl name="solidBgAcc1">
+    <dgm:fillClrLst meth="repeat">
+      <a:schemeClr val="lt1"/>
+    </dgm:fillClrLst>
+    <dgm:linClrLst meth="repeat">
+      <a:schemeClr val="accent3"/>
+    </dgm:linClrLst>
+    <dgm:effectClrLst/>
+    <dgm:txLinClrLst/>
+    <dgm:txFillClrLst meth="repeat">
+      <a:schemeClr val="dk1"/>
+    </dgm:txFillClrLst>
+    <dgm:txEffectClrLst/>
+  </dgm:styleLbl>
+  <dgm:styleLbl name="fgAccFollowNode1">
+    <dgm:fillClrLst meth="repeat">
+      <a:schemeClr val="accent3">
+        <a:alpha val="90000"/>
+        <a:tint val="40000"/>
+      </a:schemeClr>
+    </dgm:fillClrLst>
+    <dgm:linClrLst meth="repeat">
+      <a:schemeClr val="accent3">
+        <a:alpha val="90000"/>
+        <a:tint val="40000"/>
+      </a:schemeClr>
+    </dgm:linClrLst>
+    <dgm:effectClrLst/>
+    <dgm:txLinClrLst/>
+    <dgm:txFillClrLst meth="repeat">
+      <a:schemeClr val="dk1"/>
+    </dgm:txFillClrLst>
+    <dgm:txEffectClrLst/>
+  </dgm:styleLbl>
+  <dgm:styleLbl name="alignAccFollowNode1">
+    <dgm:fillClrLst meth="repeat">
+      <a:schemeClr val="accent3">
+        <a:alpha val="90000"/>
+        <a:tint val="40000"/>
+      </a:schemeClr>
+    </dgm:fillClrLst>
+    <dgm:linClrLst meth="repeat">
+      <a:schemeClr val="accent3">
+        <a:alpha val="90000"/>
+        <a:tint val="40000"/>
+      </a:schemeClr>
+    </dgm:linClrLst>
+    <dgm:effectClrLst/>
+    <dgm:txLinClrLst/>
+    <dgm:txFillClrLst meth="repeat">
+      <a:schemeClr val="dk1"/>
+    </dgm:txFillClrLst>
+    <dgm:txEffectClrLst/>
+  </dgm:styleLbl>
+  <dgm:styleLbl name="bgAccFollowNode1">
+    <dgm:fillClrLst meth="repeat">
+      <a:schemeClr val="accent3">
+        <a:alpha val="90000"/>
+        <a:tint val="40000"/>
+      </a:schemeClr>
+    </dgm:fillClrLst>
+    <dgm:linClrLst meth="repeat">
+      <a:schemeClr val="accent3">
+        <a:alpha val="90000"/>
+        <a:tint val="40000"/>
+      </a:schemeClr>
+    </dgm:linClrLst>
+    <dgm:effectClrLst/>
+    <dgm:txLinClrLst/>
+    <dgm:txFillClrLst meth="repeat">
+      <a:schemeClr val="dk1"/>
+    </dgm:txFillClrLst>
+    <dgm:txEffectClrLst/>
+  </dgm:styleLbl>
+  <dgm:styleLbl name="fgAcc0">
+    <dgm:fillClrLst meth="repeat">
+      <a:schemeClr val="lt1">
+        <a:alpha val="90000"/>
+      </a:schemeClr>
+    </dgm:fillClrLst>
+    <dgm:linClrLst meth="repeat">
+      <a:schemeClr val="accent3"/>
+    </dgm:linClrLst>
+    <dgm:effectClrLst/>
+    <dgm:txLinClrLst/>
+    <dgm:txFillClrLst meth="repeat">
+      <a:schemeClr val="dk1"/>
+    </dgm:txFillClrLst>
+    <dgm:txEffectClrLst/>
+  </dgm:styleLbl>
+  <dgm:styleLbl name="fgAcc2">
+    <dgm:fillClrLst meth="repeat">
+      <a:schemeClr val="lt1">
+        <a:alpha val="90000"/>
+      </a:schemeClr>
+    </dgm:fillClrLst>
+    <dgm:linClrLst meth="repeat">
+      <a:schemeClr val="accent3"/>
+    </dgm:linClrLst>
+    <dgm:effectClrLst/>
+    <dgm:txLinClrLst/>
+    <dgm:txFillClrLst meth="repeat">
+      <a:schemeClr val="dk1"/>
+    </dgm:txFillClrLst>
+    <dgm:txEffectClrLst/>
+  </dgm:styleLbl>
+  <dgm:styleLbl name="fgAcc3">
+    <dgm:fillClrLst meth="repeat">
+      <a:schemeClr val="lt1">
+        <a:alpha val="90000"/>
+      </a:schemeClr>
+    </dgm:fillClrLst>
+    <dgm:linClrLst meth="repeat">
+      <a:schemeClr val="accent3"/>
+    </dgm:linClrLst>
+    <dgm:effectClrLst/>
+    <dgm:txLinClrLst/>
+    <dgm:txFillClrLst meth="repeat">
+      <a:schemeClr val="dk1"/>
+    </dgm:txFillClrLst>
+    <dgm:txEffectClrLst/>
+  </dgm:styleLbl>
+  <dgm:styleLbl name="fgAcc4">
+    <dgm:fillClrLst meth="repeat">
+      <a:schemeClr val="lt1">
+        <a:alpha val="90000"/>
+      </a:schemeClr>
+    </dgm:fillClrLst>
+    <dgm:linClrLst meth="repeat">
+      <a:schemeClr val="accent3"/>
+    </dgm:linClrLst>
+    <dgm:effectClrLst/>
+    <dgm:txLinClrLst/>
+    <dgm:txFillClrLst meth="repeat">
+      <a:schemeClr val="dk1"/>
+    </dgm:txFillClrLst>
+    <dgm:txEffectClrLst/>
+  </dgm:styleLbl>
+  <dgm:styleLbl name="bgShp">
+    <dgm:fillClrLst meth="repeat">
+      <a:schemeClr val="accent3">
+        <a:tint val="40000"/>
+      </a:schemeClr>
+    </dgm:fillClrLst>
+    <dgm:linClrLst meth="repeat">
+      <a:schemeClr val="accent3"/>
+    </dgm:linClrLst>
+    <dgm:effectClrLst/>
+    <dgm:txLinClrLst/>
+    <dgm:txFillClrLst meth="repeat">
+      <a:schemeClr val="dk1"/>
+    </dgm:txFillClrLst>
+    <dgm:txEffectClrLst/>
+  </dgm:styleLbl>
+  <dgm:styleLbl name="dkBgShp">
+    <dgm:fillClrLst meth="repeat">
+      <a:schemeClr val="accent3">
+        <a:shade val="80000"/>
+      </a:schemeClr>
+    </dgm:fillClrLst>
+    <dgm:linClrLst meth="repeat">
+      <a:schemeClr val="accent3"/>
+    </dgm:linClrLst>
+    <dgm:effectClrLst/>
+    <dgm:txLinClrLst/>
+    <dgm:txFillClrLst meth="repeat">
+      <a:schemeClr val="lt1"/>
+    </dgm:txFillClrLst>
+    <dgm:txEffectClrLst/>
+  </dgm:styleLbl>
+  <dgm:styleLbl name="trBgShp">
+    <dgm:fillClrLst meth="repeat">
+      <a:schemeClr val="accent3">
+        <a:tint val="50000"/>
+        <a:alpha val="40000"/>
+      </a:schemeClr>
+    </dgm:fillClrLst>
+    <dgm:linClrLst meth="repeat">
+      <a:schemeClr val="accent3"/>
+    </dgm:linClrLst>
+    <dgm:effectClrLst/>
+    <dgm:txLinClrLst/>
+    <dgm:txFillClrLst meth="repeat">
+      <a:schemeClr val="lt1"/>
+    </dgm:txFillClrLst>
+    <dgm:txEffectClrLst/>
+  </dgm:styleLbl>
+  <dgm:styleLbl name="fgShp">
+    <dgm:fillClrLst meth="repeat">
+      <a:schemeClr val="accent3">
+        <a:tint val="60000"/>
+      </a:schemeClr>
+    </dgm:fillClrLst>
+    <dgm:linClrLst meth="repeat">
+      <a:schemeClr val="lt1"/>
+    </dgm:linClrLst>
+    <dgm:effectClrLst/>
+    <dgm:txLinClrLst/>
+    <dgm:txFillClrLst meth="repeat">
+      <a:schemeClr val="dk1"/>
+    </dgm:txFillClrLst>
+    <dgm:txEffectClrLst/>
+  </dgm:styleLbl>
+  <dgm:styleLbl name="revTx">
+    <dgm:fillClrLst meth="repeat">
+      <a:schemeClr val="lt1">
+        <a:alpha val="0"/>
+      </a:schemeClr>
+    </dgm:fillClrLst>
+    <dgm:linClrLst meth="repeat">
+      <a:schemeClr val="dk1">
+        <a:alpha val="0"/>
+      </a:schemeClr>
+    </dgm:linClrLst>
+    <dgm:effectClrLst/>
+    <dgm:txLinClrLst/>
+    <dgm:txFillClrLst meth="repeat">
+      <a:schemeClr val="tx1"/>
+    </dgm:txFillClrLst>
+    <dgm:txEffectClrLst/>
+  </dgm:styleLbl>
+</dgm:colorsDef>
+</file>
+
+<file path=ppt/diagrams/data1.xml><?xml version="1.0" encoding="utf-8"?>
+<dgm:dataModel xmlns:dgm="http://schemas.openxmlformats.org/drawingml/2006/diagram" xmlns:a="http://schemas.openxmlformats.org/drawingml/2006/main">
+  <dgm:ptLst>
+    <dgm:pt modelId="{62A03CEE-BA48-488C-8797-3F2A23B13FB7}" type="doc">
+      <dgm:prSet loTypeId="urn:microsoft.com/office/officeart/2005/8/layout/hierarchy1" loCatId="hierarchy" qsTypeId="urn:microsoft.com/office/officeart/2005/8/quickstyle/simple4" qsCatId="simple" csTypeId="urn:microsoft.com/office/officeart/2005/8/colors/accent3_2" csCatId="accent3" phldr="1"/>
+      <dgm:spPr/>
+      <dgm:t>
+        <a:bodyPr/>
+        <a:lstStyle/>
+        <a:p>
+          <a:endParaRPr lang="en-US"/>
+        </a:p>
+      </dgm:t>
+    </dgm:pt>
+    <dgm:pt modelId="{2CAE0FEE-B943-4784-8DCF-8587187BF79B}">
+      <dgm:prSet custT="1"/>
+      <dgm:spPr/>
+      <dgm:t>
+        <a:bodyPr/>
+        <a:lstStyle/>
+        <a:p>
+          <a:r>
+            <a:rPr lang="en-US" sz="2800" dirty="0"/>
+            <a:t>Incidence of Crime Data: Los Angeles Open Data: (</a:t>
+          </a:r>
+          <a:r>
+            <a:rPr lang="en-US" sz="2800" i="1" dirty="0">
+              <a:hlinkClick xmlns:r="http://schemas.openxmlformats.org/officeDocument/2006/relationships" r:id="rId1"/>
+            </a:rPr>
+            <a:t>https://data.lacity.org/A-Safe-City/Crime-Data-from-2010-to-Present/y8tr-7khq</a:t>
+          </a:r>
+          <a:r>
+            <a:rPr lang="en-US" sz="2800" dirty="0"/>
+            <a:t>) </a:t>
+          </a:r>
+        </a:p>
+      </dgm:t>
+    </dgm:pt>
+    <dgm:pt modelId="{4E814FA4-E4D7-4EE8-AD3D-D448E186EFA6}" type="parTrans" cxnId="{51A956E4-1759-4374-8ACB-DA6DA87CA412}">
+      <dgm:prSet/>
+      <dgm:spPr/>
+      <dgm:t>
+        <a:bodyPr/>
+        <a:lstStyle/>
+        <a:p>
+          <a:endParaRPr lang="en-US"/>
+        </a:p>
+      </dgm:t>
+    </dgm:pt>
+    <dgm:pt modelId="{EA0F9D79-50C3-4F29-AF94-051C6F2EB77E}" type="sibTrans" cxnId="{51A956E4-1759-4374-8ACB-DA6DA87CA412}">
+      <dgm:prSet/>
+      <dgm:spPr/>
+      <dgm:t>
+        <a:bodyPr/>
+        <a:lstStyle/>
+        <a:p>
+          <a:endParaRPr lang="en-US"/>
+        </a:p>
+      </dgm:t>
+    </dgm:pt>
+    <dgm:pt modelId="{E02C67DD-3E5B-4619-9453-1C957F572905}">
+      <dgm:prSet custT="1"/>
+      <dgm:spPr/>
+      <dgm:t>
+        <a:bodyPr/>
+        <a:lstStyle/>
+        <a:p>
+          <a:r>
+            <a:rPr lang="en-US" sz="2800" dirty="0"/>
+            <a:t>Demographic and Socio-Economic Data: Los Angeles Census Reporter: (</a:t>
+          </a:r>
+          <a:r>
+            <a:rPr lang="en-US" sz="2800" i="1" dirty="0">
+              <a:hlinkClick xmlns:r="http://schemas.openxmlformats.org/officeDocument/2006/relationships" r:id="rId2"/>
+            </a:rPr>
+            <a:t>https://censusreporter.org/profiles/16000US0644000-los-angeles-ca/</a:t>
+          </a:r>
+          <a:r>
+            <a:rPr lang="en-US" sz="2800" i="1" dirty="0"/>
+            <a:t>)</a:t>
+          </a:r>
+          <a:endParaRPr lang="en-US" sz="2800" dirty="0"/>
+        </a:p>
+      </dgm:t>
+    </dgm:pt>
+    <dgm:pt modelId="{24B9F596-74EB-4774-ADAC-329C330F3B42}" type="parTrans" cxnId="{663DDF08-8F43-4C17-A695-CD6DC6198042}">
+      <dgm:prSet/>
+      <dgm:spPr/>
+      <dgm:t>
+        <a:bodyPr/>
+        <a:lstStyle/>
+        <a:p>
+          <a:endParaRPr lang="en-US"/>
+        </a:p>
+      </dgm:t>
+    </dgm:pt>
+    <dgm:pt modelId="{EAFC60DF-48E6-48E2-8DDB-BEB0EF63021E}" type="sibTrans" cxnId="{663DDF08-8F43-4C17-A695-CD6DC6198042}">
+      <dgm:prSet/>
+      <dgm:spPr/>
+      <dgm:t>
+        <a:bodyPr/>
+        <a:lstStyle/>
+        <a:p>
+          <a:endParaRPr lang="en-US"/>
+        </a:p>
+      </dgm:t>
+    </dgm:pt>
+    <dgm:pt modelId="{05E0F7FB-9DA7-FB41-9A65-2A814FBD07AF}" type="pres">
+      <dgm:prSet presAssocID="{62A03CEE-BA48-488C-8797-3F2A23B13FB7}" presName="hierChild1" presStyleCnt="0">
+        <dgm:presLayoutVars>
+          <dgm:chPref val="1"/>
+          <dgm:dir/>
+          <dgm:animOne val="branch"/>
+          <dgm:animLvl val="lvl"/>
+          <dgm:resizeHandles/>
+        </dgm:presLayoutVars>
+      </dgm:prSet>
+      <dgm:spPr/>
+    </dgm:pt>
+    <dgm:pt modelId="{53E51231-2ADD-584A-8CFD-FF5AA94EB4A2}" type="pres">
+      <dgm:prSet presAssocID="{2CAE0FEE-B943-4784-8DCF-8587187BF79B}" presName="hierRoot1" presStyleCnt="0"/>
+      <dgm:spPr/>
+    </dgm:pt>
+    <dgm:pt modelId="{CE067546-6406-BD41-8363-901063CDA508}" type="pres">
+      <dgm:prSet presAssocID="{2CAE0FEE-B943-4784-8DCF-8587187BF79B}" presName="composite" presStyleCnt="0"/>
+      <dgm:spPr/>
+    </dgm:pt>
+    <dgm:pt modelId="{23F6E426-E6F8-974F-B5AF-38D12395CAED}" type="pres">
+      <dgm:prSet presAssocID="{2CAE0FEE-B943-4784-8DCF-8587187BF79B}" presName="background" presStyleLbl="node0" presStyleIdx="0" presStyleCnt="2"/>
+      <dgm:spPr/>
+    </dgm:pt>
+    <dgm:pt modelId="{69B5D89C-C09D-EB45-B2F6-318F5E46CD10}" type="pres">
+      <dgm:prSet presAssocID="{2CAE0FEE-B943-4784-8DCF-8587187BF79B}" presName="text" presStyleLbl="fgAcc0" presStyleIdx="0" presStyleCnt="2" custScaleX="110984">
+        <dgm:presLayoutVars>
+          <dgm:chPref val="3"/>
+        </dgm:presLayoutVars>
+      </dgm:prSet>
+      <dgm:spPr/>
+    </dgm:pt>
+    <dgm:pt modelId="{D2924E2A-06EB-E845-AA6C-AD51B792B5D0}" type="pres">
+      <dgm:prSet presAssocID="{2CAE0FEE-B943-4784-8DCF-8587187BF79B}" presName="hierChild2" presStyleCnt="0"/>
+      <dgm:spPr/>
+    </dgm:pt>
+    <dgm:pt modelId="{46DBEF28-3405-2746-A81A-E71789C25AC5}" type="pres">
+      <dgm:prSet presAssocID="{E02C67DD-3E5B-4619-9453-1C957F572905}" presName="hierRoot1" presStyleCnt="0"/>
+      <dgm:spPr/>
+    </dgm:pt>
+    <dgm:pt modelId="{7D007FB3-2D32-FE49-A700-413F24C8CB42}" type="pres">
+      <dgm:prSet presAssocID="{E02C67DD-3E5B-4619-9453-1C957F572905}" presName="composite" presStyleCnt="0"/>
+      <dgm:spPr/>
+    </dgm:pt>
+    <dgm:pt modelId="{035049F1-C2D5-7A43-94D7-6BC710D8BA29}" type="pres">
+      <dgm:prSet presAssocID="{E02C67DD-3E5B-4619-9453-1C957F572905}" presName="background" presStyleLbl="node0" presStyleIdx="1" presStyleCnt="2"/>
+      <dgm:spPr/>
+    </dgm:pt>
+    <dgm:pt modelId="{A96684F0-10F2-E44F-9943-41798AA8C85B}" type="pres">
+      <dgm:prSet presAssocID="{E02C67DD-3E5B-4619-9453-1C957F572905}" presName="text" presStyleLbl="fgAcc0" presStyleIdx="1" presStyleCnt="2" custScaleX="116810">
+        <dgm:presLayoutVars>
+          <dgm:chPref val="3"/>
+        </dgm:presLayoutVars>
+      </dgm:prSet>
+      <dgm:spPr/>
+    </dgm:pt>
+    <dgm:pt modelId="{FEBA8DDE-42F2-5749-BA2B-52E7C442F7FF}" type="pres">
+      <dgm:prSet presAssocID="{E02C67DD-3E5B-4619-9453-1C957F572905}" presName="hierChild2" presStyleCnt="0"/>
+      <dgm:spPr/>
+    </dgm:pt>
+  </dgm:ptLst>
+  <dgm:cxnLst>
+    <dgm:cxn modelId="{663DDF08-8F43-4C17-A695-CD6DC6198042}" srcId="{62A03CEE-BA48-488C-8797-3F2A23B13FB7}" destId="{E02C67DD-3E5B-4619-9453-1C957F572905}" srcOrd="1" destOrd="0" parTransId="{24B9F596-74EB-4774-ADAC-329C330F3B42}" sibTransId="{EAFC60DF-48E6-48E2-8DDB-BEB0EF63021E}"/>
+    <dgm:cxn modelId="{EFBEB61C-0E78-F648-A173-D2AC53069329}" type="presOf" srcId="{2CAE0FEE-B943-4784-8DCF-8587187BF79B}" destId="{69B5D89C-C09D-EB45-B2F6-318F5E46CD10}" srcOrd="0" destOrd="0" presId="urn:microsoft.com/office/officeart/2005/8/layout/hierarchy1"/>
+    <dgm:cxn modelId="{1FC0308A-05EE-B04E-AC66-736D0EED1CC1}" type="presOf" srcId="{E02C67DD-3E5B-4619-9453-1C957F572905}" destId="{A96684F0-10F2-E44F-9943-41798AA8C85B}" srcOrd="0" destOrd="0" presId="urn:microsoft.com/office/officeart/2005/8/layout/hierarchy1"/>
+    <dgm:cxn modelId="{81A634B4-F499-844B-B741-2E3281484627}" type="presOf" srcId="{62A03CEE-BA48-488C-8797-3F2A23B13FB7}" destId="{05E0F7FB-9DA7-FB41-9A65-2A814FBD07AF}" srcOrd="0" destOrd="0" presId="urn:microsoft.com/office/officeart/2005/8/layout/hierarchy1"/>
+    <dgm:cxn modelId="{51A956E4-1759-4374-8ACB-DA6DA87CA412}" srcId="{62A03CEE-BA48-488C-8797-3F2A23B13FB7}" destId="{2CAE0FEE-B943-4784-8DCF-8587187BF79B}" srcOrd="0" destOrd="0" parTransId="{4E814FA4-E4D7-4EE8-AD3D-D448E186EFA6}" sibTransId="{EA0F9D79-50C3-4F29-AF94-051C6F2EB77E}"/>
+    <dgm:cxn modelId="{B097AB2D-6C57-D84A-B0F8-B0561CB67F62}" type="presParOf" srcId="{05E0F7FB-9DA7-FB41-9A65-2A814FBD07AF}" destId="{53E51231-2ADD-584A-8CFD-FF5AA94EB4A2}" srcOrd="0" destOrd="0" presId="urn:microsoft.com/office/officeart/2005/8/layout/hierarchy1"/>
+    <dgm:cxn modelId="{D4A0324C-B5FC-CE49-8160-CB71800A9CF4}" type="presParOf" srcId="{53E51231-2ADD-584A-8CFD-FF5AA94EB4A2}" destId="{CE067546-6406-BD41-8363-901063CDA508}" srcOrd="0" destOrd="0" presId="urn:microsoft.com/office/officeart/2005/8/layout/hierarchy1"/>
+    <dgm:cxn modelId="{D98ACDA0-6344-354B-A28C-8E6F57AB6FC1}" type="presParOf" srcId="{CE067546-6406-BD41-8363-901063CDA508}" destId="{23F6E426-E6F8-974F-B5AF-38D12395CAED}" srcOrd="0" destOrd="0" presId="urn:microsoft.com/office/officeart/2005/8/layout/hierarchy1"/>
+    <dgm:cxn modelId="{1DE3D8BF-3737-534A-9AC2-2A735111F894}" type="presParOf" srcId="{CE067546-6406-BD41-8363-901063CDA508}" destId="{69B5D89C-C09D-EB45-B2F6-318F5E46CD10}" srcOrd="1" destOrd="0" presId="urn:microsoft.com/office/officeart/2005/8/layout/hierarchy1"/>
+    <dgm:cxn modelId="{F170369F-1AB1-5A46-A1CE-152AF56F96B9}" type="presParOf" srcId="{53E51231-2ADD-584A-8CFD-FF5AA94EB4A2}" destId="{D2924E2A-06EB-E845-AA6C-AD51B792B5D0}" srcOrd="1" destOrd="0" presId="urn:microsoft.com/office/officeart/2005/8/layout/hierarchy1"/>
+    <dgm:cxn modelId="{10DF704F-6055-5945-BAA7-F568CADF5B89}" type="presParOf" srcId="{05E0F7FB-9DA7-FB41-9A65-2A814FBD07AF}" destId="{46DBEF28-3405-2746-A81A-E71789C25AC5}" srcOrd="1" destOrd="0" presId="urn:microsoft.com/office/officeart/2005/8/layout/hierarchy1"/>
+    <dgm:cxn modelId="{E7AD8A03-21E7-144F-BA03-05E09F51AC52}" type="presParOf" srcId="{46DBEF28-3405-2746-A81A-E71789C25AC5}" destId="{7D007FB3-2D32-FE49-A700-413F24C8CB42}" srcOrd="0" destOrd="0" presId="urn:microsoft.com/office/officeart/2005/8/layout/hierarchy1"/>
+    <dgm:cxn modelId="{87414B87-7D19-2847-A1ED-6E2F934E0978}" type="presParOf" srcId="{7D007FB3-2D32-FE49-A700-413F24C8CB42}" destId="{035049F1-C2D5-7A43-94D7-6BC710D8BA29}" srcOrd="0" destOrd="0" presId="urn:microsoft.com/office/officeart/2005/8/layout/hierarchy1"/>
+    <dgm:cxn modelId="{56E59F36-736D-D245-A7DB-0C158C90F4C5}" type="presParOf" srcId="{7D007FB3-2D32-FE49-A700-413F24C8CB42}" destId="{A96684F0-10F2-E44F-9943-41798AA8C85B}" srcOrd="1" destOrd="0" presId="urn:microsoft.com/office/officeart/2005/8/layout/hierarchy1"/>
+    <dgm:cxn modelId="{5354FCC8-FEDC-2948-86E3-78EF89394885}" type="presParOf" srcId="{46DBEF28-3405-2746-A81A-E71789C25AC5}" destId="{FEBA8DDE-42F2-5749-BA2B-52E7C442F7FF}" srcOrd="1" destOrd="0" presId="urn:microsoft.com/office/officeart/2005/8/layout/hierarchy1"/>
+  </dgm:cxnLst>
+  <dgm:bg/>
+  <dgm:whole/>
+  <dgm:extLst>
+    <a:ext uri="http://schemas.microsoft.com/office/drawing/2008/diagram">
+      <dsp:dataModelExt xmlns:dsp="http://schemas.microsoft.com/office/drawing/2008/diagram" relId="rId6" minVer="http://schemas.openxmlformats.org/drawingml/2006/diagram"/>
+    </a:ext>
+  </dgm:extLst>
+</dgm:dataModel>
+</file>
+
+<file path=ppt/diagrams/drawing1.xml><?xml version="1.0" encoding="utf-8"?>
+<dsp:drawing xmlns:dgm="http://schemas.openxmlformats.org/drawingml/2006/diagram" xmlns:dsp="http://schemas.microsoft.com/office/drawing/2008/diagram" xmlns:a="http://schemas.openxmlformats.org/drawingml/2006/main">
+  <dsp:spTree>
+    <dsp:nvGrpSpPr>
+      <dsp:cNvPr id="0" name=""/>
+      <dsp:cNvGrpSpPr/>
+    </dsp:nvGrpSpPr>
+    <dsp:grpSpPr/>
+    <dsp:sp modelId="{23F6E426-E6F8-974F-B5AF-38D12395CAED}">
+      <dsp:nvSpPr>
+        <dsp:cNvPr id="0" name=""/>
+        <dsp:cNvSpPr/>
+      </dsp:nvSpPr>
+      <dsp:spPr>
+        <a:xfrm>
+          <a:off x="2797" y="714572"/>
+          <a:ext cx="4759596" cy="2723224"/>
+        </a:xfrm>
+        <a:prstGeom prst="roundRect">
+          <a:avLst>
+            <a:gd name="adj" fmla="val 10000"/>
+          </a:avLst>
+        </a:prstGeom>
+        <a:gradFill rotWithShape="0">
+          <a:gsLst>
+            <a:gs pos="0">
+              <a:schemeClr val="accent3">
+                <a:hueOff val="0"/>
+                <a:satOff val="0"/>
+                <a:lumOff val="0"/>
+                <a:alphaOff val="0"/>
+                <a:tint val="94000"/>
+                <a:satMod val="103000"/>
+                <a:lumMod val="102000"/>
+              </a:schemeClr>
+            </a:gs>
+            <a:gs pos="50000">
+              <a:schemeClr val="accent3">
+                <a:hueOff val="0"/>
+                <a:satOff val="0"/>
+                <a:lumOff val="0"/>
+                <a:alphaOff val="0"/>
+                <a:shade val="100000"/>
+                <a:satMod val="110000"/>
+                <a:lumMod val="100000"/>
+              </a:schemeClr>
+            </a:gs>
+            <a:gs pos="100000">
+              <a:schemeClr val="accent3">
+                <a:hueOff val="0"/>
+                <a:satOff val="0"/>
+                <a:lumOff val="0"/>
+                <a:alphaOff val="0"/>
+                <a:shade val="78000"/>
+                <a:satMod val="120000"/>
+                <a:lumMod val="99000"/>
+              </a:schemeClr>
+            </a:gs>
+          </a:gsLst>
+          <a:lin ang="5400000" scaled="0"/>
+        </a:gradFill>
+        <a:ln>
+          <a:noFill/>
+        </a:ln>
+        <a:effectLst/>
+      </dsp:spPr>
+      <dsp:style>
+        <a:lnRef idx="0">
+          <a:scrgbClr r="0" g="0" b="0"/>
+        </a:lnRef>
+        <a:fillRef idx="3">
+          <a:scrgbClr r="0" g="0" b="0"/>
+        </a:fillRef>
+        <a:effectRef idx="2">
+          <a:scrgbClr r="0" g="0" b="0"/>
+        </a:effectRef>
+        <a:fontRef idx="minor">
+          <a:schemeClr val="lt1"/>
+        </a:fontRef>
+      </dsp:style>
+    </dsp:sp>
+    <dsp:sp modelId="{69B5D89C-C09D-EB45-B2F6-318F5E46CD10}">
+      <dsp:nvSpPr>
+        <dsp:cNvPr id="0" name=""/>
+        <dsp:cNvSpPr/>
+      </dsp:nvSpPr>
+      <dsp:spPr>
+        <a:xfrm>
+          <a:off x="479302" y="1167252"/>
+          <a:ext cx="4759596" cy="2723224"/>
+        </a:xfrm>
+        <a:prstGeom prst="roundRect">
+          <a:avLst>
+            <a:gd name="adj" fmla="val 10000"/>
+          </a:avLst>
+        </a:prstGeom>
+        <a:solidFill>
+          <a:schemeClr val="lt1">
+            <a:alpha val="90000"/>
+            <a:hueOff val="0"/>
+            <a:satOff val="0"/>
+            <a:lumOff val="0"/>
+            <a:alphaOff val="0"/>
+          </a:schemeClr>
+        </a:solidFill>
+        <a:ln w="6350" cap="flat" cmpd="sng" algn="in">
+          <a:solidFill>
+            <a:schemeClr val="accent3">
+              <a:hueOff val="0"/>
+              <a:satOff val="0"/>
+              <a:lumOff val="0"/>
+              <a:alphaOff val="0"/>
+            </a:schemeClr>
+          </a:solidFill>
+          <a:prstDash val="solid"/>
+        </a:ln>
+        <a:effectLst/>
+      </dsp:spPr>
+      <dsp:style>
+        <a:lnRef idx="1">
+          <a:scrgbClr r="0" g="0" b="0"/>
+        </a:lnRef>
+        <a:fillRef idx="1">
+          <a:scrgbClr r="0" g="0" b="0"/>
+        </a:fillRef>
+        <a:effectRef idx="0">
+          <a:scrgbClr r="0" g="0" b="0"/>
+        </a:effectRef>
+        <a:fontRef idx="minor"/>
+      </dsp:style>
+      <dsp:txBody>
+        <a:bodyPr spcFirstLastPara="0" vert="horz" wrap="square" lIns="106680" tIns="106680" rIns="106680" bIns="106680" numCol="1" spcCol="1270" anchor="ctr" anchorCtr="0">
+          <a:noAutofit/>
+        </a:bodyPr>
+        <a:lstStyle/>
+        <a:p>
+          <a:pPr marL="0" lvl="0" indent="0" algn="ctr" defTabSz="1244600">
+            <a:lnSpc>
+              <a:spcPct val="90000"/>
+            </a:lnSpc>
+            <a:spcBef>
+              <a:spcPct val="0"/>
+            </a:spcBef>
+            <a:spcAft>
+              <a:spcPct val="35000"/>
+            </a:spcAft>
+            <a:buNone/>
+          </a:pPr>
+          <a:r>
+            <a:rPr lang="en-US" sz="2800" kern="1200" dirty="0"/>
+            <a:t>Incidence of Crime Data: Los Angeles Open Data: (</a:t>
+          </a:r>
+          <a:r>
+            <a:rPr lang="en-US" sz="2800" i="1" kern="1200" dirty="0">
+              <a:hlinkClick xmlns:r="http://schemas.openxmlformats.org/officeDocument/2006/relationships" r:id="rId1"/>
+            </a:rPr>
+            <a:t>https://data.lacity.org/A-Safe-City/Crime-Data-from-2010-to-Present/y8tr-7khq</a:t>
+          </a:r>
+          <a:r>
+            <a:rPr lang="en-US" sz="2800" kern="1200" dirty="0"/>
+            <a:t>) </a:t>
+          </a:r>
+        </a:p>
+      </dsp:txBody>
+      <dsp:txXfrm>
+        <a:off x="559063" y="1247013"/>
+        <a:ext cx="4600074" cy="2563702"/>
+      </dsp:txXfrm>
+    </dsp:sp>
+    <dsp:sp modelId="{035049F1-C2D5-7A43-94D7-6BC710D8BA29}">
+      <dsp:nvSpPr>
+        <dsp:cNvPr id="0" name=""/>
+        <dsp:cNvSpPr/>
+      </dsp:nvSpPr>
+      <dsp:spPr>
+        <a:xfrm>
+          <a:off x="5715404" y="714572"/>
+          <a:ext cx="5009447" cy="2723224"/>
+        </a:xfrm>
+        <a:prstGeom prst="roundRect">
+          <a:avLst>
+            <a:gd name="adj" fmla="val 10000"/>
+          </a:avLst>
+        </a:prstGeom>
+        <a:gradFill rotWithShape="0">
+          <a:gsLst>
+            <a:gs pos="0">
+              <a:schemeClr val="accent3">
+                <a:hueOff val="0"/>
+                <a:satOff val="0"/>
+                <a:lumOff val="0"/>
+                <a:alphaOff val="0"/>
+                <a:tint val="94000"/>
+                <a:satMod val="103000"/>
+                <a:lumMod val="102000"/>
+              </a:schemeClr>
+            </a:gs>
+            <a:gs pos="50000">
+              <a:schemeClr val="accent3">
+                <a:hueOff val="0"/>
+                <a:satOff val="0"/>
+                <a:lumOff val="0"/>
+                <a:alphaOff val="0"/>
+                <a:shade val="100000"/>
+                <a:satMod val="110000"/>
+                <a:lumMod val="100000"/>
+              </a:schemeClr>
+            </a:gs>
+            <a:gs pos="100000">
+              <a:schemeClr val="accent3">
+                <a:hueOff val="0"/>
+                <a:satOff val="0"/>
+                <a:lumOff val="0"/>
+                <a:alphaOff val="0"/>
+                <a:shade val="78000"/>
+                <a:satMod val="120000"/>
+                <a:lumMod val="99000"/>
+              </a:schemeClr>
+            </a:gs>
+          </a:gsLst>
+          <a:lin ang="5400000" scaled="0"/>
+        </a:gradFill>
+        <a:ln>
+          <a:noFill/>
+        </a:ln>
+        <a:effectLst/>
+      </dsp:spPr>
+      <dsp:style>
+        <a:lnRef idx="0">
+          <a:scrgbClr r="0" g="0" b="0"/>
+        </a:lnRef>
+        <a:fillRef idx="3">
+          <a:scrgbClr r="0" g="0" b="0"/>
+        </a:fillRef>
+        <a:effectRef idx="2">
+          <a:scrgbClr r="0" g="0" b="0"/>
+        </a:effectRef>
+        <a:fontRef idx="minor">
+          <a:schemeClr val="lt1"/>
+        </a:fontRef>
+      </dsp:style>
+    </dsp:sp>
+    <dsp:sp modelId="{A96684F0-10F2-E44F-9943-41798AA8C85B}">
+      <dsp:nvSpPr>
+        <dsp:cNvPr id="0" name=""/>
+        <dsp:cNvSpPr/>
+      </dsp:nvSpPr>
+      <dsp:spPr>
+        <a:xfrm>
+          <a:off x="6191908" y="1167252"/>
+          <a:ext cx="5009447" cy="2723224"/>
+        </a:xfrm>
+        <a:prstGeom prst="roundRect">
+          <a:avLst>
+            <a:gd name="adj" fmla="val 10000"/>
+          </a:avLst>
+        </a:prstGeom>
+        <a:solidFill>
+          <a:schemeClr val="lt1">
+            <a:alpha val="90000"/>
+            <a:hueOff val="0"/>
+            <a:satOff val="0"/>
+            <a:lumOff val="0"/>
+            <a:alphaOff val="0"/>
+          </a:schemeClr>
+        </a:solidFill>
+        <a:ln w="6350" cap="flat" cmpd="sng" algn="in">
+          <a:solidFill>
+            <a:schemeClr val="accent3">
+              <a:hueOff val="0"/>
+              <a:satOff val="0"/>
+              <a:lumOff val="0"/>
+              <a:alphaOff val="0"/>
+            </a:schemeClr>
+          </a:solidFill>
+          <a:prstDash val="solid"/>
+        </a:ln>
+        <a:effectLst/>
+      </dsp:spPr>
+      <dsp:style>
+        <a:lnRef idx="1">
+          <a:scrgbClr r="0" g="0" b="0"/>
+        </a:lnRef>
+        <a:fillRef idx="1">
+          <a:scrgbClr r="0" g="0" b="0"/>
+        </a:fillRef>
+        <a:effectRef idx="0">
+          <a:scrgbClr r="0" g="0" b="0"/>
+        </a:effectRef>
+        <a:fontRef idx="minor"/>
+      </dsp:style>
+      <dsp:txBody>
+        <a:bodyPr spcFirstLastPara="0" vert="horz" wrap="square" lIns="106680" tIns="106680" rIns="106680" bIns="106680" numCol="1" spcCol="1270" anchor="ctr" anchorCtr="0">
+          <a:noAutofit/>
+        </a:bodyPr>
+        <a:lstStyle/>
+        <a:p>
+          <a:pPr marL="0" lvl="0" indent="0" algn="ctr" defTabSz="1244600">
+            <a:lnSpc>
+              <a:spcPct val="90000"/>
+            </a:lnSpc>
+            <a:spcBef>
+              <a:spcPct val="0"/>
+            </a:spcBef>
+            <a:spcAft>
+              <a:spcPct val="35000"/>
+            </a:spcAft>
+            <a:buNone/>
+          </a:pPr>
+          <a:r>
+            <a:rPr lang="en-US" sz="2800" kern="1200" dirty="0"/>
+            <a:t>Demographic and Socio-Economic Data: Los Angeles Census Reporter: (</a:t>
+          </a:r>
+          <a:r>
+            <a:rPr lang="en-US" sz="2800" i="1" kern="1200" dirty="0">
+              <a:hlinkClick xmlns:r="http://schemas.openxmlformats.org/officeDocument/2006/relationships" r:id="rId2"/>
+            </a:rPr>
+            <a:t>https://censusreporter.org/profiles/16000US0644000-los-angeles-ca/</a:t>
+          </a:r>
+          <a:r>
+            <a:rPr lang="en-US" sz="2800" i="1" kern="1200" dirty="0"/>
+            <a:t>)</a:t>
+          </a:r>
+          <a:endParaRPr lang="en-US" sz="2800" kern="1200" dirty="0"/>
+        </a:p>
+      </dsp:txBody>
+      <dsp:txXfrm>
+        <a:off x="6271669" y="1247013"/>
+        <a:ext cx="4849925" cy="2563702"/>
+      </dsp:txXfrm>
+    </dsp:sp>
+  </dsp:spTree>
+</dsp:drawing>
+</file>
+
+<file path=ppt/diagrams/layout1.xml><?xml version="1.0" encoding="utf-8"?>
+<dgm:layoutDef xmlns:dgm="http://schemas.openxmlformats.org/drawingml/2006/diagram" xmlns:a="http://schemas.openxmlformats.org/drawingml/2006/main" uniqueId="urn:microsoft.com/office/officeart/2005/8/layout/hierarchy1">
+  <dgm:title val=""/>
+  <dgm:desc val=""/>
+  <dgm:catLst>
+    <dgm:cat type="hierarchy" pri="2000"/>
+  </dgm:catLst>
+  <dgm:sampData>
+    <dgm:dataModel>
+      <dgm:ptLst>
+        <dgm:pt modelId="0" type="doc"/>
+        <dgm:pt modelId="1">
+          <dgm:prSet phldr="1"/>
+        </dgm:pt>
+        <dgm:pt modelId="2">
+          <dgm:prSet phldr="1"/>
+        </dgm:pt>
+        <dgm:pt modelId="21">
+          <dgm:prSet phldr="1"/>
+        </dgm:pt>
+        <dgm:pt modelId="22">
+          <dgm:prSet phldr="1"/>
+        </dgm:pt>
+        <dgm:pt modelId="3">
+          <dgm:prSet phldr="1"/>
+        </dgm:pt>
+        <dgm:pt modelId="31">
+          <dgm:prSet phldr="1"/>
+        </dgm:pt>
+      </dgm:ptLst>
+      <dgm:cxnLst>
+        <dgm:cxn modelId="4" srcId="0" destId="1" srcOrd="0" destOrd="0"/>
+        <dgm:cxn modelId="5" srcId="1" destId="2" srcOrd="0" destOrd="0"/>
+        <dgm:cxn modelId="6" srcId="1" destId="3" srcOrd="1" destOrd="0"/>
+        <dgm:cxn modelId="23" srcId="2" destId="21" srcOrd="0" destOrd="0"/>
+        <dgm:cxn modelId="24" srcId="2" destId="22" srcOrd="1" destOrd="0"/>
+        <dgm:cxn modelId="33" srcId="3" destId="31" srcOrd="0" destOrd="0"/>
+      </dgm:cxnLst>
+      <dgm:bg/>
+      <dgm:whole/>
+    </dgm:dataModel>
+  </dgm:sampData>
+  <dgm:styleData>
+    <dgm:dataModel>
+      <dgm:ptLst>
+        <dgm:pt modelId="0" type="doc"/>
+        <dgm:pt modelId="1"/>
+        <dgm:pt modelId="11"/>
+        <dgm:pt modelId="12"/>
+      </dgm:ptLst>
+      <dgm:cxnLst>
+        <dgm:cxn modelId="2" srcId="0" destId="1" srcOrd="0" destOrd="0"/>
+        <dgm:cxn modelId="13" srcId="1" destId="11" srcOrd="0" destOrd="0"/>
+        <dgm:cxn modelId="14" srcId="1" destId="12" srcOrd="1" destOrd="0"/>
+      </dgm:cxnLst>
+      <dgm:bg/>
+      <dgm:whole/>
+    </dgm:dataModel>
+  </dgm:styleData>
+  <dgm:clrData>
+    <dgm:dataModel>
+      <dgm:ptLst>
+        <dgm:pt modelId="0" type="doc"/>
+        <dgm:pt modelId="1"/>
+        <dgm:pt modelId="2"/>
+        <dgm:pt modelId="21"/>
+        <dgm:pt modelId="211"/>
+        <dgm:pt modelId="3"/>
+        <dgm:pt modelId="31"/>
+        <dgm:pt modelId="311"/>
+      </dgm:ptLst>
+      <dgm:cxnLst>
+        <dgm:cxn modelId="4" srcId="0" destId="1" srcOrd="0" destOrd="0"/>
+        <dgm:cxn modelId="5" srcId="1" destId="2" srcOrd="0" destOrd="0"/>
+        <dgm:cxn modelId="6" srcId="1" destId="3" srcOrd="1" destOrd="0"/>
+        <dgm:cxn modelId="23" srcId="2" destId="21" srcOrd="0" destOrd="0"/>
+        <dgm:cxn modelId="24" srcId="21" destId="211" srcOrd="0" destOrd="0"/>
+        <dgm:cxn modelId="33" srcId="3" destId="31" srcOrd="0" destOrd="0"/>
+        <dgm:cxn modelId="34" srcId="31" destId="311" srcOrd="0" destOrd="0"/>
+      </dgm:cxnLst>
+      <dgm:bg/>
+      <dgm:whole/>
+    </dgm:dataModel>
+  </dgm:clrData>
+  <dgm:layoutNode name="hierChild1">
+    <dgm:varLst>
+      <dgm:chPref val="1"/>
+      <dgm:dir/>
+      <dgm:animOne val="branch"/>
+      <dgm:animLvl val="lvl"/>
+      <dgm:resizeHandles/>
+    </dgm:varLst>
+    <dgm:choose name="Name0">
+      <dgm:if name="Name1" func="var" arg="dir" op="equ" val="norm">
+        <dgm:alg type="hierChild">
+          <dgm:param type="linDir" val="fromL"/>
+        </dgm:alg>
+      </dgm:if>
+      <dgm:else name="Name2">
+        <dgm:alg type="hierChild">
+          <dgm:param type="linDir" val="fromR"/>
+        </dgm:alg>
+      </dgm:else>
+    </dgm:choose>
+    <dgm:shape xmlns:r="http://schemas.openxmlformats.org/officeDocument/2006/relationships" r:blip="">
+      <dgm:adjLst/>
+    </dgm:shape>
+    <dgm:presOf/>
+    <dgm:constrLst>
+      <dgm:constr type="primFontSz" for="des" ptType="node" op="equ" val="65"/>
+      <dgm:constr type="w" for="des" forName="composite" refType="w"/>
+      <dgm:constr type="h" for="des" forName="composite" refType="w" refFor="des" refForName="composite" fact="0.667"/>
+      <dgm:constr type="w" for="des" forName="composite2" refType="w" refFor="des" refForName="composite"/>
+      <dgm:constr type="h" for="des" forName="composite2" refType="h" refFor="des" refForName="composite"/>
+      <dgm:constr type="w" for="des" forName="composite3" refType="w" refFor="des" refForName="composite"/>
+      <dgm:constr type="h" for="des" forName="composite3" refType="h" refFor="des" refForName="composite"/>
+      <dgm:constr type="w" for="des" forName="composite4" refType="w" refFor="des" refForName="composite"/>
+      <dgm:constr type="h" for="des" forName="composite4" refType="h" refFor="des" refForName="composite"/>
+      <dgm:constr type="w" for="des" forName="composite5" refType="w" refFor="des" refForName="composite"/>
+      <dgm:constr type="h" for="des" forName="composite5" refType="h" refFor="des" refForName="composite"/>
+      <dgm:constr type="sibSp" refType="w" refFor="des" refForName="composite" fact="0.1"/>
+      <dgm:constr type="sibSp" for="des" forName="hierChild2" refType="sibSp"/>
+      <dgm:constr type="sibSp" for="des" forName="hierChild3" refType="sibSp"/>
+      <dgm:constr type="sibSp" for="des" forName="hierChild4" refType="sibSp"/>
+      <dgm:constr type="sibSp" for="des" forName="hierChild5" refType="sibSp"/>
+      <dgm:constr type="sibSp" for="des" forName="hierChild6" refType="sibSp"/>
+      <dgm:constr type="sp" for="des" forName="hierRoot1" refType="h" refFor="des" refForName="composite" fact="0.25"/>
+      <dgm:constr type="sp" for="des" forName="hierRoot2" refType="sp" refFor="des" refForName="hierRoot1"/>
+      <dgm:constr type="sp" for="des" forName="hierRoot3" refType="sp" refFor="des" refForName="hierRoot1"/>
+      <dgm:constr type="sp" for="des" forName="hierRoot4" refType="sp" refFor="des" refForName="hierRoot1"/>
+      <dgm:constr type="sp" for="des" forName="hierRoot5" refType="sp" refFor="des" refForName="hierRoot1"/>
+    </dgm:constrLst>
+    <dgm:ruleLst/>
+    <dgm:forEach name="Name3" axis="ch">
+      <dgm:forEach name="Name4" axis="self" ptType="node">
+        <dgm:layoutNode name="hierRoot1">
+          <dgm:alg type="hierRoot"/>
+          <dgm:shape xmlns:r="http://schemas.openxmlformats.org/officeDocument/2006/relationships" r:blip="">
+            <dgm:adjLst/>
+          </dgm:shape>
+          <dgm:presOf/>
+          <dgm:constrLst>
+            <dgm:constr type="bendDist" for="des" ptType="parTrans" refType="sp" fact="0.5"/>
+          </dgm:constrLst>
+          <dgm:ruleLst/>
+          <dgm:layoutNode name="composite">
+            <dgm:alg type="composite"/>
+            <dgm:shape xmlns:r="http://schemas.openxmlformats.org/officeDocument/2006/relationships" r:blip="">
+              <dgm:adjLst/>
+            </dgm:shape>
+            <dgm:presOf/>
+            <dgm:constrLst>
+              <dgm:constr type="w" for="ch" forName="background" refType="w" fact="0.9"/>
+              <dgm:constr type="h" for="ch" forName="background" refType="w" refFor="ch" refForName="background" fact="0.635"/>
+              <dgm:constr type="t" for="ch" forName="background"/>
+              <dgm:constr type="l" for="ch" forName="background"/>
+              <dgm:constr type="w" for="ch" forName="text" refType="w" fact="0.9"/>
+              <dgm:constr type="h" for="ch" forName="text" refType="w" refFor="ch" refForName="text" fact="0.635"/>
+              <dgm:constr type="t" for="ch" forName="text" refType="w" fact="0.095"/>
+              <dgm:constr type="l" for="ch" forName="text" refType="w" fact="0.1"/>
+            </dgm:constrLst>
+            <dgm:ruleLst/>
+            <dgm:layoutNode name="background" styleLbl="node0" moveWith="text">
+              <dgm:alg type="sp"/>
+              <dgm:shape xmlns:r="http://schemas.openxmlformats.org/officeDocument/2006/relationships" type="roundRect" r:blip="">
+                <dgm:adjLst>
+                  <dgm:adj idx="1" val="0.1"/>
+                </dgm:adjLst>
+              </dgm:shape>
+              <dgm:presOf/>
+              <dgm:constrLst/>
+              <dgm:ruleLst/>
+            </dgm:layoutNode>
+            <dgm:layoutNode name="text" styleLbl="fgAcc0">
+              <dgm:varLst>
+                <dgm:chPref val="3"/>
+              </dgm:varLst>
+              <dgm:alg type="tx"/>
+              <dgm:shape xmlns:r="http://schemas.openxmlformats.org/officeDocument/2006/relationships" type="roundRect" r:blip="">
+                <dgm:adjLst>
+                  <dgm:adj idx="1" val="0.1"/>
+                </dgm:adjLst>
+              </dgm:shape>
+              <dgm:presOf axis="self"/>
+              <dgm:constrLst>
+                <dgm:constr type="tMarg" refType="primFontSz" fact="0.3"/>
+                <dgm:constr type="bMarg" refType="primFontSz" fact="0.3"/>
+                <dgm:constr type="lMarg" refType="primFontSz" fact="0.3"/>
+                <dgm:constr type="rMarg" refType="primFontSz" fact="0.3"/>
+              </dgm:constrLst>
+              <dgm:ruleLst>
+                <dgm:rule type="primFontSz" val="5" fact="NaN" max="NaN"/>
+              </dgm:ruleLst>
+            </dgm:layoutNode>
+          </dgm:layoutNode>
+          <dgm:layoutNode name="hierChild2">
+            <dgm:choose name="Name5">
+              <dgm:if name="Name6" func="var" arg="dir" op="equ" val="norm">
+                <dgm:alg type="hierChild">
+                  <dgm:param type="linDir" val="fromL"/>
+                </dgm:alg>
+              </dgm:if>
+              <dgm:else name="Name7">
+                <dgm:alg type="hierChild">
+                  <dgm:param type="linDir" val="fromR"/>
+                </dgm:alg>
+              </dgm:else>
+            </dgm:choose>
+            <dgm:shape xmlns:r="http://schemas.openxmlformats.org/officeDocument/2006/relationships" r:blip="">
+              <dgm:adjLst/>
+            </dgm:shape>
+            <dgm:presOf/>
+            <dgm:constrLst/>
+            <dgm:ruleLst/>
+            <dgm:forEach name="Name8" axis="ch">
+              <dgm:forEach name="Name9" axis="self" ptType="parTrans" cnt="1">
+                <dgm:layoutNode name="Name10">
+                  <dgm:alg type="conn">
+                    <dgm:param type="dim" val="1D"/>
+                    <dgm:param type="endSty" val="noArr"/>
+                    <dgm:param type="connRout" val="bend"/>
+                    <dgm:param type="bendPt" val="end"/>
+                    <dgm:param type="begPts" val="bCtr"/>
+                    <dgm:param type="endPts" val="tCtr"/>
+                    <dgm:param type="srcNode" val="background"/>
+                    <dgm:param type="dstNode" val="background2"/>
+                  </dgm:alg>
+                  <dgm:shape xmlns:r="http://schemas.openxmlformats.org/officeDocument/2006/relationships" type="conn" r:blip="" zOrderOff="-999">
+                    <dgm:adjLst/>
+                  </dgm:shape>
+                  <dgm:presOf axis="self"/>
+                  <dgm:constrLst>
+                    <dgm:constr type="begPad"/>
+                    <dgm:constr type="endPad"/>
+                  </dgm:constrLst>
+                  <dgm:ruleLst/>
+                </dgm:layoutNode>
+              </dgm:forEach>
+              <dgm:forEach name="Name11" axis="self" ptType="node">
+                <dgm:layoutNode name="hierRoot2">
+                  <dgm:alg type="hierRoot"/>
+                  <dgm:shape xmlns:r="http://schemas.openxmlformats.org/officeDocument/2006/relationships" r:blip="">
+                    <dgm:adjLst/>
+                  </dgm:shape>
+                  <dgm:presOf/>
+                  <dgm:constrLst>
+                    <dgm:constr type="bendDist" for="des" ptType="parTrans" refType="sp" fact="0.5"/>
+                  </dgm:constrLst>
+                  <dgm:ruleLst/>
+                  <dgm:layoutNode name="composite2">
+                    <dgm:alg type="composite"/>
+                    <dgm:shape xmlns:r="http://schemas.openxmlformats.org/officeDocument/2006/relationships" r:blip="">
+                      <dgm:adjLst/>
+                    </dgm:shape>
+                    <dgm:presOf/>
+                    <dgm:constrLst>
+                      <dgm:constr type="w" for="ch" forName="background2" refType="w" fact="0.9"/>
+                      <dgm:constr type="h" for="ch" forName="background2" refType="w" refFor="ch" refForName="background2" fact="0.635"/>
+                      <dgm:constr type="t" for="ch" forName="background2"/>
+                      <dgm:constr type="l" for="ch" forName="background2"/>
+                      <dgm:constr type="w" for="ch" forName="text2" refType="w" fact="0.9"/>
+                      <dgm:constr type="h" for="ch" forName="text2" refType="w" refFor="ch" refForName="text2" fact="0.635"/>
+                      <dgm:constr type="t" for="ch" forName="text2" refType="w" fact="0.095"/>
+                      <dgm:constr type="l" for="ch" forName="text2" refType="w" fact="0.1"/>
+                    </dgm:constrLst>
+                    <dgm:ruleLst/>
+                    <dgm:layoutNode name="background2" moveWith="text2">
+                      <dgm:alg type="sp"/>
+                      <dgm:shape xmlns:r="http://schemas.openxmlformats.org/officeDocument/2006/relationships" type="roundRect" r:blip="">
+                        <dgm:adjLst>
+                          <dgm:adj idx="1" val="0.1"/>
+                        </dgm:adjLst>
+                      </dgm:shape>
+                      <dgm:presOf/>
+                      <dgm:constrLst/>
+                      <dgm:ruleLst/>
+                    </dgm:layoutNode>
+                    <dgm:layoutNode name="text2" styleLbl="fgAcc2">
+                      <dgm:varLst>
+                        <dgm:chPref val="3"/>
+                      </dgm:varLst>
+                      <dgm:alg type="tx"/>
+                      <dgm:shape xmlns:r="http://schemas.openxmlformats.org/officeDocument/2006/relationships" type="roundRect" r:blip="">
+                        <dgm:adjLst>
+                          <dgm:adj idx="1" val="0.1"/>
+                        </dgm:adjLst>
+                      </dgm:shape>
+                      <dgm:presOf axis="self"/>
+                      <dgm:constrLst>
+                        <dgm:constr type="tMarg" refType="primFontSz" fact="0.3"/>
+                        <dgm:constr type="bMarg" refType="primFontSz" fact="0.3"/>
+                        <dgm:constr type="lMarg" refType="primFontSz" fact="0.3"/>
+                        <dgm:constr type="rMarg" refType="primFontSz" fact="0.3"/>
+                      </dgm:constrLst>
+                      <dgm:ruleLst>
+                        <dgm:rule type="primFontSz" val="5" fact="NaN" max="NaN"/>
+                      </dgm:ruleLst>
+                    </dgm:layoutNode>
+                  </dgm:layoutNode>
+                  <dgm:layoutNode name="hierChild3">
+                    <dgm:choose name="Name12">
+                      <dgm:if name="Name13" func="var" arg="dir" op="equ" val="norm">
+                        <dgm:alg type="hierChild">
+                          <dgm:param type="linDir" val="fromL"/>
+                        </dgm:alg>
+                      </dgm:if>
+                      <dgm:else name="Name14">
+                        <dgm:alg type="hierChild">
+                          <dgm:param type="linDir" val="fromR"/>
+                        </dgm:alg>
+                      </dgm:else>
+                    </dgm:choose>
+                    <dgm:shape xmlns:r="http://schemas.openxmlformats.org/officeDocument/2006/relationships" r:blip="">
+                      <dgm:adjLst/>
+                    </dgm:shape>
+                    <dgm:presOf/>
+                    <dgm:constrLst/>
+                    <dgm:ruleLst/>
+                    <dgm:forEach name="Name15" axis="ch">
+                      <dgm:forEach name="Name16" axis="self" ptType="parTrans" cnt="1">
+                        <dgm:layoutNode name="Name17">
+                          <dgm:alg type="conn">
+                            <dgm:param type="dim" val="1D"/>
+                            <dgm:param type="endSty" val="noArr"/>
+                            <dgm:param type="connRout" val="bend"/>
+                            <dgm:param type="bendPt" val="end"/>
+                            <dgm:param type="begPts" val="bCtr"/>
+                            <dgm:param type="endPts" val="tCtr"/>
+                            <dgm:param type="srcNode" val="background2"/>
+                            <dgm:param type="dstNode" val="background3"/>
+                          </dgm:alg>
+                          <dgm:shape xmlns:r="http://schemas.openxmlformats.org/officeDocument/2006/relationships" type="conn" r:blip="" zOrderOff="-999">
+                            <dgm:adjLst/>
+                          </dgm:shape>
+                          <dgm:presOf axis="self"/>
+                          <dgm:constrLst>
+                            <dgm:constr type="begPad"/>
+                            <dgm:constr type="endPad"/>
+                          </dgm:constrLst>
+                          <dgm:ruleLst/>
+                        </dgm:layoutNode>
+                      </dgm:forEach>
+                      <dgm:forEach name="Name18" axis="self" ptType="node">
+                        <dgm:layoutNode name="hierRoot3">
+                          <dgm:alg type="hierRoot"/>
+                          <dgm:shape xmlns:r="http://schemas.openxmlformats.org/officeDocument/2006/relationships" r:blip="">
+                            <dgm:adjLst/>
+                          </dgm:shape>
+                          <dgm:presOf/>
+                          <dgm:constrLst>
+                            <dgm:constr type="bendDist" for="des" ptType="parTrans" refType="sp" fact="0.5"/>
+                          </dgm:constrLst>
+                          <dgm:ruleLst/>
+                          <dgm:layoutNode name="composite3">
+                            <dgm:alg type="composite"/>
+                            <dgm:shape xmlns:r="http://schemas.openxmlformats.org/officeDocument/2006/relationships" r:blip="">
+                              <dgm:adjLst/>
+                            </dgm:shape>
+                            <dgm:presOf/>
+                            <dgm:constrLst>
+                              <dgm:constr type="w" for="ch" forName="background3" refType="w" fact="0.9"/>
+                              <dgm:constr type="h" for="ch" forName="background3" refType="w" refFor="ch" refForName="background3" fact="0.635"/>
+                              <dgm:constr type="t" for="ch" forName="background3"/>
+                              <dgm:constr type="l" for="ch" forName="background3"/>
+                              <dgm:constr type="w" for="ch" forName="text3" refType="w" fact="0.9"/>
+                              <dgm:constr type="h" for="ch" forName="text3" refType="w" refFor="ch" refForName="text3" fact="0.635"/>
+                              <dgm:constr type="t" for="ch" forName="text3" refType="w" fact="0.095"/>
+                              <dgm:constr type="l" for="ch" forName="text3" refType="w" fact="0.1"/>
+                            </dgm:constrLst>
+                            <dgm:ruleLst/>
+                            <dgm:layoutNode name="background3" moveWith="text3">
+                              <dgm:alg type="sp"/>
+                              <dgm:shape xmlns:r="http://schemas.openxmlformats.org/officeDocument/2006/relationships" type="roundRect" r:blip="">
+                                <dgm:adjLst>
+                                  <dgm:adj idx="1" val="0.1"/>
+                                </dgm:adjLst>
+                              </dgm:shape>
+                              <dgm:presOf/>
+                              <dgm:constrLst/>
+                              <dgm:ruleLst/>
+                            </dgm:layoutNode>
+                            <dgm:layoutNode name="text3" styleLbl="fgAcc3">
+                              <dgm:varLst>
+                                <dgm:chPref val="3"/>
+                              </dgm:varLst>
+                              <dgm:alg type="tx"/>
+                              <dgm:shape xmlns:r="http://schemas.openxmlformats.org/officeDocument/2006/relationships" type="roundRect" r:blip="">
+                                <dgm:adjLst>
+                                  <dgm:adj idx="1" val="0.1"/>
+                                </dgm:adjLst>
+                              </dgm:shape>
+                              <dgm:presOf axis="self"/>
+                              <dgm:constrLst>
+                                <dgm:constr type="tMarg" refType="primFontSz" fact="0.3"/>
+                                <dgm:constr type="bMarg" refType="primFontSz" fact="0.3"/>
+                                <dgm:constr type="lMarg" refType="primFontSz" fact="0.3"/>
+                                <dgm:constr type="rMarg" refType="primFontSz" fact="0.3"/>
+                              </dgm:constrLst>
+                              <dgm:ruleLst>
+                                <dgm:rule type="primFontSz" val="5" fact="NaN" max="NaN"/>
+                              </dgm:ruleLst>
+                            </dgm:layoutNode>
+                          </dgm:layoutNode>
+                          <dgm:layoutNode name="hierChild4">
+                            <dgm:choose name="Name19">
+                              <dgm:if name="Name20" func="var" arg="dir" op="equ" val="norm">
+                                <dgm:alg type="hierChild">
+                                  <dgm:param type="linDir" val="fromL"/>
+                                </dgm:alg>
+                              </dgm:if>
+                              <dgm:else name="Name21">
+                                <dgm:alg type="hierChild">
+                                  <dgm:param type="linDir" val="fromR"/>
+                                </dgm:alg>
+                              </dgm:else>
+                            </dgm:choose>
+                            <dgm:shape xmlns:r="http://schemas.openxmlformats.org/officeDocument/2006/relationships" r:blip="">
+                              <dgm:adjLst/>
+                            </dgm:shape>
+                            <dgm:presOf/>
+                            <dgm:constrLst/>
+                            <dgm:ruleLst/>
+                            <dgm:forEach name="repeat" axis="ch">
+                              <dgm:forEach name="Name22" axis="self" ptType="parTrans" cnt="1">
+                                <dgm:layoutNode name="Name23">
+                                  <dgm:choose name="Name24">
+                                    <dgm:if name="Name25" axis="self" func="depth" op="lte" val="4">
+                                      <dgm:alg type="conn">
+                                        <dgm:param type="dim" val="1D"/>
+                                        <dgm:param type="endSty" val="noArr"/>
+                                        <dgm:param type="connRout" val="bend"/>
+                                        <dgm:param type="bendPt" val="end"/>
+                                        <dgm:param type="begPts" val="bCtr"/>
+                                        <dgm:param type="endPts" val="tCtr"/>
+                                        <dgm:param type="srcNode" val="background3"/>
+                                        <dgm:param type="dstNode" val="background4"/>
+                                      </dgm:alg>
+                                    </dgm:if>
+                                    <dgm:else name="Name26">
+                                      <dgm:alg type="conn">
+                                        <dgm:param type="dim" val="1D"/>
+                                        <dgm:param type="endSty" val="noArr"/>
+                                        <dgm:param type="connRout" val="bend"/>
+                                        <dgm:param type="bendPt" val="end"/>
+                                        <dgm:param type="begPts" val="bCtr"/>
+                                        <dgm:param type="endPts" val="tCtr"/>
+                                        <dgm:param type="srcNode" val="background4"/>
+                                        <dgm:param type="dstNode" val="background4"/>
+                                      </dgm:alg>
+                                    </dgm:else>
+                                  </dgm:choose>
+                                  <dgm:shape xmlns:r="http://schemas.openxmlformats.org/officeDocument/2006/relationships" type="conn" r:blip="" zOrderOff="-999">
+                                    <dgm:adjLst/>
+                                  </dgm:shape>
+                                  <dgm:presOf axis="self"/>
+                                  <dgm:constrLst>
+                                    <dgm:constr type="begPad"/>
+                                    <dgm:constr type="endPad"/>
+                                  </dgm:constrLst>
+                                  <dgm:ruleLst/>
+                                </dgm:layoutNode>
+                              </dgm:forEach>
+                              <dgm:forEach name="Name27" axis="self" ptType="node">
+                                <dgm:layoutNode name="hierRoot4">
+                                  <dgm:alg type="hierRoot"/>
+                                  <dgm:shape xmlns:r="http://schemas.openxmlformats.org/officeDocument/2006/relationships" r:blip="">
+                                    <dgm:adjLst/>
+                                  </dgm:shape>
+                                  <dgm:presOf/>
+                                  <dgm:constrLst>
+                                    <dgm:constr type="bendDist" for="des" ptType="parTrans" refType="sp" fact="0.5"/>
+                                  </dgm:constrLst>
+                                  <dgm:ruleLst/>
+                                  <dgm:layoutNode name="composite4">
+                                    <dgm:alg type="composite"/>
+                                    <dgm:shape xmlns:r="http://schemas.openxmlformats.org/officeDocument/2006/relationships" r:blip="">
+                                      <dgm:adjLst/>
+                                    </dgm:shape>
+                                    <dgm:presOf/>
+                                    <dgm:constrLst>
+                                      <dgm:constr type="w" for="ch" forName="background4" refType="w" fact="0.9"/>
+                                      <dgm:constr type="h" for="ch" forName="background4" refType="w" refFor="ch" refForName="background4" fact="0.635"/>
+                                      <dgm:constr type="t" for="ch" forName="background4"/>
+                                      <dgm:constr type="l" for="ch" forName="background4"/>
+                                      <dgm:constr type="w" for="ch" forName="text4" refType="w" fact="0.9"/>
+                                      <dgm:constr type="h" for="ch" forName="text4" refType="w" refFor="ch" refForName="text4" fact="0.635"/>
+                                      <dgm:constr type="t" for="ch" forName="text4" refType="w" fact="0.095"/>
+                                      <dgm:constr type="l" for="ch" forName="text4" refType="w" fact="0.1"/>
+                                    </dgm:constrLst>
+                                    <dgm:ruleLst/>
+                                    <dgm:layoutNode name="background4" moveWith="text4">
+                                      <dgm:alg type="sp"/>
+                                      <dgm:shape xmlns:r="http://schemas.openxmlformats.org/officeDocument/2006/relationships" type="roundRect" r:blip="">
+                                        <dgm:adjLst>
+                                          <dgm:adj idx="1" val="0.1"/>
+                                        </dgm:adjLst>
+                                      </dgm:shape>
+                                      <dgm:presOf/>
+                                      <dgm:constrLst/>
+                                      <dgm:ruleLst/>
+                                    </dgm:layoutNode>
+                                    <dgm:layoutNode name="text4" styleLbl="fgAcc4">
+                                      <dgm:varLst>
+                                        <dgm:chPref val="3"/>
+                                      </dgm:varLst>
+                                      <dgm:alg type="tx"/>
+                                      <dgm:shape xmlns:r="http://schemas.openxmlformats.org/officeDocument/2006/relationships" type="roundRect" r:blip="">
+                                        <dgm:adjLst>
+                                          <dgm:adj idx="1" val="0.1"/>
+                                        </dgm:adjLst>
+                                      </dgm:shape>
+                                      <dgm:presOf axis="self"/>
+                                      <dgm:constrLst>
+                                        <dgm:constr type="tMarg" refType="primFontSz" fact="0.3"/>
+                                        <dgm:constr type="bMarg" refType="primFontSz" fact="0.3"/>
+                                        <dgm:constr type="lMarg" refType="primFontSz" fact="0.3"/>
+                                        <dgm:constr type="rMarg" refType="primFontSz" fact="0.3"/>
+                                      </dgm:constrLst>
+                                      <dgm:ruleLst>
+                                        <dgm:rule type="primFontSz" val="5" fact="NaN" max="NaN"/>
+                                      </dgm:ruleLst>
+                                    </dgm:layoutNode>
+                                  </dgm:layoutNode>
+                                  <dgm:layoutNode name="hierChild5">
+                                    <dgm:choose name="Name28">
+                                      <dgm:if name="Name29" func="var" arg="dir" op="equ" val="norm">
+                                        <dgm:alg type="hierChild">
+                                          <dgm:param type="linDir" val="fromL"/>
+                                        </dgm:alg>
+                                      </dgm:if>
+                                      <dgm:else name="Name30">
+                                        <dgm:alg type="hierChild">
+                                          <dgm:param type="linDir" val="fromR"/>
+                                        </dgm:alg>
+                                      </dgm:else>
+                                    </dgm:choose>
+                                    <dgm:shape xmlns:r="http://schemas.openxmlformats.org/officeDocument/2006/relationships" r:blip="">
+                                      <dgm:adjLst/>
+                                    </dgm:shape>
+                                    <dgm:presOf/>
+                                    <dgm:constrLst/>
+                                    <dgm:ruleLst/>
+                                    <dgm:forEach name="Name31" ref="repeat"/>
+                                  </dgm:layoutNode>
+                                </dgm:layoutNode>
+                              </dgm:forEach>
+                            </dgm:forEach>
+                          </dgm:layoutNode>
+                        </dgm:layoutNode>
+                      </dgm:forEach>
+                    </dgm:forEach>
+                  </dgm:layoutNode>
+                </dgm:layoutNode>
+              </dgm:forEach>
+            </dgm:forEach>
+          </dgm:layoutNode>
+        </dgm:layoutNode>
+      </dgm:forEach>
+    </dgm:forEach>
+  </dgm:layoutNode>
+</dgm:layoutDef>
+</file>
+
+<file path=ppt/diagrams/quickStyle1.xml><?xml version="1.0" encoding="utf-8"?>
+<dgm:styleDef xmlns:dgm="http://schemas.openxmlformats.org/drawingml/2006/diagram" xmlns:a="http://schemas.openxmlformats.org/drawingml/2006/main" uniqueId="urn:microsoft.com/office/officeart/2005/8/quickstyle/simple4">
+  <dgm:title val=""/>
+  <dgm:desc val=""/>
+  <dgm:catLst>
+    <dgm:cat type="simple" pri="10400"/>
+  </dgm:catLst>
+  <dgm:scene3d>
+    <a:camera prst="orthographicFront"/>
+    <a:lightRig rig="threePt" dir="t"/>
+  </dgm:scene3d>
+  <dgm:styleLbl name="node0">
+    <dgm:scene3d>
+      <a:camera prst="orthographicFront"/>
+      <a:lightRig rig="threePt" dir="t"/>
+    </dgm:scene3d>
+    <dgm:sp3d/>
+    <dgm:txPr/>
+    <dgm:style>
+      <a:lnRef idx="0">
+        <a:scrgbClr r="0" g="0" b="0"/>
+      </a:lnRef>
+      <a:fillRef idx="3">
+        <a:scrgbClr r="0" g="0" b="0"/>
+      </a:fillRef>
+      <a:effectRef idx="2">
+        <a:scrgbClr r="0" g="0" b="0"/>
+      </a:effectRef>
+      <a:fontRef idx="minor">
+        <a:schemeClr val="lt1"/>
+      </a:fontRef>
+    </dgm:style>
+  </dgm:styleLbl>
+  <dgm:styleLbl name="lnNode1">
+    <dgm:scene3d>
+      <a:camera prst="orthographicFront"/>
+      <a:lightRig rig="threePt" dir="t"/>
+    </dgm:scene3d>
+    <dgm:sp3d/>
+    <dgm:txPr/>
+    <dgm:style>
+      <a:lnRef idx="1">
+        <a:scrgbClr r="0" g="0" b="0"/>
+      </a:lnRef>
+      <a:fillRef idx="3">
+        <a:scrgbClr r="0" g="0" b="0"/>
+      </a:fillRef>
+      <a:effectRef idx="2">
+        <a:scrgbClr r="0" g="0" b="0"/>
+      </a:effectRef>
+      <a:fontRef idx="minor">
+        <a:schemeClr val="lt1"/>
+      </a:fontRef>
+    </dgm:style>
+  </dgm:styleLbl>
+  <dgm:styleLbl name="vennNode1">
+    <dgm:scene3d>
+      <a:camera prst="orthographicFront"/>
+      <a:lightRig rig="threePt" dir="t"/>
+    </dgm:scene3d>
+    <dgm:sp3d/>
+    <dgm:txPr/>
+    <dgm:style>
+      <a:lnRef idx="0">
+        <a:scrgbClr r="0" g="0" b="0"/>
+      </a:lnRef>
+      <a:fillRef idx="3">
+        <a:scrgbClr r="0" g="0" b="0"/>
+      </a:fillRef>
+      <a:effectRef idx="0">
+        <a:scrgbClr r="0" g="0" b="0"/>
+      </a:effectRef>
+      <a:fontRef idx="minor">
+        <a:schemeClr val="tx1"/>
+      </a:fontRef>
+    </dgm:style>
+  </dgm:styleLbl>
+  <dgm:styleLbl name="alignNode1">
+    <dgm:scene3d>
+      <a:camera prst="orthographicFront"/>
+      <a:lightRig rig="threePt" dir="t"/>
+    </dgm:scene3d>
+    <dgm:sp3d/>
+    <dgm:txPr/>
+    <dgm:style>
+      <a:lnRef idx="1">
+        <a:scrgbClr r="0" g="0" b="0"/>
+      </a:lnRef>
+      <a:fillRef idx="3">
+        <a:scrgbClr r="0" g="0" b="0"/>
+      </a:fillRef>
+      <a:effectRef idx="2">
+        <a:scrgbClr r="0" g="0" b="0"/>
+      </a:effectRef>
+      <a:fontRef idx="minor">
+        <a:schemeClr val="lt1"/>
+      </a:fontRef>
+    </dgm:style>
+  </dgm:styleLbl>
+  <dgm:styleLbl name="node1">
+    <dgm:scene3d>
+      <a:camera prst="orthographicFront"/>
+      <a:lightRig rig="threePt" dir="t"/>
+    </dgm:scene3d>
+    <dgm:sp3d/>
+    <dgm:txPr/>
+    <dgm:style>
+      <a:lnRef idx="0">
+        <a:scrgbClr r="0" g="0" b="0"/>
+      </a:lnRef>
+      <a:fillRef idx="3">
+        <a:scrgbClr r="0" g="0" b="0"/>
+      </a:fillRef>
+      <a:effectRef idx="2">
+        <a:scrgbClr r="0" g="0" b="0"/>
+      </a:effectRef>
+      <a:fontRef idx="minor">
+        <a:schemeClr val="lt1"/>
+      </a:fontRef>
+    </dgm:style>
+  </dgm:styleLbl>
+  <dgm:styleLbl name="node2">
+    <dgm:scene3d>
+      <a:camera prst="orthographicFront"/>
+      <a:lightRig rig="threePt" dir="t"/>
+    </dgm:scene3d>
+    <dgm:sp3d/>
+    <dgm:txPr/>
+    <dgm:style>
+      <a:lnRef idx="0">
+        <a:scrgbClr r="0" g="0" b="0"/>
+      </a:lnRef>
+      <a:fillRef idx="3">
+        <a:scrgbClr r="0" g="0" b="0"/>
+      </a:fillRef>
+      <a:effectRef idx="2">
+        <a:scrgbClr r="0" g="0" b="0"/>
+      </a:effectRef>
+      <a:fontRef idx="minor">
+        <a:schemeClr val="lt1"/>
+      </a:fontRef>
+    </dgm:style>
+  </dgm:styleLbl>
+  <dgm:styleLbl name="node3">
+    <dgm:scene3d>
+      <a:camera prst="orthographicFront"/>
+      <a:lightRig rig="threePt" dir="t"/>
+    </dgm:scene3d>
+    <dgm:sp3d/>
+    <dgm:txPr/>
+    <dgm:style>
+      <a:lnRef idx="0">
+        <a:scrgbClr r="0" g="0" b="0"/>
+      </a:lnRef>
+      <a:fillRef idx="3">
+        <a:scrgbClr r="0" g="0" b="0"/>
+      </a:fillRef>
+      <a:effectRef idx="2">
+        <a:scrgbClr r="0" g="0" b="0"/>
+      </a:effectRef>
+      <a:fontRef idx="minor">
+        <a:schemeClr val="lt1"/>
+      </a:fontRef>
+    </dgm:style>
+  </dgm:styleLbl>
+  <dgm:styleLbl name="node4">
+    <dgm:scene3d>
+      <a:camera prst="orthographicFront"/>
+      <a:lightRig rig="threePt" dir="t"/>
+    </dgm:scene3d>
+    <dgm:sp3d/>
+    <dgm:txPr/>
+    <dgm:style>
+      <a:lnRef idx="0">
+        <a:scrgbClr r="0" g="0" b="0"/>
+      </a:lnRef>
+      <a:fillRef idx="3">
+        <a:scrgbClr r="0" g="0" b="0"/>
+      </a:fillRef>
+      <a:effectRef idx="2">
+        <a:scrgbClr r="0" g="0" b="0"/>
+      </a:effectRef>
+      <a:fontRef idx="minor">
+        <a:schemeClr val="lt1"/>
+      </a:fontRef>
+    </dgm:style>
+  </dgm:styleLbl>
+  <dgm:styleLbl name="fgImgPlace1">
+    <dgm:scene3d>
+      <a:camera prst="orthographicFront"/>
+      <a:lightRig rig="threePt" dir="t"/>
+    </dgm:scene3d>
+    <dgm:sp3d/>
+    <dgm:txPr/>
+    <dgm:style>
+      <a:lnRef idx="0">
+        <a:scrgbClr r="0" g="0" b="0"/>
+      </a:lnRef>
+      <a:fillRef idx="1">
+        <a:scrgbClr r="0" g="0" b="0"/>
+      </a:fillRef>
+      <a:effectRef idx="2">
+        <a:scrgbClr r="0" g="0" b="0"/>
+      </a:effectRef>
+      <a:fontRef idx="minor"/>
+    </dgm:style>
+  </dgm:styleLbl>
+  <dgm:styleLbl name="alignImgPlace1">
+    <dgm:scene3d>
+      <a:camera prst="orthographicFront"/>
+      <a:lightRig rig="threePt" dir="t"/>
+    </dgm:scene3d>
+    <dgm:sp3d/>
+    <dgm:txPr/>
+    <dgm:style>
+      <a:lnRef idx="0">
+        <a:scrgbClr r="0" g="0" b="0"/>
+      </a:lnRef>
+      <a:fillRef idx="1">
+        <a:scrgbClr r="0" g="0" b="0"/>
+      </a:fillRef>
+      <a:effectRef idx="2">
+        <a:scrgbClr r="0" g="0" b="0"/>
+      </a:effectRef>
+      <a:fontRef idx="minor"/>
+    </dgm:style>
+  </dgm:styleLbl>
+  <dgm:styleLbl name="bgImgPlace1">
+    <dgm:scene3d>
+      <a:camera prst="orthographicFront"/>
+      <a:lightRig rig="threePt" dir="t"/>
+    </dgm:scene3d>
+    <dgm:sp3d/>
+    <dgm:txPr/>
+    <dgm:style>
+      <a:lnRef idx="0">
+        <a:scrgbClr r="0" g="0" b="0"/>
+      </a:lnRef>
+      <a:fillRef idx="1">
+        <a:scrgbClr r="0" g="0" b="0"/>
+      </a:fillRef>
+      <a:effectRef idx="2">
+        <a:scrgbClr r="0" g="0" b="0"/>
+      </a:effectRef>
+      <a:fontRef idx="minor"/>
+    </dgm:style>
+  </dgm:styleLbl>
+  <dgm:styleLbl name="sibTrans2D1">
+    <dgm:scene3d>
+      <a:camera prst="orthographicFront"/>
+      <a:lightRig rig="threePt" dir="t"/>
+    </dgm:scene3d>
+    <dgm:sp3d/>
+    <dgm:txPr/>
+    <dgm:style>
+      <a:lnRef idx="0">
+        <a:scrgbClr r="0" g="0" b="0"/>
+      </a:lnRef>
+      <a:fillRef idx="3">
+        <a:scrgbClr r="0" g="0" b="0"/>
+      </a:fillRef>
+      <a:effectRef idx="2">
+        <a:scrgbClr r="0" g="0" b="0"/>
+      </a:effectRef>
+      <a:fontRef idx="minor">
+        <a:schemeClr val="lt1"/>
+      </a:fontRef>
+    </dgm:style>
+  </dgm:styleLbl>
+  <dgm:styleLbl name="fgSibTrans2D1">
+    <dgm:scene3d>
+      <a:camera prst="orthographicFront"/>
+      <a:lightRig rig="threePt" dir="t"/>
+    </dgm:scene3d>
+    <dgm:sp3d/>
+    <dgm:txPr/>
+    <dgm:style>
+      <a:lnRef idx="0">
+        <a:scrgbClr r="0" g="0" b="0"/>
+      </a:lnRef>
+      <a:fillRef idx="3">
+        <a:scrgbClr r="0" g="0" b="0"/>
+      </a:fillRef>
+      <a:effectRef idx="2">
+        <a:scrgbClr r="0" g="0" b="0"/>
+      </a:effectRef>
+      <a:fontRef idx="minor">
+        <a:schemeClr val="lt1"/>
+      </a:fontRef>
+    </dgm:style>
+  </dgm:styleLbl>
+  <dgm:styleLbl name="bgSibTrans2D1">
+    <dgm:scene3d>
+      <a:camera prst="orthographicFront"/>
+      <a:lightRig rig="threePt" dir="t"/>
+    </dgm:scene3d>
+    <dgm:sp3d/>
+    <dgm:txPr/>
+    <dgm:style>
+      <a:lnRef idx="0">
+        <a:scrgbClr r="0" g="0" b="0"/>
+      </a:lnRef>
+      <a:fillRef idx="3">
+        <a:scrgbClr r="0" g="0" b="0"/>
+      </a:fillRef>
+      <a:effectRef idx="2">
+        <a:scrgbClr r="0" g="0" b="0"/>
+      </a:effectRef>
+      <a:fontRef idx="minor">
+        <a:schemeClr val="lt1"/>
+      </a:fontRef>
+    </dgm:style>
+  </dgm:styleLbl>
+  <dgm:styleLbl name="sibTrans1D1">
+    <dgm:scene3d>
+      <a:camera prst="orthographicFront"/>
+      <a:lightRig rig="threePt" dir="t"/>
+    </dgm:scene3d>
+    <dgm:sp3d/>
+    <dgm:txPr/>
+    <dgm:style>
+      <a:lnRef idx="1">
+        <a:scrgbClr r="0" g="0" b="0"/>
+      </a:lnRef>
+      <a:fillRef idx="0">
+        <a:scrgbClr r="0" g="0" b="0"/>
+      </a:fillRef>
+      <a:effectRef idx="0">
+        <a:scrgbClr r="0" g="0" b="0"/>
+      </a:effectRef>
+      <a:fontRef idx="minor"/>
+    </dgm:style>
+  </dgm:styleLbl>
+  <dgm:styleLbl name="callout">
+    <dgm:scene3d>
+      <a:camera prst="orthographicFront"/>
+      <a:lightRig rig="threePt" dir="t"/>
+    </dgm:scene3d>
+    <dgm:sp3d/>
+    <dgm:txPr/>
+    <dgm:style>
+      <a:lnRef idx="2">
+        <a:scrgbClr r="0" g="0" b="0"/>
+      </a:lnRef>
+      <a:fillRef idx="1">
+        <a:scrgbClr r="0" g="0" b="0"/>
+      </a:fillRef>
+      <a:effectRef idx="1">
+        <a:scrgbClr r="0" g="0" b="0"/>
+      </a:effectRef>
+      <a:fontRef idx="minor"/>
+    </dgm:style>
+  </dgm:styleLbl>
+  <dgm:styleLbl name="asst0">
+    <dgm:scene3d>
+      <a:camera prst="orthographicFront"/>
+      <a:lightRig rig="threePt" dir="t"/>
+    </dgm:scene3d>
+    <dgm:sp3d/>
+    <dgm:txPr/>
+    <dgm:style>
+      <a:lnRef idx="0">
+        <a:scrgbClr r="0" g="0" b="0"/>
+      </a:lnRef>
+      <a:fillRef idx="3">
+        <a:scrgbClr r="0" g="0" b="0"/>
+      </a:fillRef>
+      <a:effectRef idx="2">
+        <a:scrgbClr r="0" g="0" b="0"/>
+      </a:effectRef>
+      <a:fontRef idx="minor">
+        <a:schemeClr val="lt1"/>
+      </a:fontRef>
+    </dgm:style>
+  </dgm:styleLbl>
+  <dgm:styleLbl name="asst1">
+    <dgm:scene3d>
+      <a:camera prst="orthographicFront"/>
+      <a:lightRig rig="threePt" dir="t"/>
+    </dgm:scene3d>
+    <dgm:sp3d/>
+    <dgm:txPr/>
+    <dgm:style>
+      <a:lnRef idx="0">
+        <a:scrgbClr r="0" g="0" b="0"/>
+      </a:lnRef>
+      <a:fillRef idx="3">
+        <a:scrgbClr r="0" g="0" b="0"/>
+      </a:fillRef>
+      <a:effectRef idx="2">
+        <a:scrgbClr r="0" g="0" b="0"/>
+      </a:effectRef>
+      <a:fontRef idx="minor">
+        <a:schemeClr val="lt1"/>
+      </a:fontRef>
+    </dgm:style>
+  </dgm:styleLbl>
+  <dgm:styleLbl name="asst2">
+    <dgm:scene3d>
+      <a:camera prst="orthographicFront"/>
+      <a:lightRig rig="threePt" dir="t"/>
+    </dgm:scene3d>
+    <dgm:sp3d/>
+    <dgm:txPr/>
+    <dgm:style>
+      <a:lnRef idx="0">
+        <a:scrgbClr r="0" g="0" b="0"/>
+      </a:lnRef>
+      <a:fillRef idx="3">
+        <a:scrgbClr r="0" g="0" b="0"/>
+      </a:fillRef>
+      <a:effectRef idx="2">
+        <a:scrgbClr r="0" g="0" b="0"/>
+      </a:effectRef>
+      <a:fontRef idx="minor">
+        <a:schemeClr val="lt1"/>
+      </a:fontRef>
+    </dgm:style>
+  </dgm:styleLbl>
+  <dgm:styleLbl name="asst3">
+    <dgm:scene3d>
+      <a:camera prst="orthographicFront"/>
+      <a:lightRig rig="threePt" dir="t"/>
+    </dgm:scene3d>
+    <dgm:sp3d/>
+    <dgm:txPr/>
+    <dgm:style>
+      <a:lnRef idx="0">
+        <a:scrgbClr r="0" g="0" b="0"/>
+      </a:lnRef>
+      <a:fillRef idx="3">
+        <a:scrgbClr r="0" g="0" b="0"/>
+      </a:fillRef>
+      <a:effectRef idx="2">
+        <a:scrgbClr r="0" g="0" b="0"/>
+      </a:effectRef>
+      <a:fontRef idx="minor">
+        <a:schemeClr val="lt1"/>
+      </a:fontRef>
+    </dgm:style>
+  </dgm:styleLbl>
+  <dgm:styleLbl name="asst4">
+    <dgm:scene3d>
+      <a:camera prst="orthographicFront"/>
+      <a:lightRig rig="threePt" dir="t"/>
+    </dgm:scene3d>
+    <dgm:sp3d/>
+    <dgm:txPr/>
+    <dgm:style>
+      <a:lnRef idx="0">
+        <a:scrgbClr r="0" g="0" b="0"/>
+      </a:lnRef>
+      <a:fillRef idx="3">
+        <a:scrgbClr r="0" g="0" b="0"/>
+      </a:fillRef>
+      <a:effectRef idx="2">
+        <a:scrgbClr r="0" g="0" b="0"/>
+      </a:effectRef>
+      <a:fontRef idx="minor">
+        <a:schemeClr val="lt1"/>
+      </a:fontRef>
+    </dgm:style>
+  </dgm:styleLbl>
+  <dgm:styleLbl name="parChTrans2D1">
+    <dgm:scene3d>
+      <a:camera prst="orthographicFront"/>
+      <a:lightRig rig="threePt" dir="t"/>
+    </dgm:scene3d>
+    <dgm:sp3d/>
+    <dgm:txPr/>
+    <dgm:style>
+      <a:lnRef idx="0">
+        <a:scrgbClr r="0" g="0" b="0"/>
+      </a:lnRef>
+      <a:fillRef idx="3">
+        <a:scrgbClr r="0" g="0" b="0"/>
+      </a:fillRef>
+      <a:effectRef idx="2">
+        <a:scrgbClr r="0" g="0" b="0"/>
+      </a:effectRef>
+      <a:fontRef idx="minor">
+        <a:schemeClr val="lt1"/>
+      </a:fontRef>
+    </dgm:style>
+  </dgm:styleLbl>
+  <dgm:styleLbl name="parChTrans2D2">
+    <dgm:scene3d>
+      <a:camera prst="orthographicFront"/>
+      <a:lightRig rig="threePt" dir="t"/>
+    </dgm:scene3d>
+    <dgm:sp3d/>
+    <dgm:txPr/>
+    <dgm:style>
+      <a:lnRef idx="0">
+        <a:scrgbClr r="0" g="0" b="0"/>
+      </a:lnRef>
+      <a:fillRef idx="3">
+        <a:scrgbClr r="0" g="0" b="0"/>
+      </a:fillRef>
+      <a:effectRef idx="2">
+        <a:scrgbClr r="0" g="0" b="0"/>
+      </a:effectRef>
+      <a:fontRef idx="minor">
+        <a:schemeClr val="lt1"/>
+      </a:fontRef>
+    </dgm:style>
+  </dgm:styleLbl>
+  <dgm:styleLbl name="parChTrans2D3">
+    <dgm:scene3d>
+      <a:camera prst="orthographicFront"/>
+      <a:lightRig rig="threePt" dir="t"/>
+    </dgm:scene3d>
+    <dgm:sp3d/>
+    <dgm:txPr/>
+    <dgm:style>
+      <a:lnRef idx="1">
+        <a:scrgbClr r="0" g="0" b="0"/>
+      </a:lnRef>
+      <a:fillRef idx="3">
+        <a:scrgbClr r="0" g="0" b="0"/>
+      </a:fillRef>
+      <a:effectRef idx="2">
+        <a:scrgbClr r="0" g="0" b="0"/>
+      </a:effectRef>
+      <a:fontRef idx="minor">
+        <a:schemeClr val="lt1"/>
+      </a:fontRef>
+    </dgm:style>
+  </dgm:styleLbl>
+  <dgm:styleLbl name="parChTrans2D4">
+    <dgm:scene3d>
+      <a:camera prst="orthographicFront"/>
+      <a:lightRig rig="threePt" dir="t"/>
+    </dgm:scene3d>
+    <dgm:sp3d/>
+    <dgm:txPr/>
+    <dgm:style>
+      <a:lnRef idx="1">
+        <a:scrgbClr r="0" g="0" b="0"/>
+      </a:lnRef>
+      <a:fillRef idx="3">
+        <a:scrgbClr r="0" g="0" b="0"/>
+      </a:fillRef>
+      <a:effectRef idx="2">
+        <a:scrgbClr r="0" g="0" b="0"/>
+      </a:effectRef>
+      <a:fontRef idx="minor">
+        <a:schemeClr val="lt1"/>
+      </a:fontRef>
+    </dgm:style>
+  </dgm:styleLbl>
+  <dgm:styleLbl name="parChTrans1D1">
+    <dgm:scene3d>
+      <a:camera prst="orthographicFront"/>
+      <a:lightRig rig="threePt" dir="t"/>
+    </dgm:scene3d>
+    <dgm:sp3d/>
+    <dgm:txPr/>
+    <dgm:style>
+      <a:lnRef idx="1">
+        <a:scrgbClr r="0" g="0" b="0"/>
+      </a:lnRef>
+      <a:fillRef idx="0">
+        <a:scrgbClr r="0" g="0" b="0"/>
+      </a:fillRef>
+      <a:effectRef idx="0">
+        <a:scrgbClr r="0" g="0" b="0"/>
+      </a:effectRef>
+      <a:fontRef idx="minor"/>
+    </dgm:style>
+  </dgm:styleLbl>
+  <dgm:styleLbl name="parChTrans1D2">
+    <dgm:scene3d>
+      <a:camera prst="orthographicFront"/>
+      <a:lightRig rig="threePt" dir="t"/>
+    </dgm:scene3d>
+    <dgm:sp3d/>
+    <dgm:txPr/>
+    <dgm:style>
+      <a:lnRef idx="1">
+        <a:scrgbClr r="0" g="0" b="0"/>
+      </a:lnRef>
+      <a:fillRef idx="0">
+        <a:scrgbClr r="0" g="0" b="0"/>
+      </a:fillRef>
+      <a:effectRef idx="0">
+        <a:scrgbClr r="0" g="0" b="0"/>
+      </a:effectRef>
+      <a:fontRef idx="minor"/>
+    </dgm:style>
+  </dgm:styleLbl>
+  <dgm:styleLbl name="parChTrans1D3">
+    <dgm:scene3d>
+      <a:camera prst="orthographicFront"/>
+      <a:lightRig rig="threePt" dir="t"/>
+    </dgm:scene3d>
+    <dgm:sp3d/>
+    <dgm:txPr/>
+    <dgm:style>
+      <a:lnRef idx="1">
+        <a:scrgbClr r="0" g="0" b="0"/>
+      </a:lnRef>
+      <a:fillRef idx="0">
+        <a:scrgbClr r="0" g="0" b="0"/>
+      </a:fillRef>
+      <a:effectRef idx="0">
+        <a:scrgbClr r="0" g="0" b="0"/>
+      </a:effectRef>
+      <a:fontRef idx="minor"/>
+    </dgm:style>
+  </dgm:styleLbl>
+  <dgm:styleLbl name="parChTrans1D4">
+    <dgm:scene3d>
+      <a:camera prst="orthographicFront"/>
+      <a:lightRig rig="threePt" dir="t"/>
+    </dgm:scene3d>
+    <dgm:sp3d/>
+    <dgm:txPr/>
+    <dgm:style>
+      <a:lnRef idx="1">
+        <a:scrgbClr r="0" g="0" b="0"/>
+      </a:lnRef>
+      <a:fillRef idx="0">
+        <a:scrgbClr r="0" g="0" b="0"/>
+      </a:fillRef>
+      <a:effectRef idx="0">
+        <a:scrgbClr r="0" g="0" b="0"/>
+      </a:effectRef>
+      <a:fontRef idx="minor"/>
+    </dgm:style>
+  </dgm:styleLbl>
+  <dgm:styleLbl name="fgAcc1">
+    <dgm:scene3d>
+      <a:camera prst="orthographicFront"/>
+      <a:lightRig rig="threePt" dir="t"/>
+    </dgm:scene3d>
+    <dgm:sp3d/>
+    <dgm:txPr/>
+    <dgm:style>
+      <a:lnRef idx="1">
+        <a:scrgbClr r="0" g="0" b="0"/>
+      </a:lnRef>
+      <a:fillRef idx="1">
+        <a:scrgbClr r="0" g="0" b="0"/>
+      </a:fillRef>
+      <a:effectRef idx="0">
+        <a:scrgbClr r="0" g="0" b="0"/>
+      </a:effectRef>
+      <a:fontRef idx="minor"/>
+    </dgm:style>
+  </dgm:styleLbl>
+  <dgm:styleLbl name="conFgAcc1">
+    <dgm:scene3d>
+      <a:camera prst="orthographicFront"/>
+      <a:lightRig rig="threePt" dir="t"/>
+    </dgm:scene3d>
+    <dgm:sp3d/>
+    <dgm:txPr/>
+    <dgm:style>
+      <a:lnRef idx="1">
+        <a:scrgbClr r="0" g="0" b="0"/>
+      </a:lnRef>
+      <a:fillRef idx="1">
+        <a:scrgbClr r="0" g="0" b="0"/>
+      </a:fillRef>
+      <a:effectRef idx="0">
+        <a:scrgbClr r="0" g="0" b="0"/>
+      </a:effectRef>
+      <a:fontRef idx="minor"/>
+    </dgm:style>
+  </dgm:styleLbl>
+  <dgm:styleLbl name="alignAcc1">
+    <dgm:scene3d>
+      <a:camera prst="orthographicFront"/>
+      <a:lightRig rig="threePt" dir="t"/>
+    </dgm:scene3d>
+    <dgm:sp3d/>
+    <dgm:txPr/>
+    <dgm:style>
+      <a:lnRef idx="1">
+        <a:scrgbClr r="0" g="0" b="0"/>
+      </a:lnRef>
+      <a:fillRef idx="1">
+        <a:scrgbClr r="0" g="0" b="0"/>
+      </a:fillRef>
+      <a:effectRef idx="0">
+        <a:scrgbClr r="0" g="0" b="0"/>
+      </a:effectRef>
+      <a:fontRef idx="minor"/>
+    </dgm:style>
+  </dgm:styleLbl>
+  <dgm:styleLbl name="trAlignAcc1">
+    <dgm:scene3d>
+      <a:camera prst="orthographicFront"/>
+      <a:lightRig rig="threePt" dir="t"/>
+    </dgm:scene3d>
+    <dgm:sp3d/>
+    <dgm:txPr/>
+    <dgm:style>
+      <a:lnRef idx="1">
+        <a:scrgbClr r="0" g="0" b="0"/>
+      </a:lnRef>
+      <a:fillRef idx="1">
+        <a:scrgbClr r="0" g="0" b="0"/>
+      </a:fillRef>
+      <a:effectRef idx="0">
+        <a:scrgbClr r="0" g="0" b="0"/>
+      </a:effectRef>
+      <a:fontRef idx="minor"/>
+    </dgm:style>
+  </dgm:styleLbl>
+  <dgm:styleLbl name="bgAcc1">
+    <dgm:scene3d>
+      <a:camera prst="orthographicFront"/>
+      <a:lightRig rig="threePt" dir="t"/>
+    </dgm:scene3d>
+    <dgm:sp3d/>
+    <dgm:txPr/>
+    <dgm:style>
+      <a:lnRef idx="1">
+        <a:scrgbClr r="0" g="0" b="0"/>
+      </a:lnRef>
+      <a:fillRef idx="1">
+        <a:scrgbClr r="0" g="0" b="0"/>
+      </a:fillRef>
+      <a:effectRef idx="0">
+        <a:scrgbClr r="0" g="0" b="0"/>
+      </a:effectRef>
+      <a:fontRef idx="minor"/>
+    </dgm:style>
+  </dgm:styleLbl>
+  <dgm:styleLbl name="solidFgAcc1">
+    <dgm:scene3d>
+      <a:camera prst="orthographicFront"/>
+      <a:lightRig rig="threePt" dir="t"/>
+    </dgm:scene3d>
+    <dgm:sp3d/>
+    <dgm:txPr/>
+    <dgm:style>
+      <a:lnRef idx="1">
+        <a:scrgbClr r="0" g="0" b="0"/>
+      </a:lnRef>
+      <a:fillRef idx="1">
+        <a:scrgbClr r="0" g="0" b="0"/>
+      </a:fillRef>
+      <a:effectRef idx="0">
+        <a:scrgbClr r="0" g="0" b="0"/>
+      </a:effectRef>
+      <a:fontRef idx="minor"/>
+    </dgm:style>
+  </dgm:styleLbl>
+  <dgm:styleLbl name="solidAlignAcc1">
+    <dgm:scene3d>
+      <a:camera prst="orthographicFront"/>
+      <a:lightRig rig="threePt" dir="t"/>
+    </dgm:scene3d>
+    <dgm:sp3d/>
+    <dgm:txPr/>
+    <dgm:style>
+      <a:lnRef idx="1">
+        <a:scrgbClr r="0" g="0" b="0"/>
+      </a:lnRef>
+      <a:fillRef idx="1">
+        <a:scrgbClr r="0" g="0" b="0"/>
+      </a:fillRef>
+      <a:effectRef idx="0">
+        <a:scrgbClr r="0" g="0" b="0"/>
+      </a:effectRef>
+      <a:fontRef idx="minor"/>
+    </dgm:style>
+  </dgm:styleLbl>
+  <dgm:styleLbl name="solidBgAcc1">
+    <dgm:scene3d>
+      <a:camera prst="orthographicFront"/>
+      <a:lightRig rig="threePt" dir="t"/>
+    </dgm:scene3d>
+    <dgm:sp3d/>
+    <dgm:txPr/>
+    <dgm:style>
+      <a:lnRef idx="1">
+        <a:scrgbClr r="0" g="0" b="0"/>
+      </a:lnRef>
+      <a:fillRef idx="1">
+        <a:scrgbClr r="0" g="0" b="0"/>
+      </a:fillRef>
+      <a:effectRef idx="0">
+        <a:scrgbClr r="0" g="0" b="0"/>
+      </a:effectRef>
+      <a:fontRef idx="minor"/>
+    </dgm:style>
+  </dgm:styleLbl>
+  <dgm:styleLbl name="fgAccFollowNode1">
+    <dgm:scene3d>
+      <a:camera prst="orthographicFront"/>
+      <a:lightRig rig="threePt" dir="t"/>
+    </dgm:scene3d>
+    <dgm:sp3d/>
+    <dgm:txPr/>
+    <dgm:style>
+      <a:lnRef idx="1">
+        <a:scrgbClr r="0" g="0" b="0"/>
+      </a:lnRef>
+      <a:fillRef idx="1">
+        <a:scrgbClr r="0" g="0" b="0"/>
+      </a:fillRef>
+      <a:effectRef idx="0">
+        <a:scrgbClr r="0" g="0" b="0"/>
+      </a:effectRef>
+      <a:fontRef idx="minor"/>
+    </dgm:style>
+  </dgm:styleLbl>
+  <dgm:styleLbl name="alignAccFollowNode1">
+    <dgm:scene3d>
+      <a:camera prst="orthographicFront"/>
+      <a:lightRig rig="threePt" dir="t"/>
+    </dgm:scene3d>
+    <dgm:sp3d/>
+    <dgm:txPr/>
+    <dgm:style>
+      <a:lnRef idx="1">
+        <a:scrgbClr r="0" g="0" b="0"/>
+      </a:lnRef>
+      <a:fillRef idx="1">
+        <a:scrgbClr r="0" g="0" b="0"/>
+      </a:fillRef>
+      <a:effectRef idx="0">
+        <a:scrgbClr r="0" g="0" b="0"/>
+      </a:effectRef>
+      <a:fontRef idx="minor"/>
+    </dgm:style>
+  </dgm:styleLbl>
+  <dgm:styleLbl name="bgAccFollowNode1">
+    <dgm:scene3d>
+      <a:camera prst="orthographicFront"/>
+      <a:lightRig rig="threePt" dir="t"/>
+    </dgm:scene3d>
+    <dgm:sp3d/>
+    <dgm:txPr/>
+    <dgm:style>
+      <a:lnRef idx="1">
+        <a:scrgbClr r="0" g="0" b="0"/>
+      </a:lnRef>
+      <a:fillRef idx="1">
+        <a:scrgbClr r="0" g="0" b="0"/>
+      </a:fillRef>
+      <a:effectRef idx="0">
+        <a:scrgbClr r="0" g="0" b="0"/>
+      </a:effectRef>
+      <a:fontRef idx="minor"/>
+    </dgm:style>
+  </dgm:styleLbl>
+  <dgm:styleLbl name="fgAcc0">
+    <dgm:scene3d>
+      <a:camera prst="orthographicFront"/>
+      <a:lightRig rig="threePt" dir="t"/>
+    </dgm:scene3d>
+    <dgm:sp3d/>
+    <dgm:txPr/>
+    <dgm:style>
+      <a:lnRef idx="1">
+        <a:scrgbClr r="0" g="0" b="0"/>
+      </a:lnRef>
+      <a:fillRef idx="1">
+        <a:scrgbClr r="0" g="0" b="0"/>
+      </a:fillRef>
+      <a:effectRef idx="0">
+        <a:scrgbClr r="0" g="0" b="0"/>
+      </a:effectRef>
+      <a:fontRef idx="minor"/>
+    </dgm:style>
+  </dgm:styleLbl>
+  <dgm:styleLbl name="fgAcc2">
+    <dgm:scene3d>
+      <a:camera prst="orthographicFront"/>
+      <a:lightRig rig="threePt" dir="t"/>
+    </dgm:scene3d>
+    <dgm:sp3d/>
+    <dgm:txPr/>
+    <dgm:style>
+      <a:lnRef idx="1">
+        <a:scrgbClr r="0" g="0" b="0"/>
+      </a:lnRef>
+      <a:fillRef idx="1">
+        <a:scrgbClr r="0" g="0" b="0"/>
+      </a:fillRef>
+      <a:effectRef idx="0">
+        <a:scrgbClr r="0" g="0" b="0"/>
+      </a:effectRef>
+      <a:fontRef idx="minor"/>
+    </dgm:style>
+  </dgm:styleLbl>
+  <dgm:styleLbl name="fgAcc3">
+    <dgm:scene3d>
+      <a:camera prst="orthographicFront"/>
+      <a:lightRig rig="threePt" dir="t"/>
+    </dgm:scene3d>
+    <dgm:sp3d/>
+    <dgm:txPr/>
+    <dgm:style>
+      <a:lnRef idx="1">
+        <a:scrgbClr r="0" g="0" b="0"/>
+      </a:lnRef>
+      <a:fillRef idx="1">
+        <a:scrgbClr r="0" g="0" b="0"/>
+      </a:fillRef>
+      <a:effectRef idx="0">
+        <a:scrgbClr r="0" g="0" b="0"/>
+      </a:effectRef>
+      <a:fontRef idx="minor"/>
+    </dgm:style>
+  </dgm:styleLbl>
+  <dgm:styleLbl name="fgAcc4">
+    <dgm:scene3d>
+      <a:camera prst="orthographicFront"/>
+      <a:lightRig rig="threePt" dir="t"/>
+    </dgm:scene3d>
+    <dgm:sp3d/>
+    <dgm:txPr/>
+    <dgm:style>
+      <a:lnRef idx="1">
+        <a:scrgbClr r="0" g="0" b="0"/>
+      </a:lnRef>
+      <a:fillRef idx="1">
+        <a:scrgbClr r="0" g="0" b="0"/>
+      </a:fillRef>
+      <a:effectRef idx="0">
+        <a:scrgbClr r="0" g="0" b="0"/>
+      </a:effectRef>
+      <a:fontRef idx="minor"/>
+    </dgm:style>
+  </dgm:styleLbl>
+  <dgm:styleLbl name="bgShp">
+    <dgm:scene3d>
+      <a:camera prst="orthographicFront"/>
+      <a:lightRig rig="threePt" dir="t"/>
+    </dgm:scene3d>
+    <dgm:sp3d/>
+    <dgm:txPr/>
+    <dgm:style>
+      <a:lnRef idx="0">
+        <a:scrgbClr r="0" g="0" b="0"/>
+      </a:lnRef>
+      <a:fillRef idx="1">
+        <a:scrgbClr r="0" g="0" b="0"/>
+      </a:fillRef>
+      <a:effectRef idx="2">
+        <a:scrgbClr r="0" g="0" b="0"/>
+      </a:effectRef>
+      <a:fontRef idx="minor"/>
+    </dgm:style>
+  </dgm:styleLbl>
+  <dgm:styleLbl name="dkBgShp">
+    <dgm:scene3d>
+      <a:camera prst="orthographicFront"/>
+      <a:lightRig rig="threePt" dir="t"/>
+    </dgm:scene3d>
+    <dgm:sp3d/>
+    <dgm:txPr/>
+    <dgm:style>
+      <a:lnRef idx="0">
+        <a:scrgbClr r="0" g="0" b="0"/>
+      </a:lnRef>
+      <a:fillRef idx="1">
+        <a:scrgbClr r="0" g="0" b="0"/>
+      </a:fillRef>
+      <a:effectRef idx="2">
+        <a:scrgbClr r="0" g="0" b="0"/>
+      </a:effectRef>
+      <a:fontRef idx="minor"/>
+    </dgm:style>
+  </dgm:styleLbl>
+  <dgm:styleLbl name="trBgShp">
+    <dgm:scene3d>
+      <a:camera prst="orthographicFront"/>
+      <a:lightRig rig="threePt" dir="t"/>
+    </dgm:scene3d>
+    <dgm:sp3d/>
+    <dgm:txPr/>
+    <dgm:style>
+      <a:lnRef idx="0">
+        <a:scrgbClr r="0" g="0" b="0"/>
+      </a:lnRef>
+      <a:fillRef idx="1">
+        <a:scrgbClr r="0" g="0" b="0"/>
+      </a:fillRef>
+      <a:effectRef idx="0">
+        <a:scrgbClr r="0" g="0" b="0"/>
+      </a:effectRef>
+      <a:fontRef idx="minor"/>
+    </dgm:style>
+  </dgm:styleLbl>
+  <dgm:styleLbl name="fgShp">
+    <dgm:scene3d>
+      <a:camera prst="orthographicFront"/>
+      <a:lightRig rig="threePt" dir="t"/>
+    </dgm:scene3d>
+    <dgm:sp3d/>
+    <dgm:txPr/>
+    <dgm:style>
+      <a:lnRef idx="0">
+        <a:scrgbClr r="0" g="0" b="0"/>
+      </a:lnRef>
+      <a:fillRef idx="3">
+        <a:scrgbClr r="0" g="0" b="0"/>
+      </a:fillRef>
+      <a:effectRef idx="2">
+        <a:scrgbClr r="0" g="0" b="0"/>
+      </a:effectRef>
+      <a:fontRef idx="minor"/>
+    </dgm:style>
+  </dgm:styleLbl>
+  <dgm:styleLbl name="revTx">
+    <dgm:scene3d>
+      <a:camera prst="orthographicFront"/>
+      <a:lightRig rig="threePt" dir="t"/>
+    </dgm:scene3d>
+    <dgm:sp3d/>
+    <dgm:txPr/>
+    <dgm:style>
+      <a:lnRef idx="0">
+        <a:scrgbClr r="0" g="0" b="0"/>
+      </a:lnRef>
+      <a:fillRef idx="0">
+        <a:scrgbClr r="0" g="0" b="0"/>
+      </a:fillRef>
+      <a:effectRef idx="0">
+        <a:scrgbClr r="0" g="0" b="0"/>
+      </a:effectRef>
+      <a:fontRef idx="minor"/>
+    </dgm:style>
+  </dgm:styleLbl>
+</dgm:styleDef>
 </file>
 
 <file path=ppt/slideLayouts/slideLayout1.xml><?xml version="1.0" encoding="utf-8"?>
@@ -8240,6 +11115,99 @@
 <file path=ppt/slides/slide3.xml><?xml version="1.0" encoding="utf-8"?>
 <p:sld xmlns:a="http://schemas.openxmlformats.org/drawingml/2006/main" xmlns:r="http://schemas.openxmlformats.org/officeDocument/2006/relationships" xmlns:p="http://schemas.openxmlformats.org/presentationml/2006/main">
   <p:cSld>
+    <p:spTree>
+      <p:nvGrpSpPr>
+        <p:cNvPr id="1" name=""/>
+        <p:cNvGrpSpPr/>
+        <p:nvPr/>
+      </p:nvGrpSpPr>
+      <p:grpSpPr>
+        <a:xfrm>
+          <a:off x="0" y="0"/>
+          <a:ext cx="0" cy="0"/>
+          <a:chOff x="0" y="0"/>
+          <a:chExt cx="0" cy="0"/>
+        </a:xfrm>
+      </p:grpSpPr>
+      <p:sp>
+        <p:nvSpPr>
+          <p:cNvPr id="2" name="Title 1">
+            <a:extLst>
+              <a:ext uri="{FF2B5EF4-FFF2-40B4-BE49-F238E27FC236}">
+                <a16:creationId xmlns:a16="http://schemas.microsoft.com/office/drawing/2014/main" id="{76A47BE7-C968-4C6E-B64E-28E7C87E7F1B}"/>
+              </a:ext>
+            </a:extLst>
+          </p:cNvPr>
+          <p:cNvSpPr>
+            <a:spLocks noGrp="1"/>
+          </p:cNvSpPr>
+          <p:nvPr>
+            <p:ph type="title"/>
+          </p:nvPr>
+        </p:nvSpPr>
+        <p:spPr>
+          <a:xfrm>
+            <a:off x="2321107" y="266837"/>
+            <a:ext cx="7729728" cy="1188720"/>
+          </a:xfrm>
+        </p:spPr>
+        <p:txBody>
+          <a:bodyPr>
+            <a:normAutofit/>
+          </a:bodyPr>
+          <a:lstStyle/>
+          <a:p>
+            <a:pPr algn="ctr"/>
+            <a:r>
+              <a:rPr lang="en-US" dirty="0"/>
+              <a:t>Data Sources</a:t>
+            </a:r>
+          </a:p>
+        </p:txBody>
+      </p:sp>
+      <p:graphicFrame>
+        <p:nvGraphicFramePr>
+          <p:cNvPr id="5" name="Content Placeholder 2">
+            <a:extLst>
+              <a:ext uri="{FF2B5EF4-FFF2-40B4-BE49-F238E27FC236}">
+                <a16:creationId xmlns:a16="http://schemas.microsoft.com/office/drawing/2014/main" id="{70DE293A-4DF4-4ED7-A28B-C2DBE02B4783}"/>
+              </a:ext>
+            </a:extLst>
+          </p:cNvPr>
+          <p:cNvGraphicFramePr>
+            <a:graphicFrameLocks noGrp="1"/>
+          </p:cNvGraphicFramePr>
+          <p:nvPr>
+            <p:ph idx="1"/>
+            <p:extLst/>
+          </p:nvPr>
+        </p:nvGraphicFramePr>
+        <p:xfrm>
+          <a:off x="583894" y="1784733"/>
+          <a:ext cx="11204154" cy="4605050"/>
+        </p:xfrm>
+        <a:graphic>
+          <a:graphicData uri="http://schemas.openxmlformats.org/drawingml/2006/diagram">
+            <dgm:relIds xmlns:dgm="http://schemas.openxmlformats.org/drawingml/2006/diagram" xmlns:r="http://schemas.openxmlformats.org/officeDocument/2006/relationships" r:dm="rId2" r:lo="rId3" r:qs="rId4" r:cs="rId5"/>
+          </a:graphicData>
+        </a:graphic>
+      </p:graphicFrame>
+    </p:spTree>
+    <p:extLst>
+      <p:ext uri="{BB962C8B-B14F-4D97-AF65-F5344CB8AC3E}">
+        <p14:creationId xmlns:p14="http://schemas.microsoft.com/office/powerpoint/2010/main" val="3475102084"/>
+      </p:ext>
+    </p:extLst>
+  </p:cSld>
+  <p:clrMapOvr>
+    <a:masterClrMapping/>
+  </p:clrMapOvr>
+</p:sld>
+</file>
+
+<file path=ppt/slides/slide4.xml><?xml version="1.0" encoding="utf-8"?>
+<p:sld xmlns:a="http://schemas.openxmlformats.org/drawingml/2006/main" xmlns:r="http://schemas.openxmlformats.org/officeDocument/2006/relationships" xmlns:p="http://schemas.openxmlformats.org/presentationml/2006/main">
+  <p:cSld>
     <p:bg>
       <p:bgPr>
         <a:solidFill>
@@ -8334,10 +11302,6 @@
             <a:pPr marL="0" indent="0">
               <a:buNone/>
             </a:pPr>
-            <a:r>
-              <a:rPr lang="en-US"/>
-              <a:t> TB added</a:t>
-            </a:r>
             <a:endParaRPr lang="en-US" dirty="0"/>
           </a:p>
         </p:txBody>
@@ -8356,7 +11320,7 @@
         </p:nvSpPr>
         <p:spPr>
           <a:xfrm>
-            <a:off x="1251678" y="4729163"/>
+            <a:off x="1552575" y="5105936"/>
             <a:ext cx="9086850" cy="1323439"/>
           </a:xfrm>
           <a:prstGeom prst="rect">
@@ -8372,14 +11336,20 @@
           <a:p>
             <a:r>
               <a:rPr lang="en-US" sz="4000" dirty="0">
+                <a:highlight>
+                  <a:srgbClr val="FFFF00"/>
+                </a:highlight>
                 <a:latin typeface="Bookman Old Style" panose="02050604050505020204" pitchFamily="18" charset="0"/>
               </a:rPr>
-              <a:t>It’s a work in progress. </a:t>
+              <a:t>It’s a work-in-progress. </a:t>
             </a:r>
           </a:p>
           <a:p>
             <a:r>
               <a:rPr lang="en-US" sz="4000" dirty="0">
+                <a:highlight>
+                  <a:srgbClr val="FFFF00"/>
+                </a:highlight>
                 <a:latin typeface="Bookman Old Style" panose="02050604050505020204" pitchFamily="18" charset="0"/>
               </a:rPr>
               <a:t>But here’s our narrative for today.</a:t>
@@ -8416,6 +11386,108 @@
           <a:lstStyle/>
           <a:p>
             <a:endParaRPr lang="en-US" dirty="0"/>
+          </a:p>
+        </p:txBody>
+      </p:sp>
+      <p:sp>
+        <p:nvSpPr>
+          <p:cNvPr id="7" name="TextBox 6">
+            <a:extLst>
+              <a:ext uri="{FF2B5EF4-FFF2-40B4-BE49-F238E27FC236}">
+                <a16:creationId xmlns:a16="http://schemas.microsoft.com/office/drawing/2014/main" id="{E8CA2DA7-0802-A643-A84A-D283336AFDF2}"/>
+              </a:ext>
+            </a:extLst>
+          </p:cNvPr>
+          <p:cNvSpPr txBox="1"/>
+          <p:nvPr/>
+        </p:nvSpPr>
+        <p:spPr>
+          <a:xfrm>
+            <a:off x="1251678" y="1528761"/>
+            <a:ext cx="10472962" cy="5016758"/>
+          </a:xfrm>
+          <a:prstGeom prst="rect">
+            <a:avLst/>
+          </a:prstGeom>
+          <a:noFill/>
+        </p:spPr>
+        <p:txBody>
+          <a:bodyPr wrap="square" rtlCol="0">
+            <a:spAutoFit/>
+          </a:bodyPr>
+          <a:lstStyle/>
+          <a:p>
+            <a:pPr marL="514350" indent="-514350">
+              <a:buAutoNum type="arabicPeriod"/>
+            </a:pPr>
+            <a:r>
+              <a:rPr lang="en-US" sz="3200" dirty="0">
+                <a:latin typeface="Bookman Old Style" panose="02050604050505020204" pitchFamily="18" charset="0"/>
+              </a:rPr>
+              <a:t>Choropleth Maps: Leaflet, Python, HTML/JavaScript</a:t>
+            </a:r>
+          </a:p>
+          <a:p>
+            <a:pPr marL="514350" indent="-514350">
+              <a:buAutoNum type="arabicPeriod"/>
+            </a:pPr>
+            <a:r>
+              <a:rPr lang="en-US" sz="3200" dirty="0">
+                <a:latin typeface="Bookman Old Style" panose="02050604050505020204" pitchFamily="18" charset="0"/>
+              </a:rPr>
+              <a:t>Charts: ChartJS,</a:t>
+            </a:r>
+          </a:p>
+          <a:p>
+            <a:pPr marL="514350" indent="-514350">
+              <a:buAutoNum type="arabicPeriod"/>
+            </a:pPr>
+            <a:r>
+              <a:rPr lang="en-US" sz="3200" dirty="0">
+                <a:latin typeface="Bookman Old Style" panose="02050604050505020204" pitchFamily="18" charset="0"/>
+              </a:rPr>
+              <a:t>Scatter: D3, HTML/JavaScript,</a:t>
+            </a:r>
+          </a:p>
+          <a:p>
+            <a:endParaRPr lang="en-US" sz="3200" dirty="0">
+              <a:latin typeface="Bookman Old Style" panose="02050604050505020204" pitchFamily="18" charset="0"/>
+            </a:endParaRPr>
+          </a:p>
+          <a:p>
+            <a:r>
+              <a:rPr lang="en-US" sz="3200" dirty="0">
+                <a:latin typeface="Bookman Old Style" panose="02050604050505020204" pitchFamily="18" charset="0"/>
+              </a:rPr>
+              <a:t>Deployment: Heroku, Flask</a:t>
+            </a:r>
+          </a:p>
+          <a:p>
+            <a:r>
+              <a:rPr lang="en-US" sz="3200" dirty="0">
+                <a:latin typeface="Bookman Old Style" panose="02050604050505020204" pitchFamily="18" charset="0"/>
+                <a:hlinkClick r:id="rId2"/>
+              </a:rPr>
+              <a:t>https://shrouded-spire-59706.herokuapp.com/</a:t>
+            </a:r>
+            <a:endParaRPr lang="en-US" sz="3200" dirty="0">
+              <a:latin typeface="Bookman Old Style" panose="02050604050505020204" pitchFamily="18" charset="0"/>
+            </a:endParaRPr>
+          </a:p>
+          <a:p>
+            <a:endParaRPr lang="en-US" sz="3200" dirty="0">
+              <a:latin typeface="Bookman Old Style" panose="02050604050505020204" pitchFamily="18" charset="0"/>
+            </a:endParaRPr>
+          </a:p>
+          <a:p>
+            <a:endParaRPr lang="en-US" sz="3200" dirty="0">
+              <a:latin typeface="Bookman Old Style" panose="02050604050505020204" pitchFamily="18" charset="0"/>
+            </a:endParaRPr>
+          </a:p>
+          <a:p>
+            <a:endParaRPr lang="en-US" sz="3200" dirty="0">
+              <a:latin typeface="Bookman Old Style" panose="02050604050505020204" pitchFamily="18" charset="0"/>
+            </a:endParaRPr>
           </a:p>
         </p:txBody>
       </p:sp>

--- a/Project - 2 - LACity Crime Visualizations.pptx
+++ b/Project - 2 - LACity Crime Visualizations.pptx
@@ -8,7 +8,8 @@
     <p:sldId id="256" r:id="rId2"/>
     <p:sldId id="257" r:id="rId3"/>
     <p:sldId id="261" r:id="rId4"/>
-    <p:sldId id="258" r:id="rId5"/>
+    <p:sldId id="263" r:id="rId5"/>
+    <p:sldId id="258" r:id="rId6"/>
   </p:sldIdLst>
   <p:sldSz cx="12192000" cy="6858000"/>
   <p:notesSz cx="6858000" cy="9144000"/>
@@ -109,7 +110,7 @@
   </p:defaultTextStyle>
   <p:extLst>
     <p:ext uri="{EFAFB233-063F-42B5-8137-9DF3F51BA10A}">
-      <p15:sldGuideLst xmlns:p15="http://schemas.microsoft.com/office/powerpoint/2012/main"/>
+      <p15:sldGuideLst xmlns:p15="http://schemas.microsoft.com/office/powerpoint/2012/main" xmlns=""/>
     </p:ext>
   </p:extLst>
 </p:presentation>
@@ -884,17 +885,25 @@
         <a:lstStyle/>
         <a:p>
           <a:r>
-            <a:rPr lang="en-US" sz="2800" dirty="0"/>
+            <a:rPr lang="en-US" sz="2800" dirty="0">
+              <a:latin typeface="Bookman Old Style"/>
+              <a:cs typeface="Bookman Old Style"/>
+            </a:rPr>
             <a:t>Incidence of Crime Data: Los Angeles Open Data: (</a:t>
           </a:r>
           <a:r>
             <a:rPr lang="en-US" sz="2800" i="1" dirty="0">
+              <a:latin typeface="Bookman Old Style"/>
+              <a:cs typeface="Bookman Old Style"/>
               <a:hlinkClick xmlns:r="http://schemas.openxmlformats.org/officeDocument/2006/relationships" r:id="rId1"/>
             </a:rPr>
             <a:t>https://data.lacity.org/A-Safe-City/Crime-Data-from-2010-to-Present/y8tr-7khq</a:t>
           </a:r>
           <a:r>
-            <a:rPr lang="en-US" sz="2800" dirty="0"/>
+            <a:rPr lang="en-US" sz="2800" dirty="0">
+              <a:latin typeface="Bookman Old Style"/>
+              <a:cs typeface="Bookman Old Style"/>
+            </a:rPr>
             <a:t>) </a:t>
           </a:r>
         </a:p>
@@ -930,20 +939,31 @@
         <a:lstStyle/>
         <a:p>
           <a:r>
-            <a:rPr lang="en-US" sz="2800" dirty="0"/>
+            <a:rPr lang="en-US" sz="2800" dirty="0">
+              <a:latin typeface="Bookman Old Style"/>
+              <a:cs typeface="Bookman Old Style"/>
+            </a:rPr>
             <a:t>Demographic and Socio-Economic Data: Los Angeles Census Reporter: (</a:t>
           </a:r>
           <a:r>
             <a:rPr lang="en-US" sz="2800" i="1" dirty="0">
+              <a:latin typeface="Bookman Old Style"/>
+              <a:cs typeface="Bookman Old Style"/>
               <a:hlinkClick xmlns:r="http://schemas.openxmlformats.org/officeDocument/2006/relationships" r:id="rId2"/>
             </a:rPr>
             <a:t>https://censusreporter.org/profiles/16000US0644000-los-angeles-ca/</a:t>
           </a:r>
           <a:r>
-            <a:rPr lang="en-US" sz="2800" i="1" dirty="0"/>
+            <a:rPr lang="en-US" sz="2800" i="1" dirty="0">
+              <a:latin typeface="Bookman Old Style"/>
+              <a:cs typeface="Bookman Old Style"/>
+            </a:rPr>
             <a:t>)</a:t>
           </a:r>
-          <a:endParaRPr lang="en-US" sz="2800" dirty="0"/>
+          <a:endParaRPr lang="en-US" sz="2800" dirty="0">
+            <a:latin typeface="Bookman Old Style"/>
+            <a:cs typeface="Bookman Old Style"/>
+          </a:endParaRPr>
         </a:p>
       </dgm:t>
     </dgm:pt>
@@ -980,6 +1000,13 @@
         </dgm:presLayoutVars>
       </dgm:prSet>
       <dgm:spPr/>
+      <dgm:t>
+        <a:bodyPr/>
+        <a:lstStyle/>
+        <a:p>
+          <a:endParaRPr lang="en-US"/>
+        </a:p>
+      </dgm:t>
     </dgm:pt>
     <dgm:pt modelId="{53E51231-2ADD-584A-8CFD-FF5AA94EB4A2}" type="pres">
       <dgm:prSet presAssocID="{2CAE0FEE-B943-4784-8DCF-8587187BF79B}" presName="hierRoot1" presStyleCnt="0"/>
@@ -1000,6 +1027,13 @@
         </dgm:presLayoutVars>
       </dgm:prSet>
       <dgm:spPr/>
+      <dgm:t>
+        <a:bodyPr/>
+        <a:lstStyle/>
+        <a:p>
+          <a:endParaRPr lang="en-US"/>
+        </a:p>
+      </dgm:t>
     </dgm:pt>
     <dgm:pt modelId="{D2924E2A-06EB-E845-AA6C-AD51B792B5D0}" type="pres">
       <dgm:prSet presAssocID="{2CAE0FEE-B943-4784-8DCF-8587187BF79B}" presName="hierChild2" presStyleCnt="0"/>
@@ -1024,6 +1058,13 @@
         </dgm:presLayoutVars>
       </dgm:prSet>
       <dgm:spPr/>
+      <dgm:t>
+        <a:bodyPr/>
+        <a:lstStyle/>
+        <a:p>
+          <a:endParaRPr lang="en-US"/>
+        </a:p>
+      </dgm:t>
     </dgm:pt>
     <dgm:pt modelId="{FEBA8DDE-42F2-5749-BA2B-52E7C442F7FF}" type="pres">
       <dgm:prSet presAssocID="{E02C67DD-3E5B-4619-9453-1C957F572905}" presName="hierChild2" presStyleCnt="0"/>
@@ -1031,11 +1072,11 @@
     </dgm:pt>
   </dgm:ptLst>
   <dgm:cxnLst>
+    <dgm:cxn modelId="{EFBEB61C-0E78-F648-A173-D2AC53069329}" type="presOf" srcId="{2CAE0FEE-B943-4784-8DCF-8587187BF79B}" destId="{69B5D89C-C09D-EB45-B2F6-318F5E46CD10}" srcOrd="0" destOrd="0" presId="urn:microsoft.com/office/officeart/2005/8/layout/hierarchy1"/>
+    <dgm:cxn modelId="{81A634B4-F499-844B-B741-2E3281484627}" type="presOf" srcId="{62A03CEE-BA48-488C-8797-3F2A23B13FB7}" destId="{05E0F7FB-9DA7-FB41-9A65-2A814FBD07AF}" srcOrd="0" destOrd="0" presId="urn:microsoft.com/office/officeart/2005/8/layout/hierarchy1"/>
+    <dgm:cxn modelId="{1FC0308A-05EE-B04E-AC66-736D0EED1CC1}" type="presOf" srcId="{E02C67DD-3E5B-4619-9453-1C957F572905}" destId="{A96684F0-10F2-E44F-9943-41798AA8C85B}" srcOrd="0" destOrd="0" presId="urn:microsoft.com/office/officeart/2005/8/layout/hierarchy1"/>
+    <dgm:cxn modelId="{51A956E4-1759-4374-8ACB-DA6DA87CA412}" srcId="{62A03CEE-BA48-488C-8797-3F2A23B13FB7}" destId="{2CAE0FEE-B943-4784-8DCF-8587187BF79B}" srcOrd="0" destOrd="0" parTransId="{4E814FA4-E4D7-4EE8-AD3D-D448E186EFA6}" sibTransId="{EA0F9D79-50C3-4F29-AF94-051C6F2EB77E}"/>
     <dgm:cxn modelId="{663DDF08-8F43-4C17-A695-CD6DC6198042}" srcId="{62A03CEE-BA48-488C-8797-3F2A23B13FB7}" destId="{E02C67DD-3E5B-4619-9453-1C957F572905}" srcOrd="1" destOrd="0" parTransId="{24B9F596-74EB-4774-ADAC-329C330F3B42}" sibTransId="{EAFC60DF-48E6-48E2-8DDB-BEB0EF63021E}"/>
-    <dgm:cxn modelId="{EFBEB61C-0E78-F648-A173-D2AC53069329}" type="presOf" srcId="{2CAE0FEE-B943-4784-8DCF-8587187BF79B}" destId="{69B5D89C-C09D-EB45-B2F6-318F5E46CD10}" srcOrd="0" destOrd="0" presId="urn:microsoft.com/office/officeart/2005/8/layout/hierarchy1"/>
-    <dgm:cxn modelId="{1FC0308A-05EE-B04E-AC66-736D0EED1CC1}" type="presOf" srcId="{E02C67DD-3E5B-4619-9453-1C957F572905}" destId="{A96684F0-10F2-E44F-9943-41798AA8C85B}" srcOrd="0" destOrd="0" presId="urn:microsoft.com/office/officeart/2005/8/layout/hierarchy1"/>
-    <dgm:cxn modelId="{81A634B4-F499-844B-B741-2E3281484627}" type="presOf" srcId="{62A03CEE-BA48-488C-8797-3F2A23B13FB7}" destId="{05E0F7FB-9DA7-FB41-9A65-2A814FBD07AF}" srcOrd="0" destOrd="0" presId="urn:microsoft.com/office/officeart/2005/8/layout/hierarchy1"/>
-    <dgm:cxn modelId="{51A956E4-1759-4374-8ACB-DA6DA87CA412}" srcId="{62A03CEE-BA48-488C-8797-3F2A23B13FB7}" destId="{2CAE0FEE-B943-4784-8DCF-8587187BF79B}" srcOrd="0" destOrd="0" parTransId="{4E814FA4-E4D7-4EE8-AD3D-D448E186EFA6}" sibTransId="{EA0F9D79-50C3-4F29-AF94-051C6F2EB77E}"/>
     <dgm:cxn modelId="{B097AB2D-6C57-D84A-B0F8-B0561CB67F62}" type="presParOf" srcId="{05E0F7FB-9DA7-FB41-9A65-2A814FBD07AF}" destId="{53E51231-2ADD-584A-8CFD-FF5AA94EB4A2}" srcOrd="0" destOrd="0" presId="urn:microsoft.com/office/officeart/2005/8/layout/hierarchy1"/>
     <dgm:cxn modelId="{D4A0324C-B5FC-CE49-8160-CB71800A9CF4}" type="presParOf" srcId="{53E51231-2ADD-584A-8CFD-FF5AA94EB4A2}" destId="{CE067546-6406-BD41-8363-901063CDA508}" srcOrd="0" destOrd="0" presId="urn:microsoft.com/office/officeart/2005/8/layout/hierarchy1"/>
     <dgm:cxn modelId="{D98ACDA0-6344-354B-A28C-8E6F57AB6FC1}" type="presParOf" srcId="{CE067546-6406-BD41-8363-901063CDA508}" destId="{23F6E426-E6F8-974F-B5AF-38D12395CAED}" srcOrd="0" destOrd="0" presId="urn:microsoft.com/office/officeart/2005/8/layout/hierarchy1"/>
@@ -1193,7 +1234,7 @@
         </a:bodyPr>
         <a:lstStyle/>
         <a:p>
-          <a:pPr marL="0" lvl="0" indent="0" algn="ctr" defTabSz="1244600">
+          <a:pPr lvl="0" algn="ctr" defTabSz="1244600">
             <a:lnSpc>
               <a:spcPct val="90000"/>
             </a:lnSpc>
@@ -1203,20 +1244,27 @@
             <a:spcAft>
               <a:spcPct val="35000"/>
             </a:spcAft>
-            <a:buNone/>
           </a:pPr>
           <a:r>
-            <a:rPr lang="en-US" sz="2800" kern="1200" dirty="0"/>
+            <a:rPr lang="en-US" sz="2800" kern="1200" dirty="0">
+              <a:latin typeface="Bookman Old Style"/>
+              <a:cs typeface="Bookman Old Style"/>
+            </a:rPr>
             <a:t>Incidence of Crime Data: Los Angeles Open Data: (</a:t>
           </a:r>
           <a:r>
             <a:rPr lang="en-US" sz="2800" i="1" kern="1200" dirty="0">
+              <a:latin typeface="Bookman Old Style"/>
+              <a:cs typeface="Bookman Old Style"/>
               <a:hlinkClick xmlns:r="http://schemas.openxmlformats.org/officeDocument/2006/relationships" r:id="rId1"/>
             </a:rPr>
             <a:t>https://data.lacity.org/A-Safe-City/Crime-Data-from-2010-to-Present/y8tr-7khq</a:t>
           </a:r>
           <a:r>
-            <a:rPr lang="en-US" sz="2800" kern="1200" dirty="0"/>
+            <a:rPr lang="en-US" sz="2800" kern="1200" dirty="0">
+              <a:latin typeface="Bookman Old Style"/>
+              <a:cs typeface="Bookman Old Style"/>
+            </a:rPr>
             <a:t>) </a:t>
           </a:r>
         </a:p>
@@ -1354,7 +1402,7 @@
         </a:bodyPr>
         <a:lstStyle/>
         <a:p>
-          <a:pPr marL="0" lvl="0" indent="0" algn="ctr" defTabSz="1244600">
+          <a:pPr lvl="0" algn="ctr" defTabSz="1244600">
             <a:lnSpc>
               <a:spcPct val="90000"/>
             </a:lnSpc>
@@ -1364,23 +1412,33 @@
             <a:spcAft>
               <a:spcPct val="35000"/>
             </a:spcAft>
-            <a:buNone/>
           </a:pPr>
           <a:r>
-            <a:rPr lang="en-US" sz="2800" kern="1200" dirty="0"/>
+            <a:rPr lang="en-US" sz="2800" kern="1200" dirty="0">
+              <a:latin typeface="Bookman Old Style"/>
+              <a:cs typeface="Bookman Old Style"/>
+            </a:rPr>
             <a:t>Demographic and Socio-Economic Data: Los Angeles Census Reporter: (</a:t>
           </a:r>
           <a:r>
             <a:rPr lang="en-US" sz="2800" i="1" kern="1200" dirty="0">
+              <a:latin typeface="Bookman Old Style"/>
+              <a:cs typeface="Bookman Old Style"/>
               <a:hlinkClick xmlns:r="http://schemas.openxmlformats.org/officeDocument/2006/relationships" r:id="rId2"/>
             </a:rPr>
             <a:t>https://censusreporter.org/profiles/16000US0644000-los-angeles-ca/</a:t>
           </a:r>
           <a:r>
-            <a:rPr lang="en-US" sz="2800" i="1" kern="1200" dirty="0"/>
+            <a:rPr lang="en-US" sz="2800" i="1" kern="1200" dirty="0">
+              <a:latin typeface="Bookman Old Style"/>
+              <a:cs typeface="Bookman Old Style"/>
+            </a:rPr>
             <a:t>)</a:t>
           </a:r>
-          <a:endParaRPr lang="en-US" sz="2800" kern="1200" dirty="0"/>
+          <a:endParaRPr lang="en-US" sz="2800" kern="1200" dirty="0">
+            <a:latin typeface="Bookman Old Style"/>
+            <a:cs typeface="Bookman Old Style"/>
+          </a:endParaRPr>
         </a:p>
       </dsp:txBody>
       <dsp:txXfrm>
@@ -6326,7 +6384,7 @@
   </p:clrMapOvr>
   <p:extLst mod="1">
     <p:ext uri="{DCECCB84-F9BA-43D5-87BE-67443E8EF086}">
-      <p15:sldGuideLst xmlns:p15="http://schemas.microsoft.com/office/powerpoint/2012/main"/>
+      <p15:sldGuideLst xmlns:p15="http://schemas.microsoft.com/office/powerpoint/2012/main" xmlns=""/>
     </p:ext>
   </p:extLst>
 </p:sldLayout>
@@ -6716,7 +6774,7 @@
   </p:clrMapOvr>
   <p:extLst mod="1">
     <p:ext uri="{DCECCB84-F9BA-43D5-87BE-67443E8EF086}">
-      <p15:sldGuideLst xmlns:p15="http://schemas.microsoft.com/office/powerpoint/2012/main"/>
+      <p15:sldGuideLst xmlns:p15="http://schemas.microsoft.com/office/powerpoint/2012/main" xmlns=""/>
     </p:ext>
   </p:extLst>
 </p:sldLayout>
@@ -7745,7 +7803,7 @@
   </p:clrMapOvr>
   <p:extLst mod="1">
     <p:ext uri="{DCECCB84-F9BA-43D5-87BE-67443E8EF086}">
-      <p15:sldGuideLst xmlns:p15="http://schemas.microsoft.com/office/powerpoint/2012/main">
+      <p15:sldGuideLst xmlns:p15="http://schemas.microsoft.com/office/powerpoint/2012/main" xmlns="">
         <p15:guide id="1" orient="horz" pos="696">
           <p15:clr>
             <a:srgbClr val="FBAE40"/>
@@ -9651,7 +9709,7 @@
   </p:txStyles>
   <p:extLst mod="1">
     <p:ext uri="{27BBF7A9-308A-43DC-89C8-2F10F3537804}">
-      <p15:sldGuideLst xmlns:p15="http://schemas.microsoft.com/office/powerpoint/2012/main">
+      <p15:sldGuideLst xmlns:p15="http://schemas.microsoft.com/office/powerpoint/2012/main" xmlns="">
         <p15:guide id="1" pos="792">
           <p15:clr>
             <a:srgbClr val="F26B43"/>
@@ -9723,10 +9781,10 @@
           <p:cNvPr id="23" name="Rectangle 22">
             <a:extLst>
               <a:ext uri="{FF2B5EF4-FFF2-40B4-BE49-F238E27FC236}">
-                <a16:creationId xmlns:a16="http://schemas.microsoft.com/office/drawing/2014/main" id="{B56EF530-75FC-4976-A39D-87A5DFE98CCD}"/>
+                <a16:creationId xmlns:a16="http://schemas.microsoft.com/office/drawing/2014/main" xmlns="" id="{B56EF530-75FC-4976-A39D-87A5DFE98CCD}"/>
               </a:ext>
               <a:ext uri="{C183D7F6-B498-43B3-948B-1728B52AA6E4}">
-                <adec:decorative xmlns:adec="http://schemas.microsoft.com/office/drawing/2017/decorative" val="1"/>
+                <adec:decorative xmlns:adec="http://schemas.microsoft.com/office/drawing/2017/decorative" xmlns="" val="1"/>
               </a:ext>
             </a:extLst>
           </p:cNvPr>
@@ -9736,7 +9794,7 @@
           <p:nvPr>
             <p:extLst>
               <p:ext uri="{386F3935-93C4-4BCD-93E2-E3B085C9AB24}">
-                <p16:designElem xmlns:p16="http://schemas.microsoft.com/office/powerpoint/2015/main" val="1"/>
+                <p16:designElem xmlns:p16="http://schemas.microsoft.com/office/powerpoint/2015/main" xmlns="" val="1"/>
               </p:ext>
             </p:extLst>
           </p:nvPr>
@@ -9882,10 +9940,10 @@
           <p:cNvPr id="25" name="Freeform 13">
             <a:extLst>
               <a:ext uri="{FF2B5EF4-FFF2-40B4-BE49-F238E27FC236}">
-                <a16:creationId xmlns:a16="http://schemas.microsoft.com/office/drawing/2014/main" id="{368ECFAF-FF94-4771-B4BD-B28D909D4709}"/>
+                <a16:creationId xmlns:a16="http://schemas.microsoft.com/office/drawing/2014/main" xmlns="" id="{368ECFAF-FF94-4771-B4BD-B28D909D4709}"/>
               </a:ext>
               <a:ext uri="{C183D7F6-B498-43B3-948B-1728B52AA6E4}">
-                <adec:decorative xmlns:adec="http://schemas.microsoft.com/office/drawing/2017/decorative" val="1"/>
+                <adec:decorative xmlns:adec="http://schemas.microsoft.com/office/drawing/2017/decorative" xmlns="" val="1"/>
               </a:ext>
             </a:extLst>
           </p:cNvPr>
@@ -9895,7 +9953,7 @@
           <p:nvPr>
             <p:extLst>
               <p:ext uri="{386F3935-93C4-4BCD-93E2-E3B085C9AB24}">
-                <p16:designElem xmlns:p16="http://schemas.microsoft.com/office/powerpoint/2015/main" val="1"/>
+                <p16:designElem xmlns:p16="http://schemas.microsoft.com/office/powerpoint/2015/main" xmlns="" val="1"/>
               </p:ext>
             </p:extLst>
           </p:nvPr>
@@ -10704,7 +10762,7 @@
           <p:cNvPr id="2" name="Title 1">
             <a:extLst>
               <a:ext uri="{FF2B5EF4-FFF2-40B4-BE49-F238E27FC236}">
-                <a16:creationId xmlns:a16="http://schemas.microsoft.com/office/drawing/2014/main" id="{ABFC5233-73BA-C944-A02E-CA6C4014A8E1}"/>
+                <a16:creationId xmlns:a16="http://schemas.microsoft.com/office/drawing/2014/main" xmlns="" id="{ABFC5233-73BA-C944-A02E-CA6C4014A8E1}"/>
               </a:ext>
             </a:extLst>
           </p:cNvPr>
@@ -10742,7 +10800,7 @@
           <p:cNvPr id="3" name="Subtitle 2">
             <a:extLst>
               <a:ext uri="{FF2B5EF4-FFF2-40B4-BE49-F238E27FC236}">
-                <a16:creationId xmlns:a16="http://schemas.microsoft.com/office/drawing/2014/main" id="{76FB6534-0C1B-B546-858F-1E50565F5A33}"/>
+                <a16:creationId xmlns:a16="http://schemas.microsoft.com/office/drawing/2014/main" xmlns="" id="{76FB6534-0C1B-B546-858F-1E50565F5A33}"/>
               </a:ext>
             </a:extLst>
           </p:cNvPr>
@@ -10782,10 +10840,10 @@
           <p:cNvPr id="27" name="Rectangle 26">
             <a:extLst>
               <a:ext uri="{FF2B5EF4-FFF2-40B4-BE49-F238E27FC236}">
-                <a16:creationId xmlns:a16="http://schemas.microsoft.com/office/drawing/2014/main" id="{E9851F7A-B016-4A91-85E3-61FE4869CE8F}"/>
+                <a16:creationId xmlns:a16="http://schemas.microsoft.com/office/drawing/2014/main" xmlns="" id="{E9851F7A-B016-4A91-85E3-61FE4869CE8F}"/>
               </a:ext>
               <a:ext uri="{C183D7F6-B498-43B3-948B-1728B52AA6E4}">
-                <adec:decorative xmlns:adec="http://schemas.microsoft.com/office/drawing/2017/decorative" val="1"/>
+                <adec:decorative xmlns:adec="http://schemas.microsoft.com/office/drawing/2017/decorative" xmlns="" val="1"/>
               </a:ext>
             </a:extLst>
           </p:cNvPr>
@@ -10795,7 +10853,7 @@
           <p:nvPr>
             <p:extLst>
               <p:ext uri="{386F3935-93C4-4BCD-93E2-E3B085C9AB24}">
-                <p16:designElem xmlns:p16="http://schemas.microsoft.com/office/powerpoint/2015/main" val="1"/>
+                <p16:designElem xmlns:p16="http://schemas.microsoft.com/office/powerpoint/2015/main" xmlns="" val="1"/>
               </p:ext>
             </p:extLst>
           </p:nvPr>
@@ -10837,7 +10895,7 @@
           <p:cNvPr id="18" name="Graphic 6" descr="Handcuffs">
             <a:extLst>
               <a:ext uri="{FF2B5EF4-FFF2-40B4-BE49-F238E27FC236}">
-                <a16:creationId xmlns:a16="http://schemas.microsoft.com/office/drawing/2014/main" id="{2EFAEF37-AA4A-46AF-AC18-5A4C0122D217}"/>
+                <a16:creationId xmlns:a16="http://schemas.microsoft.com/office/drawing/2014/main" xmlns="" id="{2EFAEF37-AA4A-46AF-AC18-5A4C0122D217}"/>
               </a:ext>
             </a:extLst>
           </p:cNvPr>
@@ -10853,7 +10911,7 @@
                 <a14:useLocalDpi xmlns:a14="http://schemas.microsoft.com/office/drawing/2010/main" val="0"/>
               </a:ext>
               <a:ext uri="{96DAC541-7B7A-43D3-8B79-37D633B846F1}">
-                <asvg:svgBlip xmlns:asvg="http://schemas.microsoft.com/office/drawing/2016/SVG/main" r:embed="rId3"/>
+                <asvg:svgBlip xmlns:asvg="http://schemas.microsoft.com/office/drawing/2016/SVG/main" xmlns="" r:embed="rId3"/>
               </a:ext>
             </a:extLst>
           </a:blip>
@@ -10914,7 +10972,7 @@
           <p:cNvPr id="2" name="Title 1">
             <a:extLst>
               <a:ext uri="{FF2B5EF4-FFF2-40B4-BE49-F238E27FC236}">
-                <a16:creationId xmlns:a16="http://schemas.microsoft.com/office/drawing/2014/main" id="{ABE108C6-C294-6B4A-A10A-29F78557E334}"/>
+                <a16:creationId xmlns:a16="http://schemas.microsoft.com/office/drawing/2014/main" xmlns="" id="{ABE108C6-C294-6B4A-A10A-29F78557E334}"/>
               </a:ext>
             </a:extLst>
           </p:cNvPr>
@@ -10951,7 +11009,7 @@
           <p:cNvPr id="3" name="Content Placeholder 2">
             <a:extLst>
               <a:ext uri="{FF2B5EF4-FFF2-40B4-BE49-F238E27FC236}">
-                <a16:creationId xmlns:a16="http://schemas.microsoft.com/office/drawing/2014/main" id="{9DE0B641-A136-3348-BE05-2A9D60FEC471}"/>
+                <a16:creationId xmlns:a16="http://schemas.microsoft.com/office/drawing/2014/main" xmlns="" id="{9DE0B641-A136-3348-BE05-2A9D60FEC471}"/>
               </a:ext>
             </a:extLst>
           </p:cNvPr>
@@ -11065,7 +11123,7 @@
           <p:cNvPr id="7" name="Graphic 6" descr="Bullseye">
             <a:extLst>
               <a:ext uri="{FF2B5EF4-FFF2-40B4-BE49-F238E27FC236}">
-                <a16:creationId xmlns:a16="http://schemas.microsoft.com/office/drawing/2014/main" id="{06CFA8BB-A8FB-4BBE-8CE2-83AC0B31EACB}"/>
+                <a16:creationId xmlns:a16="http://schemas.microsoft.com/office/drawing/2014/main" xmlns="" id="{06CFA8BB-A8FB-4BBE-8CE2-83AC0B31EACB}"/>
               </a:ext>
             </a:extLst>
           </p:cNvPr>
@@ -11081,7 +11139,7 @@
                 <a14:useLocalDpi xmlns:a14="http://schemas.microsoft.com/office/drawing/2010/main" val="0"/>
               </a:ext>
               <a:ext uri="{96DAC541-7B7A-43D3-8B79-37D633B846F1}">
-                <asvg:svgBlip xmlns:asvg="http://schemas.microsoft.com/office/drawing/2016/SVG/main" r:embed="rId3"/>
+                <asvg:svgBlip xmlns:asvg="http://schemas.microsoft.com/office/drawing/2016/SVG/main" xmlns="" r:embed="rId3"/>
               </a:ext>
             </a:extLst>
           </a:blip>
@@ -11134,7 +11192,7 @@
           <p:cNvPr id="2" name="Title 1">
             <a:extLst>
               <a:ext uri="{FF2B5EF4-FFF2-40B4-BE49-F238E27FC236}">
-                <a16:creationId xmlns:a16="http://schemas.microsoft.com/office/drawing/2014/main" id="{76A47BE7-C968-4C6E-B64E-28E7C87E7F1B}"/>
+                <a16:creationId xmlns:a16="http://schemas.microsoft.com/office/drawing/2014/main" xmlns="" id="{76A47BE7-C968-4C6E-B64E-28E7C87E7F1B}"/>
               </a:ext>
             </a:extLst>
           </p:cNvPr>
@@ -11170,7 +11228,7 @@
           <p:cNvPr id="5" name="Content Placeholder 2">
             <a:extLst>
               <a:ext uri="{FF2B5EF4-FFF2-40B4-BE49-F238E27FC236}">
-                <a16:creationId xmlns:a16="http://schemas.microsoft.com/office/drawing/2014/main" id="{70DE293A-4DF4-4ED7-A28B-C2DBE02B4783}"/>
+                <a16:creationId xmlns:a16="http://schemas.microsoft.com/office/drawing/2014/main" xmlns="" id="{70DE293A-4DF4-4ED7-A28B-C2DBE02B4783}"/>
               </a:ext>
             </a:extLst>
           </p:cNvPr>
@@ -11179,7 +11237,11 @@
           </p:cNvGraphicFramePr>
           <p:nvPr>
             <p:ph idx="1"/>
-            <p:extLst/>
+            <p:extLst>
+              <p:ext uri="{D42A27DB-BD31-4B8C-83A1-F6EECF244321}">
+                <p14:modId xmlns:p14="http://schemas.microsoft.com/office/powerpoint/2010/main" val="2433196843"/>
+              </p:ext>
+            </p:extLst>
           </p:nvPr>
         </p:nvGraphicFramePr>
         <p:xfrm>
@@ -11206,6 +11268,200 @@
 </file>
 
 <file path=ppt/slides/slide4.xml><?xml version="1.0" encoding="utf-8"?>
+<p:sld xmlns:a="http://schemas.openxmlformats.org/drawingml/2006/main" xmlns:r="http://schemas.openxmlformats.org/officeDocument/2006/relationships" xmlns:p="http://schemas.openxmlformats.org/presentationml/2006/main">
+  <p:cSld>
+    <p:spTree>
+      <p:nvGrpSpPr>
+        <p:cNvPr id="1" name=""/>
+        <p:cNvGrpSpPr/>
+        <p:nvPr/>
+      </p:nvGrpSpPr>
+      <p:grpSpPr>
+        <a:xfrm>
+          <a:off x="0" y="0"/>
+          <a:ext cx="0" cy="0"/>
+          <a:chOff x="0" y="0"/>
+          <a:chExt cx="0" cy="0"/>
+        </a:xfrm>
+      </p:grpSpPr>
+      <p:sp>
+        <p:nvSpPr>
+          <p:cNvPr id="2" name="Title 1"/>
+          <p:cNvSpPr>
+            <a:spLocks noGrp="1"/>
+          </p:cNvSpPr>
+          <p:nvPr>
+            <p:ph type="title"/>
+          </p:nvPr>
+        </p:nvSpPr>
+        <p:spPr/>
+        <p:txBody>
+          <a:bodyPr/>
+          <a:lstStyle/>
+          <a:p>
+            <a:r>
+              <a:rPr lang="en-US" dirty="0" smtClean="0">
+                <a:latin typeface="Bookman Old Style"/>
+                <a:cs typeface="Bookman Old Style"/>
+              </a:rPr>
+              <a:t>Data Processing </a:t>
+            </a:r>
+            <a:r>
+              <a:rPr lang="en-US" dirty="0" err="1" smtClean="0">
+                <a:latin typeface="Bookman Old Style"/>
+                <a:cs typeface="Bookman Old Style"/>
+              </a:rPr>
+              <a:t>iN</a:t>
+            </a:r>
+            <a:r>
+              <a:rPr lang="en-US" dirty="0" smtClean="0">
+                <a:latin typeface="Bookman Old Style"/>
+                <a:cs typeface="Bookman Old Style"/>
+              </a:rPr>
+              <a:t> Python</a:t>
+            </a:r>
+            <a:endParaRPr lang="en-US" dirty="0">
+              <a:latin typeface="Bookman Old Style"/>
+              <a:cs typeface="Bookman Old Style"/>
+            </a:endParaRPr>
+          </a:p>
+        </p:txBody>
+      </p:sp>
+      <p:sp>
+        <p:nvSpPr>
+          <p:cNvPr id="3" name="Content Placeholder 2"/>
+          <p:cNvSpPr>
+            <a:spLocks noGrp="1"/>
+          </p:cNvSpPr>
+          <p:nvPr>
+            <p:ph idx="1"/>
+          </p:nvPr>
+        </p:nvSpPr>
+        <p:spPr/>
+        <p:txBody>
+          <a:bodyPr>
+            <a:normAutofit/>
+          </a:bodyPr>
+          <a:lstStyle/>
+          <a:p>
+            <a:pPr marL="514350" lvl="0" indent="-514350">
+              <a:buFont typeface="+mj-lt"/>
+              <a:buAutoNum type="arabicPeriod"/>
+            </a:pPr>
+            <a:r>
+              <a:rPr lang="en-US" sz="2800" dirty="0">
+                <a:latin typeface="Bookman Old Style"/>
+                <a:cs typeface="Bookman Old Style"/>
+              </a:rPr>
+              <a:t>Pull raw data from LA City Crime API</a:t>
+            </a:r>
+          </a:p>
+          <a:p>
+            <a:pPr marL="514350" indent="-514350">
+              <a:buFont typeface="+mj-lt"/>
+              <a:buAutoNum type="arabicPeriod"/>
+            </a:pPr>
+            <a:r>
+              <a:rPr lang="en-US" sz="2800" dirty="0">
+                <a:latin typeface="Bookman Old Style"/>
+                <a:cs typeface="Bookman Old Style"/>
+              </a:rPr>
+              <a:t>Limit dataset to violent crimes</a:t>
+            </a:r>
+          </a:p>
+          <a:p>
+            <a:pPr marL="514350" indent="-514350">
+              <a:buFont typeface="+mj-lt"/>
+              <a:buAutoNum type="arabicPeriod"/>
+            </a:pPr>
+            <a:r>
+              <a:rPr lang="en-US" sz="2800" dirty="0">
+                <a:latin typeface="Bookman Old Style"/>
+                <a:cs typeface="Bookman Old Style"/>
+              </a:rPr>
+              <a:t>Use </a:t>
+            </a:r>
+            <a:r>
+              <a:rPr lang="en-US" sz="2800" dirty="0" err="1">
+                <a:latin typeface="Bookman Old Style"/>
+                <a:cs typeface="Bookman Old Style"/>
+              </a:rPr>
+              <a:t>lat</a:t>
+            </a:r>
+            <a:r>
+              <a:rPr lang="en-US" sz="2800" dirty="0">
+                <a:latin typeface="Bookman Old Style"/>
+                <a:cs typeface="Bookman Old Style"/>
+              </a:rPr>
+              <a:t>-longs to determine zip codes</a:t>
+            </a:r>
+          </a:p>
+          <a:p>
+            <a:pPr marL="514350" lvl="0" indent="-514350">
+              <a:buFont typeface="+mj-lt"/>
+              <a:buAutoNum type="arabicPeriod"/>
+            </a:pPr>
+            <a:r>
+              <a:rPr lang="en-US" sz="2800" dirty="0">
+                <a:latin typeface="Bookman Old Style"/>
+                <a:cs typeface="Bookman Old Style"/>
+              </a:rPr>
+              <a:t>Group-by zip code</a:t>
+            </a:r>
+          </a:p>
+          <a:p>
+            <a:pPr marL="514350" indent="-514350">
+              <a:buFont typeface="+mj-lt"/>
+              <a:buAutoNum type="arabicPeriod"/>
+            </a:pPr>
+            <a:r>
+              <a:rPr lang="en-US" sz="2800" dirty="0">
+                <a:latin typeface="Bookman Old Style"/>
+                <a:cs typeface="Bookman Old Style"/>
+              </a:rPr>
+              <a:t>Incorporate information about each zip code (population, </a:t>
+            </a:r>
+            <a:r>
+              <a:rPr lang="en-US" sz="2800" dirty="0" err="1">
+                <a:latin typeface="Bookman Old Style"/>
+                <a:cs typeface="Bookman Old Style"/>
+              </a:rPr>
+              <a:t>demographics,etc</a:t>
+            </a:r>
+            <a:r>
+              <a:rPr lang="en-US" sz="2800" dirty="0" smtClean="0">
+                <a:latin typeface="Bookman Old Style"/>
+                <a:cs typeface="Bookman Old Style"/>
+              </a:rPr>
+              <a:t>) using various libraries</a:t>
+            </a:r>
+            <a:endParaRPr lang="en-US" sz="2800" dirty="0">
+              <a:latin typeface="Bookman Old Style"/>
+              <a:cs typeface="Bookman Old Style"/>
+            </a:endParaRPr>
+          </a:p>
+          <a:p>
+            <a:endParaRPr lang="en-US" sz="2800" dirty="0">
+              <a:latin typeface="Bookman Old Style"/>
+              <a:cs typeface="Bookman Old Style"/>
+            </a:endParaRPr>
+          </a:p>
+        </p:txBody>
+      </p:sp>
+    </p:spTree>
+    <p:extLst>
+      <p:ext uri="{BB962C8B-B14F-4D97-AF65-F5344CB8AC3E}">
+        <p14:creationId xmlns:p14="http://schemas.microsoft.com/office/powerpoint/2010/main" val="4231656277"/>
+      </p:ext>
+    </p:extLst>
+  </p:cSld>
+  <p:clrMapOvr>
+    <a:masterClrMapping/>
+  </p:clrMapOvr>
+</p:sld>
+</file>
+
+<file path=ppt/slides/slide5.xml><?xml version="1.0" encoding="utf-8"?>
 <p:sld xmlns:a="http://schemas.openxmlformats.org/drawingml/2006/main" xmlns:r="http://schemas.openxmlformats.org/officeDocument/2006/relationships" xmlns:p="http://schemas.openxmlformats.org/presentationml/2006/main">
   <p:cSld>
     <p:bg>
@@ -11235,7 +11491,7 @@
           <p:cNvPr id="2" name="Title 1">
             <a:extLst>
               <a:ext uri="{FF2B5EF4-FFF2-40B4-BE49-F238E27FC236}">
-                <a16:creationId xmlns:a16="http://schemas.microsoft.com/office/drawing/2014/main" id="{BC60674F-B3BF-694D-BA74-4295192DAC56}"/>
+                <a16:creationId xmlns:a16="http://schemas.microsoft.com/office/drawing/2014/main" xmlns="" id="{BC60674F-B3BF-694D-BA74-4295192DAC56}"/>
               </a:ext>
             </a:extLst>
           </p:cNvPr>
@@ -11272,7 +11528,7 @@
           <p:cNvPr id="3" name="Content Placeholder 2">
             <a:extLst>
               <a:ext uri="{FF2B5EF4-FFF2-40B4-BE49-F238E27FC236}">
-                <a16:creationId xmlns:a16="http://schemas.microsoft.com/office/drawing/2014/main" id="{B7AE5F2C-BC83-964C-A8CB-D00BA55A9334}"/>
+                <a16:creationId xmlns:a16="http://schemas.microsoft.com/office/drawing/2014/main" xmlns="" id="{B7AE5F2C-BC83-964C-A8CB-D00BA55A9334}"/>
               </a:ext>
             </a:extLst>
           </p:cNvPr>
@@ -11311,7 +11567,7 @@
           <p:cNvPr id="4" name="TextBox 3">
             <a:extLst>
               <a:ext uri="{FF2B5EF4-FFF2-40B4-BE49-F238E27FC236}">
-                <a16:creationId xmlns:a16="http://schemas.microsoft.com/office/drawing/2014/main" id="{BCB0B6E9-65DE-3641-8ABE-ACABDF7EC6C9}"/>
+                <a16:creationId xmlns:a16="http://schemas.microsoft.com/office/drawing/2014/main" xmlns="" id="{BCB0B6E9-65DE-3641-8ABE-ACABDF7EC6C9}"/>
               </a:ext>
             </a:extLst>
           </p:cNvPr>
@@ -11336,6 +11592,9 @@
           <a:p>
             <a:r>
               <a:rPr lang="en-US" sz="4000" dirty="0">
+                <a:solidFill>
+                  <a:srgbClr val="FF0000"/>
+                </a:solidFill>
                 <a:highlight>
                   <a:srgbClr val="FFFF00"/>
                 </a:highlight>
@@ -11347,6 +11606,9 @@
           <a:p>
             <a:r>
               <a:rPr lang="en-US" sz="4000" dirty="0">
+                <a:solidFill>
+                  <a:srgbClr val="FF0000"/>
+                </a:solidFill>
                 <a:highlight>
                   <a:srgbClr val="FFFF00"/>
                 </a:highlight>
@@ -11362,7 +11624,7 @@
           <p:cNvPr id="5" name="TextBox 4">
             <a:extLst>
               <a:ext uri="{FF2B5EF4-FFF2-40B4-BE49-F238E27FC236}">
-                <a16:creationId xmlns:a16="http://schemas.microsoft.com/office/drawing/2014/main" id="{E73DE2C4-A66C-5442-A37D-67E607E7DA6F}"/>
+                <a16:creationId xmlns:a16="http://schemas.microsoft.com/office/drawing/2014/main" xmlns="" id="{E73DE2C4-A66C-5442-A37D-67E607E7DA6F}"/>
               </a:ext>
             </a:extLst>
           </p:cNvPr>
@@ -11394,7 +11656,7 @@
           <p:cNvPr id="7" name="TextBox 6">
             <a:extLst>
               <a:ext uri="{FF2B5EF4-FFF2-40B4-BE49-F238E27FC236}">
-                <a16:creationId xmlns:a16="http://schemas.microsoft.com/office/drawing/2014/main" id="{E8CA2DA7-0802-A643-A84A-D283336AFDF2}"/>
+                <a16:creationId xmlns:a16="http://schemas.microsoft.com/office/drawing/2014/main" xmlns="" id="{E8CA2DA7-0802-A643-A84A-D283336AFDF2}"/>
               </a:ext>
             </a:extLst>
           </p:cNvPr>
@@ -11403,8 +11665,8 @@
         </p:nvSpPr>
         <p:spPr>
           <a:xfrm>
-            <a:off x="1251678" y="1528761"/>
-            <a:ext cx="10472962" cy="5016758"/>
+            <a:off x="1215350" y="1659625"/>
+            <a:ext cx="10472962" cy="5016757"/>
           </a:xfrm>
           <a:prstGeom prst="rect">
             <a:avLst/>
@@ -11417,37 +11679,87 @@
           </a:bodyPr>
           <a:lstStyle/>
           <a:p>
-            <a:pPr marL="514350" indent="-514350">
+            <a:r>
+              <a:rPr lang="en-US" sz="3200" dirty="0" smtClean="0">
+                <a:latin typeface="Bookman Old Style" panose="02050604050505020204" pitchFamily="18" charset="0"/>
+              </a:rPr>
+              <a:t>All: Python, HTML, JavaScript</a:t>
+            </a:r>
+          </a:p>
+          <a:p>
+            <a:pPr marL="971550" lvl="1" indent="-514350">
               <a:buAutoNum type="arabicPeriod"/>
             </a:pPr>
+            <a:r>
+              <a:rPr lang="en-US" sz="3200" dirty="0" err="1" smtClean="0">
+                <a:latin typeface="Bookman Old Style" panose="02050604050505020204" pitchFamily="18" charset="0"/>
+              </a:rPr>
+              <a:t>Choropleth</a:t>
+            </a:r>
+            <a:r>
+              <a:rPr lang="en-US" sz="3200" dirty="0" smtClean="0">
+                <a:latin typeface="Bookman Old Style" panose="02050604050505020204" pitchFamily="18" charset="0"/>
+              </a:rPr>
+              <a:t> </a:t>
+            </a:r>
             <a:r>
               <a:rPr lang="en-US" sz="3200" dirty="0">
                 <a:latin typeface="Bookman Old Style" panose="02050604050505020204" pitchFamily="18" charset="0"/>
               </a:rPr>
-              <a:t>Choropleth Maps: Leaflet, Python, HTML/JavaScript</a:t>
+              <a:t>Maps: Leaflet, </a:t>
             </a:r>
-          </a:p>
-          <a:p>
-            <a:pPr marL="514350" indent="-514350">
+            <a:endParaRPr lang="en-US" sz="3200" dirty="0" smtClean="0">
+              <a:latin typeface="Bookman Old Style" panose="02050604050505020204" pitchFamily="18" charset="0"/>
+            </a:endParaRPr>
+          </a:p>
+          <a:p>
+            <a:pPr marL="971550" lvl="1" indent="-514350">
               <a:buAutoNum type="arabicPeriod"/>
             </a:pPr>
+            <a:r>
+              <a:rPr lang="en-US" sz="3200" dirty="0" smtClean="0">
+                <a:latin typeface="Bookman Old Style" panose="02050604050505020204" pitchFamily="18" charset="0"/>
+              </a:rPr>
+              <a:t>Charts: </a:t>
+            </a:r>
+            <a:r>
+              <a:rPr lang="en-US" sz="3200" dirty="0" err="1" smtClean="0">
+                <a:latin typeface="Bookman Old Style" panose="02050604050505020204" pitchFamily="18" charset="0"/>
+              </a:rPr>
+              <a:t>ChartJS</a:t>
+            </a:r>
+            <a:r>
+              <a:rPr lang="en-US" sz="3200" dirty="0" smtClean="0">
+                <a:latin typeface="Bookman Old Style" panose="02050604050505020204" pitchFamily="18" charset="0"/>
+              </a:rPr>
+              <a:t>,</a:t>
+            </a:r>
+          </a:p>
+          <a:p>
+            <a:pPr marL="971550" lvl="1" indent="-514350">
+              <a:buAutoNum type="arabicPeriod"/>
+            </a:pPr>
+            <a:r>
+              <a:rPr lang="en-US" sz="3200" dirty="0" smtClean="0">
+                <a:latin typeface="Bookman Old Style" panose="02050604050505020204" pitchFamily="18" charset="0"/>
+              </a:rPr>
+              <a:t>Scatter</a:t>
+            </a:r>
             <a:r>
               <a:rPr lang="en-US" sz="3200" dirty="0">
                 <a:latin typeface="Bookman Old Style" panose="02050604050505020204" pitchFamily="18" charset="0"/>
               </a:rPr>
-              <a:t>Charts: ChartJS,</a:t>
+              <a:t>: </a:t>
             </a:r>
-          </a:p>
-          <a:p>
-            <a:pPr marL="514350" indent="-514350">
-              <a:buAutoNum type="arabicPeriod"/>
-            </a:pPr>
             <a:r>
-              <a:rPr lang="en-US" sz="3200" dirty="0">
+              <a:rPr lang="en-US" sz="3200" dirty="0" smtClean="0">
                 <a:latin typeface="Bookman Old Style" panose="02050604050505020204" pitchFamily="18" charset="0"/>
               </a:rPr>
-              <a:t>Scatter: D3, HTML/JavaScript,</a:t>
+              <a:t>D3</a:t>
             </a:r>
+            <a:endParaRPr lang="en-US" sz="3200" dirty="0">
+              <a:latin typeface="Bookman Old Style" panose="02050604050505020204" pitchFamily="18" charset="0"/>
+            </a:endParaRPr>
           </a:p>
           <a:p>
             <a:endParaRPr lang="en-US" sz="3200" dirty="0">
@@ -11547,7 +11859,7 @@
     </a:clrScheme>
     <a:fontScheme name="Badge">
       <a:majorFont>
-        <a:latin typeface="Impact" panose="020B0806030902050204"/>
+        <a:latin typeface="Impact"/>
         <a:ea typeface=""/>
         <a:cs typeface=""/>
         <a:font script="Jpan" typeface="メイリオ"/>
@@ -11582,7 +11894,7 @@
         <a:font script="Geor" typeface="Sylfaen"/>
       </a:majorFont>
       <a:minorFont>
-        <a:latin typeface="Gill Sans MT" panose="020B0502020104020203"/>
+        <a:latin typeface="Gill Sans MT"/>
         <a:ea typeface=""/>
         <a:cs typeface=""/>
         <a:font script="Grek" typeface="Corbel"/>
@@ -11758,7 +12070,7 @@
   <a:extraClrSchemeLst/>
   <a:extLst>
     <a:ext uri="{05A4C25C-085E-4340-85A3-A5531E510DB2}">
-      <thm15:themeFamily xmlns:thm15="http://schemas.microsoft.com/office/thememl/2012/main" name="Badge" id="{71A07785-5930-41D4-9A83-E23602B48E98}" vid="{D71F8F05-6246-47AF-9E68-E57F6C93F792}"/>
+      <thm15:themeFamily xmlns:thm15="http://schemas.microsoft.com/office/thememl/2012/main" xmlns="" name="Badge" id="{71A07785-5930-41D4-9A83-E23602B48E98}" vid="{D71F8F05-6246-47AF-9E68-E57F6C93F792}"/>
     </a:ext>
   </a:extLst>
 </a:theme>
